--- a/spring17/slidesS17/gray-edges.pptx
+++ b/spring17/slidesS17/gray-edges.pptx
@@ -15040,7 +15040,7 @@
           <a:graphicData uri="http://schemas.openxmlformats.org/presentationml/2006/ole">
             <mc:AlternateContent xmlns:mc="http://schemas.openxmlformats.org/markup-compatibility/2006">
               <mc:Choice xmlns:v="urn:schemas-microsoft-com:vml" Requires="v">
-                <p:oleObj spid="_x0000_s41988" name="Equation" r:id="rId3" imgW="393700" imgH="228600" progId="Equation.DSMT4">
+                <p:oleObj spid="_x0000_s41991" name="Equation" r:id="rId3" imgW="393700" imgH="228600" progId="Equation.DSMT4">
                   <p:embed/>
                 </p:oleObj>
               </mc:Choice>
@@ -17692,7 +17692,7 @@
           <a:graphicData uri="http://schemas.openxmlformats.org/presentationml/2006/ole">
             <mc:AlternateContent xmlns:mc="http://schemas.openxmlformats.org/markup-compatibility/2006">
               <mc:Choice xmlns:v="urn:schemas-microsoft-com:vml" Requires="v">
-                <p:oleObj spid="_x0000_s43012" name="Equation" r:id="rId3" imgW="635000" imgH="228600" progId="Equation.DSMT4">
+                <p:oleObj spid="_x0000_s43015" name="Equation" r:id="rId3" imgW="635000" imgH="228600" progId="Equation.DSMT4">
                   <p:embed/>
                 </p:oleObj>
               </mc:Choice>
@@ -18110,7 +18110,7 @@
             <a:graphicData uri="http://schemas.openxmlformats.org/presentationml/2006/ole">
               <mc:AlternateContent xmlns:mc="http://schemas.openxmlformats.org/markup-compatibility/2006">
                 <mc:Choice xmlns:v="urn:schemas-microsoft-com:vml" Requires="v">
-                  <p:oleObj spid="_x0000_s44036" name="Equation" r:id="rId3" imgW="635000" imgH="228600" progId="Equation.DSMT4">
+                  <p:oleObj spid="_x0000_s44039" name="Equation" r:id="rId3" imgW="635000" imgH="228600" progId="Equation.DSMT4">
                     <p:embed/>
                   </p:oleObj>
                 </mc:Choice>
@@ -20338,7 +20338,7 @@
           <a:graphicData uri="http://schemas.openxmlformats.org/presentationml/2006/ole">
             <mc:AlternateContent xmlns:mc="http://schemas.openxmlformats.org/markup-compatibility/2006">
               <mc:Choice xmlns:v="urn:schemas-microsoft-com:vml" Requires="v">
-                <p:oleObj spid="_x0000_s46084" name="Equation" r:id="rId3" imgW="635000" imgH="228600" progId="Equation.DSMT4">
+                <p:oleObj spid="_x0000_s46087" name="Equation" r:id="rId3" imgW="635000" imgH="228600" progId="Equation.DSMT4">
                   <p:embed/>
                 </p:oleObj>
               </mc:Choice>
@@ -24526,7 +24526,7 @@
       </p:sp>
       <p:sp>
         <p:nvSpPr>
-          <p:cNvPr id="6" name="Title 1"/>
+          <p:cNvPr id="7" name="Title 1"/>
           <p:cNvSpPr>
             <a:spLocks noGrp="1"/>
           </p:cNvSpPr>
@@ -24546,23 +24546,11 @@
           <a:p>
             <a:r>
               <a:rPr lang="en-US" dirty="0" smtClean="0"/>
-              <a:t>Connected Graph </a:t>
-            </a:r>
-            <a:r>
-              <a:rPr lang="en-US" dirty="0" smtClean="0">
-                <a:solidFill>
-                  <a:schemeClr val="accent1">
-                    <a:lumMod val="50000"/>
-                  </a:schemeClr>
-                </a:solidFill>
-              </a:rPr>
-              <a:t>G</a:t>
+              <a:t>Black-white coloring</a:t>
             </a:r>
             <a:endParaRPr lang="en-US" dirty="0">
               <a:solidFill>
-                <a:schemeClr val="accent1">
-                  <a:lumMod val="50000"/>
-                </a:schemeClr>
+                <a:srgbClr val="0000E5"/>
               </a:solidFill>
             </a:endParaRPr>
           </a:p>
@@ -24899,103 +24887,15 @@
   <p:clrMapOvr>
     <a:masterClrMapping/>
   </p:clrMapOvr>
-  <mc:AlternateContent xmlns:mc="http://schemas.openxmlformats.org/markup-compatibility/2006" xmlns:p14="http://schemas.microsoft.com/office/powerpoint/2010/main">
-    <mc:Choice Requires="p14">
-      <p:transition spd="med" p14:dur="700" advClick="0">
-        <p:fade/>
-      </p:transition>
-    </mc:Choice>
-    <mc:Fallback xmlns="">
-      <p:transition xmlns:p14="http://schemas.microsoft.com/office/powerpoint/2010/main" spd="med" advClick="0">
-        <p:fade/>
-      </p:transition>
-    </mc:Fallback>
-  </mc:AlternateContent>
+  <p:transition xmlns:p14="http://schemas.microsoft.com/office/powerpoint/2010/main" advClick="0">
+    <p:fade/>
+  </p:transition>
   <p:timing>
     <p:tnLst>
       <p:par>
-        <p:cTn xmlns:p14="http://schemas.microsoft.com/office/powerpoint/2010/main" id="1" dur="indefinite" restart="never" nodeType="tmRoot">
-          <p:childTnLst>
-            <p:seq concurrent="1" nextAc="seek">
-              <p:cTn id="2" dur="indefinite" nodeType="mainSeq">
-                <p:childTnLst>
-                  <p:par>
-                    <p:cTn id="3" fill="hold">
-                      <p:stCondLst>
-                        <p:cond delay="indefinite"/>
-                      </p:stCondLst>
-                      <p:childTnLst>
-                        <p:par>
-                          <p:cTn id="4" fill="hold">
-                            <p:stCondLst>
-                              <p:cond delay="0"/>
-                            </p:stCondLst>
-                            <p:childTnLst>
-                              <p:par>
-                                <p:cTn id="5" presetID="10" presetClass="entr" presetSubtype="0" fill="hold" grpId="0" nodeType="clickEffect">
-                                  <p:stCondLst>
-                                    <p:cond delay="0"/>
-                                  </p:stCondLst>
-                                  <p:childTnLst>
-                                    <p:set>
-                                      <p:cBhvr>
-                                        <p:cTn id="6" dur="1" fill="hold">
-                                          <p:stCondLst>
-                                            <p:cond delay="0"/>
-                                          </p:stCondLst>
-                                        </p:cTn>
-                                        <p:tgtEl>
-                                          <p:spTgt spid="5"/>
-                                        </p:tgtEl>
-                                        <p:attrNameLst>
-                                          <p:attrName>style.visibility</p:attrName>
-                                        </p:attrNameLst>
-                                      </p:cBhvr>
-                                      <p:to>
-                                        <p:strVal val="visible"/>
-                                      </p:to>
-                                    </p:set>
-                                    <p:animEffect transition="in" filter="fade">
-                                      <p:cBhvr>
-                                        <p:cTn id="7" dur="500"/>
-                                        <p:tgtEl>
-                                          <p:spTgt spid="5"/>
-                                        </p:tgtEl>
-                                      </p:cBhvr>
-                                    </p:animEffect>
-                                  </p:childTnLst>
-                                </p:cTn>
-                              </p:par>
-                            </p:childTnLst>
-                          </p:cTn>
-                        </p:par>
-                      </p:childTnLst>
-                    </p:cTn>
-                  </p:par>
-                </p:childTnLst>
-              </p:cTn>
-              <p:prevCondLst>
-                <p:cond evt="onPrev" delay="0">
-                  <p:tgtEl>
-                    <p:sldTgt/>
-                  </p:tgtEl>
-                </p:cond>
-              </p:prevCondLst>
-              <p:nextCondLst>
-                <p:cond evt="onNext" delay="0">
-                  <p:tgtEl>
-                    <p:sldTgt/>
-                  </p:tgtEl>
-                </p:cond>
-              </p:nextCondLst>
-            </p:seq>
-          </p:childTnLst>
-        </p:cTn>
+        <p:cTn xmlns:p14="http://schemas.microsoft.com/office/powerpoint/2010/main" id="1" dur="indefinite" restart="never" nodeType="tmRoot"/>
       </p:par>
     </p:tnLst>
-    <p:bldLst>
-      <p:bldP spid="5" grpId="0"/>
-    </p:bldLst>
   </p:timing>
 </p:sld>
 </file>
@@ -25927,7 +25827,7 @@
           <a:graphicData uri="http://schemas.openxmlformats.org/presentationml/2006/ole">
             <mc:AlternateContent xmlns:mc="http://schemas.openxmlformats.org/markup-compatibility/2006">
               <mc:Choice xmlns:v="urn:schemas-microsoft-com:vml" Requires="v">
-                <p:oleObj spid="_x0000_s32787" name="Equation" r:id="rId3" imgW="635000" imgH="228600" progId="Equation.DSMT4">
+                <p:oleObj spid="_x0000_s32790" name="Equation" r:id="rId3" imgW="635000" imgH="228600" progId="Equation.DSMT4">
                   <p:embed/>
                 </p:oleObj>
               </mc:Choice>
@@ -27109,7 +27009,7 @@
           <a:graphicData uri="http://schemas.openxmlformats.org/presentationml/2006/ole">
             <mc:AlternateContent xmlns:mc="http://schemas.openxmlformats.org/markup-compatibility/2006">
               <mc:Choice xmlns:v="urn:schemas-microsoft-com:vml" Requires="v">
-                <p:oleObj spid="_x0000_s48132" name="Equation" r:id="rId3" imgW="635000" imgH="228600" progId="Equation.DSMT4">
+                <p:oleObj spid="_x0000_s48135" name="Equation" r:id="rId3" imgW="635000" imgH="228600" progId="Equation.DSMT4">
                   <p:embed/>
                 </p:oleObj>
               </mc:Choice>
@@ -27826,7 +27726,7 @@
           <a:graphicData uri="http://schemas.openxmlformats.org/presentationml/2006/ole">
             <mc:AlternateContent xmlns:mc="http://schemas.openxmlformats.org/markup-compatibility/2006">
               <mc:Choice xmlns:v="urn:schemas-microsoft-com:vml" Requires="v">
-                <p:oleObj spid="_x0000_s40966" name="Equation" r:id="rId3" imgW="1117600" imgH="152400" progId="Equation.DSMT4">
+                <p:oleObj spid="_x0000_s40971" name="Equation" r:id="rId3" imgW="1117600" imgH="152400" progId="Equation.DSMT4">
                   <p:embed/>
                 </p:oleObj>
               </mc:Choice>
@@ -27883,7 +27783,7 @@
           <a:graphicData uri="http://schemas.openxmlformats.org/presentationml/2006/ole">
             <mc:AlternateContent xmlns:mc="http://schemas.openxmlformats.org/markup-compatibility/2006">
               <mc:Choice xmlns:v="urn:schemas-microsoft-com:vml" Requires="v">
-                <p:oleObj spid="_x0000_s40967" name="Equation" r:id="rId5" imgW="889000" imgH="228600" progId="Equation.DSMT4">
+                <p:oleObj spid="_x0000_s40972" name="Equation" r:id="rId5" imgW="889000" imgH="228600" progId="Equation.DSMT4">
                   <p:embed/>
                 </p:oleObj>
               </mc:Choice>

--- a/spring17/slidesS17/gray-edges.pptx
+++ b/spring17/slidesS17/gray-edges.pptx
@@ -5,10 +5,10 @@
     <p:sldMasterId id="2147483650" r:id="rId1"/>
   </p:sldMasterIdLst>
   <p:notesMasterIdLst>
-    <p:notesMasterId r:id="rId25"/>
+    <p:notesMasterId r:id="rId30"/>
   </p:notesMasterIdLst>
   <p:handoutMasterIdLst>
-    <p:handoutMasterId r:id="rId26"/>
+    <p:handoutMasterId r:id="rId31"/>
   </p:handoutMasterIdLst>
   <p:sldIdLst>
     <p:sldId id="462" r:id="rId2"/>
@@ -16,29 +16,34 @@
     <p:sldId id="674" r:id="rId4"/>
     <p:sldId id="675" r:id="rId5"/>
     <p:sldId id="665" r:id="rId6"/>
-    <p:sldId id="677" r:id="rId7"/>
+    <p:sldId id="709" r:id="rId7"/>
     <p:sldId id="672" r:id="rId8"/>
-    <p:sldId id="705" r:id="rId9"/>
-    <p:sldId id="695" r:id="rId10"/>
-    <p:sldId id="696" r:id="rId11"/>
-    <p:sldId id="697" r:id="rId12"/>
-    <p:sldId id="698" r:id="rId13"/>
-    <p:sldId id="699" r:id="rId14"/>
-    <p:sldId id="700" r:id="rId15"/>
-    <p:sldId id="701" r:id="rId16"/>
-    <p:sldId id="702" r:id="rId17"/>
-    <p:sldId id="704" r:id="rId18"/>
-    <p:sldId id="678" r:id="rId19"/>
-    <p:sldId id="681" r:id="rId20"/>
-    <p:sldId id="682" r:id="rId21"/>
-    <p:sldId id="688" r:id="rId22"/>
-    <p:sldId id="689" r:id="rId23"/>
-    <p:sldId id="690" r:id="rId24"/>
+    <p:sldId id="707" r:id="rId9"/>
+    <p:sldId id="706" r:id="rId10"/>
+    <p:sldId id="677" r:id="rId11"/>
+    <p:sldId id="708" r:id="rId12"/>
+    <p:sldId id="710" r:id="rId13"/>
+    <p:sldId id="705" r:id="rId14"/>
+    <p:sldId id="695" r:id="rId15"/>
+    <p:sldId id="696" r:id="rId16"/>
+    <p:sldId id="697" r:id="rId17"/>
+    <p:sldId id="698" r:id="rId18"/>
+    <p:sldId id="699" r:id="rId19"/>
+    <p:sldId id="700" r:id="rId20"/>
+    <p:sldId id="701" r:id="rId21"/>
+    <p:sldId id="702" r:id="rId22"/>
+    <p:sldId id="704" r:id="rId23"/>
+    <p:sldId id="678" r:id="rId24"/>
+    <p:sldId id="681" r:id="rId25"/>
+    <p:sldId id="682" r:id="rId26"/>
+    <p:sldId id="688" r:id="rId27"/>
+    <p:sldId id="689" r:id="rId28"/>
+    <p:sldId id="690" r:id="rId29"/>
   </p:sldIdLst>
   <p:sldSz cx="9144000" cy="6858000" type="letter"/>
   <p:notesSz cx="9601200" cy="7315200"/>
   <p:custDataLst>
-    <p:tags r:id="rId28"/>
+    <p:tags r:id="rId33"/>
   </p:custDataLst>
   <p:defaultTextStyle>
     <a:defPPr>
@@ -973,7 +978,7 @@
             <a:fld id="{2290380C-F846-4D61-BB06-6FCFBA28E193}" type="slidenum">
               <a:rPr lang="en-US" smtClean="0"/>
               <a:pPr/>
-              <a:t>11</a:t>
+              <a:t>16</a:t>
             </a:fld>
             <a:endParaRPr lang="en-US"/>
           </a:p>
@@ -1104,7 +1109,7 @@
       </p:sp>
       <p:sp>
         <p:nvSpPr>
-          <p:cNvPr id="5" name="Rectangle 20"/>
+          <p:cNvPr id="6" name="Rectangle 20"/>
           <p:cNvSpPr>
             <a:spLocks noGrp="1" noChangeArrowheads="1"/>
           </p:cNvSpPr>
@@ -1114,8 +1119,8 @@
         </p:nvSpPr>
         <p:spPr bwMode="auto">
           <a:xfrm>
-            <a:off x="8064186" y="6553200"/>
-            <a:ext cx="1032191" cy="246221"/>
+            <a:off x="8069884" y="6553200"/>
+            <a:ext cx="1026493" cy="246221"/>
           </a:xfrm>
           <a:prstGeom prst="rect">
             <a:avLst/>
@@ -1150,7 +1155,7 @@
             </a:pPr>
             <a:r>
               <a:rPr lang="en-US" dirty="0" smtClean="0"/>
-              <a:t>connected.</a:t>
+              <a:t>grey-edge.</a:t>
             </a:r>
             <a:fld id="{D7F2FC53-1536-41A9-A9C1-2199CF803E30}" type="slidenum">
               <a:rPr lang="en-US" smtClean="0"/>
@@ -1284,7 +1289,7 @@
       </p:sp>
       <p:sp>
         <p:nvSpPr>
-          <p:cNvPr id="5" name="Rectangle 20"/>
+          <p:cNvPr id="6" name="Rectangle 20"/>
           <p:cNvSpPr>
             <a:spLocks noGrp="1" noChangeArrowheads="1"/>
           </p:cNvSpPr>
@@ -1294,8 +1299,8 @@
         </p:nvSpPr>
         <p:spPr bwMode="auto">
           <a:xfrm>
-            <a:off x="8064186" y="6553200"/>
-            <a:ext cx="1032191" cy="246221"/>
+            <a:off x="8069884" y="6553200"/>
+            <a:ext cx="1026493" cy="246221"/>
           </a:xfrm>
           <a:prstGeom prst="rect">
             <a:avLst/>
@@ -1330,7 +1335,7 @@
             </a:pPr>
             <a:r>
               <a:rPr lang="en-US" dirty="0" smtClean="0"/>
-              <a:t>connected.</a:t>
+              <a:t>grey-edge.</a:t>
             </a:r>
             <a:fld id="{D7F2FC53-1536-41A9-A9C1-2199CF803E30}" type="slidenum">
               <a:rPr lang="en-US" smtClean="0"/>
@@ -1496,8 +1501,8 @@
         </p:nvSpPr>
         <p:spPr bwMode="auto">
           <a:xfrm>
-            <a:off x="8064186" y="6553200"/>
-            <a:ext cx="1032191" cy="246221"/>
+            <a:off x="8155732" y="6553200"/>
+            <a:ext cx="940645" cy="246221"/>
           </a:xfrm>
           <a:prstGeom prst="rect">
             <a:avLst/>
@@ -1532,7 +1537,7 @@
             </a:pPr>
             <a:r>
               <a:rPr lang="en-US" dirty="0" smtClean="0"/>
-              <a:t>connected.</a:t>
+              <a:t>min-gray.</a:t>
             </a:r>
             <a:fld id="{D7F2FC53-1536-41A9-A9C1-2199CF803E30}" type="slidenum">
               <a:rPr lang="en-US" smtClean="0"/>
@@ -1614,7 +1619,7 @@
       </p:sp>
       <p:sp>
         <p:nvSpPr>
-          <p:cNvPr id="4" name="Rectangle 20"/>
+          <p:cNvPr id="5" name="Rectangle 20"/>
           <p:cNvSpPr>
             <a:spLocks noGrp="1" noChangeArrowheads="1"/>
           </p:cNvSpPr>
@@ -1624,8 +1629,8 @@
         </p:nvSpPr>
         <p:spPr bwMode="auto">
           <a:xfrm>
-            <a:off x="8064186" y="6553200"/>
-            <a:ext cx="1032191" cy="246221"/>
+            <a:off x="8069884" y="6553200"/>
+            <a:ext cx="1026493" cy="246221"/>
           </a:xfrm>
           <a:prstGeom prst="rect">
             <a:avLst/>
@@ -1660,7 +1665,7 @@
             </a:pPr>
             <a:r>
               <a:rPr lang="en-US" dirty="0" smtClean="0"/>
-              <a:t>connected.</a:t>
+              <a:t>grey-edge.</a:t>
             </a:r>
             <a:fld id="{D7F2FC53-1536-41A9-A9C1-2199CF803E30}" type="slidenum">
               <a:rPr lang="en-US" smtClean="0"/>
@@ -1719,7 +1724,7 @@
       </p:grpSpPr>
       <p:sp>
         <p:nvSpPr>
-          <p:cNvPr id="3" name="Rectangle 20"/>
+          <p:cNvPr id="4" name="Rectangle 20"/>
           <p:cNvSpPr>
             <a:spLocks noGrp="1" noChangeArrowheads="1"/>
           </p:cNvSpPr>
@@ -1729,8 +1734,8 @@
         </p:nvSpPr>
         <p:spPr bwMode="auto">
           <a:xfrm>
-            <a:off x="8064186" y="6553200"/>
-            <a:ext cx="1032191" cy="246221"/>
+            <a:off x="8069884" y="6553200"/>
+            <a:ext cx="1026493" cy="246221"/>
           </a:xfrm>
           <a:prstGeom prst="rect">
             <a:avLst/>
@@ -1765,7 +1770,7 @@
             </a:pPr>
             <a:r>
               <a:rPr lang="en-US" dirty="0" smtClean="0"/>
-              <a:t>connected.</a:t>
+              <a:t>grey-edge.</a:t>
             </a:r>
             <a:fld id="{D7F2FC53-1536-41A9-A9C1-2199CF803E30}" type="slidenum">
               <a:rPr lang="en-US" smtClean="0"/>
@@ -1992,8 +1997,8 @@
         </p:nvSpPr>
         <p:spPr bwMode="auto">
           <a:xfrm>
-            <a:off x="8064186" y="6553200"/>
-            <a:ext cx="1032191" cy="246221"/>
+            <a:off x="8155732" y="6553200"/>
+            <a:ext cx="940645" cy="246221"/>
           </a:xfrm>
           <a:prstGeom prst="rect">
             <a:avLst/>
@@ -2028,7 +2033,7 @@
             </a:pPr>
             <a:r>
               <a:rPr lang="en-US" dirty="0" smtClean="0"/>
-              <a:t>connected.</a:t>
+              <a:t>min-gray.</a:t>
             </a:r>
             <a:fld id="{D7F2FC53-1536-41A9-A9C1-2199CF803E30}" type="slidenum">
               <a:rPr lang="en-US" smtClean="0"/>
@@ -2324,7 +2329,22 @@
                 <a:uFillTx/>
                 <a:latin typeface="Comic Sans MS" pitchFamily="66" charset="0"/>
               </a:rPr>
-              <a:t>Albert R Meyer       April 8, 2016</a:t>
+              <a:t>Albert R Meyer       April </a:t>
+            </a:r>
+            <a:r>
+              <a:rPr kumimoji="0" lang="en-US" sz="1200" b="0" i="0" u="none" strike="noStrike" kern="1200" cap="none" spc="0" normalizeH="0" baseline="0" noProof="0" dirty="0" smtClean="0">
+                <a:ln>
+                  <a:noFill/>
+                </a:ln>
+                <a:solidFill>
+                  <a:schemeClr val="tx1"/>
+                </a:solidFill>
+                <a:effectLst/>
+                <a:uLnTx/>
+                <a:uFillTx/>
+                <a:latin typeface="Comic Sans MS" pitchFamily="66" charset="0"/>
+              </a:rPr>
+              <a:t>14, 2017</a:t>
             </a:r>
             <a:endParaRPr kumimoji="0" lang="en-US" sz="1200" b="0" i="0" u="none" strike="noStrike" kern="1200" cap="none" spc="0" normalizeH="0" baseline="0" noProof="0" dirty="0">
               <a:ln>
@@ -3057,8 +3077,8 @@
         </p:nvSpPr>
         <p:spPr bwMode="auto">
           <a:xfrm>
-            <a:off x="8259967" y="6553200"/>
-            <a:ext cx="884039" cy="246221"/>
+            <a:off x="8351514" y="6553200"/>
+            <a:ext cx="792492" cy="246221"/>
           </a:xfrm>
           <a:prstGeom prst="rect">
             <a:avLst/>
@@ -3113,13 +3133,7 @@
                 <a:ea typeface="+mn-ea"/>
                 <a:cs typeface="+mn-cs"/>
               </a:rPr>
-              <a:t>connected</a:t>
-            </a:r>
-            <a:r>
-              <a:rPr lang="en-US" sz="1000" dirty="0" smtClean="0">
-                <a:latin typeface="+mj-lt"/>
-              </a:rPr>
-              <a:t>.</a:t>
+              <a:t>min-gray.</a:t>
             </a:r>
             <a:fld id="{B5B77044-B6D2-4171-A09C-C512413DA1DA}" type="slidenum">
               <a:rPr kumimoji="0" lang="en-US" sz="1000" b="0" i="0" u="none" strike="noStrike" kern="1200" cap="none" spc="0" normalizeH="0" baseline="0" noProof="0" smtClean="0">
@@ -3345,6 +3359,2931 @@
       </p:grpSpPr>
       <p:sp>
         <p:nvSpPr>
+          <p:cNvPr id="2" name="Title 1"/>
+          <p:cNvSpPr>
+            <a:spLocks noGrp="1"/>
+          </p:cNvSpPr>
+          <p:nvPr>
+            <p:ph type="title"/>
+          </p:nvPr>
+        </p:nvSpPr>
+        <p:spPr/>
+        <p:txBody>
+          <a:bodyPr/>
+          <a:lstStyle/>
+          <a:p>
+            <a:r>
+              <a:rPr lang="en-US" dirty="0" smtClean="0"/>
+              <a:t>Gray Edge </a:t>
+            </a:r>
+            <a:r>
+              <a:rPr lang="en-US" dirty="0">
+                <a:solidFill>
+                  <a:srgbClr val="FF00FF"/>
+                </a:solidFill>
+              </a:rPr>
+              <a:t>Swap</a:t>
+            </a:r>
+            <a:r>
+              <a:rPr lang="en-US" dirty="0"/>
+              <a:t> </a:t>
+            </a:r>
+            <a:r>
+              <a:rPr lang="en-US" dirty="0">
+                <a:solidFill>
+                  <a:srgbClr val="FF00FF"/>
+                </a:solidFill>
+              </a:rPr>
+              <a:t>Lemma</a:t>
+            </a:r>
+          </a:p>
+        </p:txBody>
+      </p:sp>
+      <p:sp>
+        <p:nvSpPr>
+          <p:cNvPr id="3" name="Content Placeholder 2"/>
+          <p:cNvSpPr>
+            <a:spLocks noGrp="1"/>
+          </p:cNvSpPr>
+          <p:nvPr>
+            <p:ph idx="1"/>
+          </p:nvPr>
+        </p:nvSpPr>
+        <p:spPr>
+          <a:xfrm>
+            <a:off x="152400" y="1295400"/>
+            <a:ext cx="8915400" cy="5181600"/>
+          </a:xfrm>
+        </p:spPr>
+        <p:txBody>
+          <a:bodyPr/>
+          <a:lstStyle/>
+          <a:p>
+            <a:r>
+              <a:rPr lang="en-US" sz="5400" dirty="0" smtClean="0"/>
+              <a:t>Suppose </a:t>
+            </a:r>
+            <a:r>
+              <a:rPr lang="en-US" sz="5400" b="1" i="1" dirty="0" smtClean="0">
+                <a:ln w="12700">
+                  <a:solidFill>
+                    <a:schemeClr val="tx2">
+                      <a:satMod val="155000"/>
+                    </a:schemeClr>
+                  </a:solidFill>
+                  <a:prstDash val="solid"/>
+                </a:ln>
+                <a:solidFill>
+                  <a:schemeClr val="bg2">
+                    <a:tint val="85000"/>
+                    <a:satMod val="155000"/>
+                  </a:schemeClr>
+                </a:solidFill>
+                <a:effectLst>
+                  <a:outerShdw blurRad="41275" dist="20320" dir="1800000" algn="tl" rotWithShape="0">
+                    <a:srgbClr val="000000">
+                      <a:alpha val="40000"/>
+                    </a:srgbClr>
+                  </a:outerShdw>
+                </a:effectLst>
+                <a:latin typeface="PT Serif"/>
+                <a:cs typeface="PT Serif"/>
+              </a:rPr>
+              <a:t>e</a:t>
+            </a:r>
+            <a:r>
+              <a:rPr lang="en-US" sz="5400" dirty="0" smtClean="0"/>
+              <a:t> </a:t>
+            </a:r>
+            <a:r>
+              <a:rPr lang="en-US" sz="5400" dirty="0">
+                <a:solidFill>
+                  <a:srgbClr val="FF0000"/>
+                </a:solidFill>
+              </a:rPr>
+              <a:t>not</a:t>
+            </a:r>
+            <a:r>
+              <a:rPr lang="en-US" sz="5400" dirty="0"/>
+              <a:t> an </a:t>
+            </a:r>
+            <a:r>
+              <a:rPr lang="en-US" sz="5400" dirty="0" smtClean="0"/>
+              <a:t>edge of </a:t>
+            </a:r>
+          </a:p>
+          <a:p>
+            <a:r>
+              <a:rPr lang="en-US" sz="5400" dirty="0" err="1" smtClean="0">
+                <a:solidFill>
+                  <a:srgbClr val="008000"/>
+                </a:solidFill>
+              </a:rPr>
+              <a:t>css</a:t>
+            </a:r>
+            <a:r>
+              <a:rPr lang="en-US" sz="5400" dirty="0" smtClean="0"/>
+              <a:t> </a:t>
+            </a:r>
+            <a:r>
+              <a:rPr lang="en-US" sz="5400" dirty="0" smtClean="0">
+                <a:solidFill>
+                  <a:srgbClr val="0000E5"/>
+                </a:solidFill>
+              </a:rPr>
+              <a:t>C</a:t>
+            </a:r>
+            <a:r>
+              <a:rPr lang="en-US" sz="5400" dirty="0" smtClean="0"/>
+              <a:t>.</a:t>
+            </a:r>
+            <a:endParaRPr lang="en-US" sz="4400" b="1" dirty="0">
+              <a:solidFill>
+                <a:srgbClr val="0000F1"/>
+              </a:solidFill>
+              <a:latin typeface="Euclid Symbol" charset="2"/>
+              <a:cs typeface="Euclid Symbol" charset="2"/>
+            </a:endParaRPr>
+          </a:p>
+          <a:p>
+            <a:endParaRPr lang="en-US" sz="4800" dirty="0" smtClean="0"/>
+          </a:p>
+        </p:txBody>
+      </p:sp>
+      <p:sp>
+        <p:nvSpPr>
+          <p:cNvPr id="4" name="Slide Number Placeholder 3"/>
+          <p:cNvSpPr>
+            <a:spLocks noGrp="1"/>
+          </p:cNvSpPr>
+          <p:nvPr>
+            <p:ph type="sldNum" sz="quarter" idx="4"/>
+          </p:nvPr>
+        </p:nvSpPr>
+        <p:spPr>
+          <a:xfrm>
+            <a:off x="8225613" y="6553200"/>
+            <a:ext cx="870764" cy="246221"/>
+          </a:xfrm>
+        </p:spPr>
+        <p:txBody>
+          <a:bodyPr/>
+          <a:lstStyle/>
+          <a:p>
+            <a:pPr>
+              <a:defRPr/>
+            </a:pPr>
+            <a:r>
+              <a:rPr lang="en-US" dirty="0" smtClean="0"/>
+              <a:t>min-gray.</a:t>
+            </a:r>
+            <a:fld id="{D7F2FC53-1536-41A9-A9C1-2199CF803E30}" type="slidenum">
+              <a:rPr lang="en-US" smtClean="0"/>
+              <a:pPr>
+                <a:defRPr/>
+              </a:pPr>
+              <a:t>10</a:t>
+            </a:fld>
+            <a:endParaRPr lang="en-US" dirty="0"/>
+          </a:p>
+        </p:txBody>
+      </p:sp>
+    </p:spTree>
+    <p:extLst>
+      <p:ext uri="{BB962C8B-B14F-4D97-AF65-F5344CB8AC3E}">
+        <p14:creationId xmlns:p14="http://schemas.microsoft.com/office/powerpoint/2010/main" val="94406148"/>
+      </p:ext>
+    </p:extLst>
+  </p:cSld>
+  <p:clrMapOvr>
+    <a:masterClrMapping/>
+  </p:clrMapOvr>
+  <mc:AlternateContent xmlns:mc="http://schemas.openxmlformats.org/markup-compatibility/2006" xmlns:p14="http://schemas.microsoft.com/office/powerpoint/2010/main">
+    <mc:Choice Requires="p14">
+      <p:transition spd="slow" p14:dur="1100" advClick="0">
+        <p:fade thruBlk="1"/>
+      </p:transition>
+    </mc:Choice>
+    <mc:Fallback xmlns="">
+      <p:transition xmlns:p14="http://schemas.microsoft.com/office/powerpoint/2010/main" spd="slow" advClick="0">
+        <p:fade thruBlk="1"/>
+      </p:transition>
+    </mc:Fallback>
+  </mc:AlternateContent>
+  <p:timing>
+    <p:tnLst>
+      <p:par>
+        <p:cTn xmlns:p14="http://schemas.microsoft.com/office/powerpoint/2010/main" id="1" dur="indefinite" restart="never" nodeType="tmRoot">
+          <p:childTnLst>
+            <p:seq concurrent="1" nextAc="seek">
+              <p:cTn id="2" dur="indefinite" nodeType="mainSeq">
+                <p:childTnLst>
+                  <p:par>
+                    <p:cTn id="3" fill="hold">
+                      <p:stCondLst>
+                        <p:cond delay="indefinite"/>
+                      </p:stCondLst>
+                      <p:childTnLst>
+                        <p:par>
+                          <p:cTn id="4" fill="hold">
+                            <p:stCondLst>
+                              <p:cond delay="0"/>
+                            </p:stCondLst>
+                            <p:childTnLst>
+                              <p:par>
+                                <p:cTn id="5" presetID="10" presetClass="entr" presetSubtype="0" fill="hold" nodeType="clickEffect">
+                                  <p:stCondLst>
+                                    <p:cond delay="0"/>
+                                  </p:stCondLst>
+                                  <p:childTnLst>
+                                    <p:set>
+                                      <p:cBhvr>
+                                        <p:cTn id="6" dur="1" fill="hold">
+                                          <p:stCondLst>
+                                            <p:cond delay="0"/>
+                                          </p:stCondLst>
+                                        </p:cTn>
+                                        <p:tgtEl>
+                                          <p:spTgt spid="3">
+                                            <p:txEl>
+                                              <p:pRg st="0" end="0"/>
+                                            </p:txEl>
+                                          </p:spTgt>
+                                        </p:tgtEl>
+                                        <p:attrNameLst>
+                                          <p:attrName>style.visibility</p:attrName>
+                                        </p:attrNameLst>
+                                      </p:cBhvr>
+                                      <p:to>
+                                        <p:strVal val="visible"/>
+                                      </p:to>
+                                    </p:set>
+                                    <p:animEffect transition="in" filter="fade">
+                                      <p:cBhvr>
+                                        <p:cTn id="7" dur="500"/>
+                                        <p:tgtEl>
+                                          <p:spTgt spid="3">
+                                            <p:txEl>
+                                              <p:pRg st="0" end="0"/>
+                                            </p:txEl>
+                                          </p:spTgt>
+                                        </p:tgtEl>
+                                      </p:cBhvr>
+                                    </p:animEffect>
+                                  </p:childTnLst>
+                                </p:cTn>
+                              </p:par>
+                              <p:par>
+                                <p:cTn id="8" presetID="10" presetClass="entr" presetSubtype="0" fill="hold" nodeType="withEffect">
+                                  <p:stCondLst>
+                                    <p:cond delay="0"/>
+                                  </p:stCondLst>
+                                  <p:childTnLst>
+                                    <p:set>
+                                      <p:cBhvr>
+                                        <p:cTn id="9" dur="1" fill="hold">
+                                          <p:stCondLst>
+                                            <p:cond delay="0"/>
+                                          </p:stCondLst>
+                                        </p:cTn>
+                                        <p:tgtEl>
+                                          <p:spTgt spid="3">
+                                            <p:txEl>
+                                              <p:pRg st="1" end="1"/>
+                                            </p:txEl>
+                                          </p:spTgt>
+                                        </p:tgtEl>
+                                        <p:attrNameLst>
+                                          <p:attrName>style.visibility</p:attrName>
+                                        </p:attrNameLst>
+                                      </p:cBhvr>
+                                      <p:to>
+                                        <p:strVal val="visible"/>
+                                      </p:to>
+                                    </p:set>
+                                    <p:animEffect transition="in" filter="fade">
+                                      <p:cBhvr>
+                                        <p:cTn id="10" dur="500"/>
+                                        <p:tgtEl>
+                                          <p:spTgt spid="3">
+                                            <p:txEl>
+                                              <p:pRg st="1" end="1"/>
+                                            </p:txEl>
+                                          </p:spTgt>
+                                        </p:tgtEl>
+                                      </p:cBhvr>
+                                    </p:animEffect>
+                                  </p:childTnLst>
+                                </p:cTn>
+                              </p:par>
+                            </p:childTnLst>
+                          </p:cTn>
+                        </p:par>
+                      </p:childTnLst>
+                    </p:cTn>
+                  </p:par>
+                </p:childTnLst>
+              </p:cTn>
+              <p:prevCondLst>
+                <p:cond evt="onPrev" delay="0">
+                  <p:tgtEl>
+                    <p:sldTgt/>
+                  </p:tgtEl>
+                </p:cond>
+              </p:prevCondLst>
+              <p:nextCondLst>
+                <p:cond evt="onNext" delay="0">
+                  <p:tgtEl>
+                    <p:sldTgt/>
+                  </p:tgtEl>
+                </p:cond>
+              </p:nextCondLst>
+            </p:seq>
+          </p:childTnLst>
+        </p:cTn>
+      </p:par>
+    </p:tnLst>
+  </p:timing>
+</p:sld>
+</file>
+
+<file path=ppt/slides/slide11.xml><?xml version="1.0" encoding="utf-8"?>
+<p:sld xmlns:a="http://schemas.openxmlformats.org/drawingml/2006/main" xmlns:r="http://schemas.openxmlformats.org/officeDocument/2006/relationships" xmlns:p="http://schemas.openxmlformats.org/presentationml/2006/main">
+  <p:cSld>
+    <p:spTree>
+      <p:nvGrpSpPr>
+        <p:cNvPr id="1" name=""/>
+        <p:cNvGrpSpPr/>
+        <p:nvPr/>
+      </p:nvGrpSpPr>
+      <p:grpSpPr>
+        <a:xfrm>
+          <a:off x="0" y="0"/>
+          <a:ext cx="0" cy="0"/>
+          <a:chOff x="0" y="0"/>
+          <a:chExt cx="0" cy="0"/>
+        </a:xfrm>
+      </p:grpSpPr>
+      <p:sp>
+        <p:nvSpPr>
+          <p:cNvPr id="6" name="TextBox 5"/>
+          <p:cNvSpPr txBox="1"/>
+          <p:nvPr/>
+        </p:nvSpPr>
+        <p:spPr>
+          <a:xfrm>
+            <a:off x="152400" y="2286000"/>
+            <a:ext cx="8610600" cy="4495800"/>
+          </a:xfrm>
+          <a:prstGeom prst="rect">
+            <a:avLst/>
+          </a:prstGeom>
+          <a:noFill/>
+        </p:spPr>
+        <p:txBody>
+          <a:bodyPr wrap="square" rtlCol="0">
+            <a:spAutoFit/>
+          </a:bodyPr>
+          <a:lstStyle/>
+          <a:p>
+            <a:pPr marL="342900" lvl="0" indent="-342900">
+              <a:spcBef>
+                <a:spcPct val="20000"/>
+              </a:spcBef>
+            </a:pPr>
+            <a:r>
+              <a:rPr lang="en-US" sz="5400" kern="0" dirty="0" smtClean="0">
+                <a:solidFill>
+                  <a:srgbClr val="000000"/>
+                </a:solidFill>
+                <a:latin typeface="Comic Sans MS"/>
+              </a:rPr>
+              <a:t>          Then </a:t>
+            </a:r>
+            <a:r>
+              <a:rPr lang="en-US" sz="5400" kern="0" dirty="0">
+                <a:solidFill>
+                  <a:srgbClr val="000000"/>
+                </a:solidFill>
+                <a:latin typeface="Comic Sans MS"/>
+              </a:rPr>
+              <a:t>there is edge </a:t>
+            </a:r>
+          </a:p>
+          <a:p>
+            <a:pPr marL="342900" lvl="0" indent="-342900">
+              <a:spcBef>
+                <a:spcPct val="20000"/>
+              </a:spcBef>
+            </a:pPr>
+            <a:r>
+              <a:rPr lang="en-US" sz="4800" kern="0" dirty="0">
+                <a:solidFill>
+                  <a:srgbClr val="CCCCFF">
+                    <a:lumMod val="50000"/>
+                  </a:srgbClr>
+                </a:solidFill>
+                <a:latin typeface="Comic Sans MS"/>
+              </a:rPr>
+              <a:t>g</a:t>
+            </a:r>
+            <a:r>
+              <a:rPr lang="en-US" sz="5400" kern="0" dirty="0">
+                <a:solidFill>
+                  <a:srgbClr val="000000"/>
+                </a:solidFill>
+                <a:latin typeface="Comic Sans MS"/>
+              </a:rPr>
+              <a:t> of </a:t>
+            </a:r>
+            <a:r>
+              <a:rPr lang="en-US" sz="4800" kern="0" dirty="0">
+                <a:solidFill>
+                  <a:srgbClr val="0000E5"/>
+                </a:solidFill>
+                <a:latin typeface="Comic Sans MS"/>
+              </a:rPr>
+              <a:t>C</a:t>
+            </a:r>
+            <a:r>
+              <a:rPr lang="en-US" sz="5400" kern="0" dirty="0">
+                <a:solidFill>
+                  <a:srgbClr val="000000"/>
+                </a:solidFill>
+                <a:latin typeface="Comic Sans MS"/>
+              </a:rPr>
+              <a:t>:</a:t>
+            </a:r>
+          </a:p>
+          <a:p>
+            <a:pPr marL="342900" lvl="0" indent="-342900">
+              <a:spcBef>
+                <a:spcPct val="20000"/>
+              </a:spcBef>
+            </a:pPr>
+            <a:r>
+              <a:rPr lang="en-US" sz="5400" kern="0" dirty="0">
+                <a:solidFill>
+                  <a:srgbClr val="000000"/>
+                </a:solidFill>
+                <a:latin typeface="Comic Sans MS"/>
+              </a:rPr>
+              <a:t>   (</a:t>
+            </a:r>
+            <a:r>
+              <a:rPr lang="en-US" sz="5400" kern="0" dirty="0" err="1">
+                <a:solidFill>
+                  <a:srgbClr val="000000"/>
+                </a:solidFill>
+                <a:latin typeface="Comic Sans MS"/>
+              </a:rPr>
+              <a:t>i</a:t>
+            </a:r>
+            <a:r>
+              <a:rPr lang="en-US" sz="5400" kern="0" dirty="0">
+                <a:solidFill>
+                  <a:srgbClr val="000000"/>
+                </a:solidFill>
+                <a:latin typeface="Comic Sans MS"/>
+              </a:rPr>
+              <a:t>) </a:t>
+            </a:r>
+            <a:r>
+              <a:rPr lang="en-US" sz="5400" kern="0" dirty="0" err="1">
+                <a:solidFill>
+                  <a:srgbClr val="0000F1"/>
+                </a:solidFill>
+                <a:latin typeface="Comic Sans MS"/>
+              </a:rPr>
+              <a:t>wt</a:t>
+            </a:r>
+            <a:r>
+              <a:rPr lang="en-US" sz="5400" kern="0" dirty="0">
+                <a:solidFill>
+                  <a:srgbClr val="0000F1"/>
+                </a:solidFill>
+                <a:latin typeface="Comic Sans MS"/>
+              </a:rPr>
+              <a:t>(</a:t>
+            </a:r>
+            <a:r>
+              <a:rPr lang="en-US" sz="5400" b="1" i="1" kern="0" dirty="0">
+                <a:ln w="12700">
+                  <a:solidFill>
+                    <a:srgbClr val="000000">
+                      <a:satMod val="155000"/>
+                    </a:srgbClr>
+                  </a:solidFill>
+                  <a:prstDash val="solid"/>
+                </a:ln>
+                <a:solidFill>
+                  <a:srgbClr val="808080">
+                    <a:tint val="85000"/>
+                    <a:satMod val="155000"/>
+                  </a:srgbClr>
+                </a:solidFill>
+                <a:effectLst>
+                  <a:outerShdw blurRad="41275" dist="20320" dir="1800000" algn="tl" rotWithShape="0">
+                    <a:srgbClr val="000000">
+                      <a:alpha val="40000"/>
+                    </a:srgbClr>
+                  </a:outerShdw>
+                </a:effectLst>
+                <a:latin typeface="PT Serif"/>
+                <a:cs typeface="PT Serif"/>
+              </a:rPr>
+              <a:t>e</a:t>
+            </a:r>
+            <a:r>
+              <a:rPr lang="en-US" sz="5400" kern="0" dirty="0">
+                <a:solidFill>
+                  <a:srgbClr val="0000F1"/>
+                </a:solidFill>
+                <a:latin typeface="Comic Sans MS"/>
+              </a:rPr>
+              <a:t>) </a:t>
+            </a:r>
+            <a:r>
+              <a:rPr lang="en-US" sz="5400" b="1" kern="0" dirty="0">
+                <a:solidFill>
+                  <a:srgbClr val="0000F1"/>
+                </a:solidFill>
+                <a:latin typeface="Euclid Symbol" charset="2"/>
+                <a:cs typeface="Euclid Symbol" charset="2"/>
+              </a:rPr>
+              <a:t>&lt; </a:t>
+            </a:r>
+            <a:r>
+              <a:rPr lang="en-US" sz="5400" kern="0" dirty="0" err="1">
+                <a:solidFill>
+                  <a:srgbClr val="0000F1"/>
+                </a:solidFill>
+                <a:latin typeface="Comic Sans MS"/>
+              </a:rPr>
+              <a:t>wt</a:t>
+            </a:r>
+            <a:r>
+              <a:rPr lang="en-US" sz="5400" kern="0" dirty="0">
+                <a:solidFill>
+                  <a:srgbClr val="0000F1"/>
+                </a:solidFill>
+                <a:latin typeface="Comic Sans MS"/>
+              </a:rPr>
+              <a:t>(g)</a:t>
+            </a:r>
+          </a:p>
+          <a:p>
+            <a:pPr marL="342900" lvl="0" indent="-342900">
+              <a:spcBef>
+                <a:spcPct val="20000"/>
+              </a:spcBef>
+            </a:pPr>
+            <a:r>
+              <a:rPr lang="en-US" sz="4800" kern="0" dirty="0">
+                <a:solidFill>
+                  <a:srgbClr val="000000"/>
+                </a:solidFill>
+                <a:latin typeface="Comic Sans MS"/>
+              </a:rPr>
+              <a:t>   (</a:t>
+            </a:r>
+            <a:r>
+              <a:rPr lang="en-US" sz="4800" kern="0" dirty="0" smtClean="0">
+                <a:solidFill>
+                  <a:srgbClr val="000000"/>
+                </a:solidFill>
+                <a:latin typeface="Comic Sans MS"/>
+              </a:rPr>
+              <a:t>ii)</a:t>
+            </a:r>
+            <a:r>
+              <a:rPr lang="en-US" sz="5400" kern="0" dirty="0" smtClean="0">
+                <a:solidFill>
+                  <a:srgbClr val="000000"/>
+                </a:solidFill>
+                <a:latin typeface="Comic Sans MS"/>
+              </a:rPr>
+              <a:t>                 </a:t>
+            </a:r>
+            <a:r>
+              <a:rPr lang="en-US" sz="4800" kern="0" dirty="0">
+                <a:solidFill>
+                  <a:srgbClr val="000000"/>
+                </a:solidFill>
+                <a:latin typeface="Comic Sans MS"/>
+              </a:rPr>
+              <a:t>is a </a:t>
+            </a:r>
+            <a:r>
+              <a:rPr lang="en-US" sz="4800" kern="0" dirty="0" err="1">
+                <a:solidFill>
+                  <a:srgbClr val="008000"/>
+                </a:solidFill>
+                <a:latin typeface="Comic Sans MS"/>
+              </a:rPr>
+              <a:t>css</a:t>
+            </a:r>
+            <a:endParaRPr lang="en-US" sz="4800" kern="0" dirty="0">
+              <a:solidFill>
+                <a:srgbClr val="008000"/>
+              </a:solidFill>
+              <a:latin typeface="Comic Sans MS"/>
+            </a:endParaRPr>
+          </a:p>
+          <a:p>
+            <a:endParaRPr lang="en-US" dirty="0"/>
+          </a:p>
+        </p:txBody>
+      </p:sp>
+      <p:sp>
+        <p:nvSpPr>
+          <p:cNvPr id="2" name="Title 1"/>
+          <p:cNvSpPr>
+            <a:spLocks noGrp="1"/>
+          </p:cNvSpPr>
+          <p:nvPr>
+            <p:ph type="title"/>
+          </p:nvPr>
+        </p:nvSpPr>
+        <p:spPr/>
+        <p:txBody>
+          <a:bodyPr/>
+          <a:lstStyle/>
+          <a:p>
+            <a:r>
+              <a:rPr lang="en-US" dirty="0" smtClean="0"/>
+              <a:t>Gray Edge </a:t>
+            </a:r>
+            <a:r>
+              <a:rPr lang="en-US" dirty="0">
+                <a:solidFill>
+                  <a:srgbClr val="FF00FF"/>
+                </a:solidFill>
+              </a:rPr>
+              <a:t>Swap Lemma</a:t>
+            </a:r>
+          </a:p>
+        </p:txBody>
+      </p:sp>
+      <p:sp>
+        <p:nvSpPr>
+          <p:cNvPr id="3" name="Content Placeholder 2"/>
+          <p:cNvSpPr>
+            <a:spLocks noGrp="1"/>
+          </p:cNvSpPr>
+          <p:nvPr>
+            <p:ph idx="1"/>
+          </p:nvPr>
+        </p:nvSpPr>
+        <p:spPr>
+          <a:xfrm>
+            <a:off x="152400" y="1295400"/>
+            <a:ext cx="8382000" cy="1981200"/>
+          </a:xfrm>
+        </p:spPr>
+        <p:txBody>
+          <a:bodyPr/>
+          <a:lstStyle/>
+          <a:p>
+            <a:r>
+              <a:rPr lang="en-US" sz="5400" dirty="0" smtClean="0"/>
+              <a:t>Suppose </a:t>
+            </a:r>
+            <a:r>
+              <a:rPr lang="en-US" sz="5400" b="1" i="1" dirty="0" smtClean="0">
+                <a:ln w="12700">
+                  <a:solidFill>
+                    <a:schemeClr val="tx2">
+                      <a:satMod val="155000"/>
+                    </a:schemeClr>
+                  </a:solidFill>
+                  <a:prstDash val="solid"/>
+                </a:ln>
+                <a:solidFill>
+                  <a:schemeClr val="bg2">
+                    <a:tint val="85000"/>
+                    <a:satMod val="155000"/>
+                  </a:schemeClr>
+                </a:solidFill>
+                <a:effectLst>
+                  <a:outerShdw blurRad="41275" dist="20320" dir="1800000" algn="tl" rotWithShape="0">
+                    <a:srgbClr val="000000">
+                      <a:alpha val="40000"/>
+                    </a:srgbClr>
+                  </a:outerShdw>
+                </a:effectLst>
+                <a:latin typeface="PT Serif"/>
+                <a:cs typeface="PT Serif"/>
+              </a:rPr>
+              <a:t>e</a:t>
+            </a:r>
+            <a:r>
+              <a:rPr lang="en-US" sz="5400" dirty="0" smtClean="0"/>
+              <a:t> </a:t>
+            </a:r>
+            <a:r>
+              <a:rPr lang="en-US" sz="5400" dirty="0">
+                <a:solidFill>
+                  <a:srgbClr val="FF0000"/>
+                </a:solidFill>
+              </a:rPr>
+              <a:t>not</a:t>
+            </a:r>
+            <a:r>
+              <a:rPr lang="en-US" sz="5400" dirty="0"/>
+              <a:t> an </a:t>
+            </a:r>
+            <a:r>
+              <a:rPr lang="en-US" sz="5400" dirty="0" smtClean="0"/>
+              <a:t>edge of </a:t>
+            </a:r>
+          </a:p>
+          <a:p>
+            <a:r>
+              <a:rPr lang="en-US" sz="5400" dirty="0" err="1" smtClean="0">
+                <a:solidFill>
+                  <a:srgbClr val="008000"/>
+                </a:solidFill>
+              </a:rPr>
+              <a:t>css</a:t>
+            </a:r>
+            <a:r>
+              <a:rPr lang="en-US" sz="5400" dirty="0" smtClean="0"/>
+              <a:t> </a:t>
+            </a:r>
+            <a:r>
+              <a:rPr lang="en-US" sz="5400" dirty="0" smtClean="0">
+                <a:solidFill>
+                  <a:srgbClr val="0000E5"/>
+                </a:solidFill>
+              </a:rPr>
+              <a:t>C</a:t>
+            </a:r>
+            <a:r>
+              <a:rPr lang="en-US" sz="5400" dirty="0" smtClean="0"/>
+              <a:t>.   </a:t>
+            </a:r>
+            <a:endParaRPr lang="en-US" sz="4400" b="1" dirty="0">
+              <a:solidFill>
+                <a:srgbClr val="0000F1"/>
+              </a:solidFill>
+              <a:latin typeface="Euclid Symbol" charset="2"/>
+              <a:cs typeface="Euclid Symbol" charset="2"/>
+            </a:endParaRPr>
+          </a:p>
+        </p:txBody>
+      </p:sp>
+      <p:sp>
+        <p:nvSpPr>
+          <p:cNvPr id="4" name="Slide Number Placeholder 3"/>
+          <p:cNvSpPr>
+            <a:spLocks noGrp="1"/>
+          </p:cNvSpPr>
+          <p:nvPr>
+            <p:ph type="sldNum" sz="quarter" idx="4"/>
+          </p:nvPr>
+        </p:nvSpPr>
+        <p:spPr>
+          <a:xfrm>
+            <a:off x="8246152" y="6553200"/>
+            <a:ext cx="850225" cy="246221"/>
+          </a:xfrm>
+        </p:spPr>
+        <p:txBody>
+          <a:bodyPr/>
+          <a:lstStyle/>
+          <a:p>
+            <a:pPr>
+              <a:defRPr/>
+            </a:pPr>
+            <a:r>
+              <a:rPr lang="en-US" dirty="0" smtClean="0"/>
+              <a:t>min-gray.</a:t>
+            </a:r>
+            <a:fld id="{D7F2FC53-1536-41A9-A9C1-2199CF803E30}" type="slidenum">
+              <a:rPr lang="en-US" smtClean="0"/>
+              <a:pPr>
+                <a:defRPr/>
+              </a:pPr>
+              <a:t>11</a:t>
+            </a:fld>
+            <a:endParaRPr lang="en-US" dirty="0"/>
+          </a:p>
+        </p:txBody>
+      </p:sp>
+      <p:graphicFrame>
+        <p:nvGraphicFramePr>
+          <p:cNvPr id="5" name="Object 4"/>
+          <p:cNvGraphicFramePr>
+            <a:graphicFrameLocks noChangeAspect="1"/>
+          </p:cNvGraphicFramePr>
+          <p:nvPr>
+            <p:extLst>
+              <p:ext uri="{D42A27DB-BD31-4B8C-83A1-F6EECF244321}">
+                <p14:modId xmlns:p14="http://schemas.microsoft.com/office/powerpoint/2010/main" val="4203413842"/>
+              </p:ext>
+            </p:extLst>
+          </p:nvPr>
+        </p:nvGraphicFramePr>
+        <p:xfrm>
+          <a:off x="1752600" y="5267325"/>
+          <a:ext cx="3150525" cy="1133475"/>
+        </p:xfrm>
+        <a:graphic>
+          <a:graphicData uri="http://schemas.openxmlformats.org/presentationml/2006/ole">
+            <mc:AlternateContent xmlns:mc="http://schemas.openxmlformats.org/markup-compatibility/2006">
+              <mc:Choice xmlns:v="urn:schemas-microsoft-com:vml" Requires="v">
+                <p:oleObj spid="_x0000_s1033" name="Equation" r:id="rId3" imgW="635000" imgH="228600" progId="Equation.DSMT4">
+                  <p:embed/>
+                </p:oleObj>
+              </mc:Choice>
+              <mc:Fallback>
+                <p:oleObj name="Equation" r:id="rId3" imgW="635000" imgH="228600" progId="Equation.DSMT4">
+                  <p:embed/>
+                  <p:pic>
+                    <p:nvPicPr>
+                      <p:cNvPr id="0" name=""/>
+                      <p:cNvPicPr/>
+                      <p:nvPr/>
+                    </p:nvPicPr>
+                    <p:blipFill>
+                      <a:blip r:embed="rId4"/>
+                      <a:stretch>
+                        <a:fillRect/>
+                      </a:stretch>
+                    </p:blipFill>
+                    <p:spPr>
+                      <a:xfrm>
+                        <a:off x="1752600" y="5267325"/>
+                        <a:ext cx="3150525" cy="1133475"/>
+                      </a:xfrm>
+                      <a:prstGeom prst="rect">
+                        <a:avLst/>
+                      </a:prstGeom>
+                    </p:spPr>
+                  </p:pic>
+                </p:oleObj>
+              </mc:Fallback>
+            </mc:AlternateContent>
+          </a:graphicData>
+        </a:graphic>
+      </p:graphicFrame>
+    </p:spTree>
+    <p:extLst>
+      <p:ext uri="{BB962C8B-B14F-4D97-AF65-F5344CB8AC3E}">
+        <p14:creationId xmlns:p14="http://schemas.microsoft.com/office/powerpoint/2010/main" val="244951599"/>
+      </p:ext>
+    </p:extLst>
+  </p:cSld>
+  <p:clrMapOvr>
+    <a:masterClrMapping/>
+  </p:clrMapOvr>
+  <mc:AlternateContent xmlns:mc="http://schemas.openxmlformats.org/markup-compatibility/2006">
+    <mc:Choice xmlns:p14="http://schemas.microsoft.com/office/powerpoint/2010/main" Requires="p14">
+      <p:transition spd="slow" p14:dur="800" advClick="0">
+        <p:fade/>
+      </p:transition>
+    </mc:Choice>
+    <mc:Fallback>
+      <p:transition xmlns:p14="http://schemas.microsoft.com/office/powerpoint/2010/main" spd="slow" advClick="0">
+        <p:fade/>
+      </p:transition>
+    </mc:Fallback>
+  </mc:AlternateContent>
+  <p:timing>
+    <p:tnLst>
+      <p:par>
+        <p:cTn xmlns:p14="http://schemas.microsoft.com/office/powerpoint/2010/main" id="1" dur="indefinite" restart="never" nodeType="tmRoot">
+          <p:childTnLst>
+            <p:seq concurrent="1" nextAc="seek">
+              <p:cTn id="2" dur="indefinite" nodeType="mainSeq">
+                <p:childTnLst>
+                  <p:par>
+                    <p:cTn id="3" fill="hold">
+                      <p:stCondLst>
+                        <p:cond delay="indefinite"/>
+                      </p:stCondLst>
+                      <p:childTnLst>
+                        <p:par>
+                          <p:cTn id="4" fill="hold">
+                            <p:stCondLst>
+                              <p:cond delay="0"/>
+                            </p:stCondLst>
+                            <p:childTnLst>
+                              <p:par>
+                                <p:cTn id="5" presetID="22" presetClass="entr" presetSubtype="8" fill="hold" nodeType="clickEffect">
+                                  <p:stCondLst>
+                                    <p:cond delay="0"/>
+                                  </p:stCondLst>
+                                  <p:childTnLst>
+                                    <p:set>
+                                      <p:cBhvr>
+                                        <p:cTn id="6" dur="1" fill="hold">
+                                          <p:stCondLst>
+                                            <p:cond delay="0"/>
+                                          </p:stCondLst>
+                                        </p:cTn>
+                                        <p:tgtEl>
+                                          <p:spTgt spid="5"/>
+                                        </p:tgtEl>
+                                        <p:attrNameLst>
+                                          <p:attrName>style.visibility</p:attrName>
+                                        </p:attrNameLst>
+                                      </p:cBhvr>
+                                      <p:to>
+                                        <p:strVal val="visible"/>
+                                      </p:to>
+                                    </p:set>
+                                    <p:animEffect transition="in" filter="wipe(left)">
+                                      <p:cBhvr>
+                                        <p:cTn id="7" dur="500"/>
+                                        <p:tgtEl>
+                                          <p:spTgt spid="5"/>
+                                        </p:tgtEl>
+                                      </p:cBhvr>
+                                    </p:animEffect>
+                                  </p:childTnLst>
+                                </p:cTn>
+                              </p:par>
+                              <p:par>
+                                <p:cTn id="8" presetID="22" presetClass="entr" presetSubtype="8" fill="hold" nodeType="withEffect">
+                                  <p:stCondLst>
+                                    <p:cond delay="0"/>
+                                  </p:stCondLst>
+                                  <p:childTnLst>
+                                    <p:set>
+                                      <p:cBhvr>
+                                        <p:cTn id="9" dur="1" fill="hold">
+                                          <p:stCondLst>
+                                            <p:cond delay="0"/>
+                                          </p:stCondLst>
+                                        </p:cTn>
+                                        <p:tgtEl>
+                                          <p:spTgt spid="6">
+                                            <p:txEl>
+                                              <p:pRg st="3" end="3"/>
+                                            </p:txEl>
+                                          </p:spTgt>
+                                        </p:tgtEl>
+                                        <p:attrNameLst>
+                                          <p:attrName>style.visibility</p:attrName>
+                                        </p:attrNameLst>
+                                      </p:cBhvr>
+                                      <p:to>
+                                        <p:strVal val="visible"/>
+                                      </p:to>
+                                    </p:set>
+                                    <p:animEffect transition="in" filter="wipe(left)">
+                                      <p:cBhvr>
+                                        <p:cTn id="10" dur="500"/>
+                                        <p:tgtEl>
+                                          <p:spTgt spid="6">
+                                            <p:txEl>
+                                              <p:pRg st="3" end="3"/>
+                                            </p:txEl>
+                                          </p:spTgt>
+                                        </p:tgtEl>
+                                      </p:cBhvr>
+                                    </p:animEffect>
+                                  </p:childTnLst>
+                                </p:cTn>
+                              </p:par>
+                            </p:childTnLst>
+                          </p:cTn>
+                        </p:par>
+                      </p:childTnLst>
+                    </p:cTn>
+                  </p:par>
+                </p:childTnLst>
+              </p:cTn>
+              <p:prevCondLst>
+                <p:cond evt="onPrev" delay="0">
+                  <p:tgtEl>
+                    <p:sldTgt/>
+                  </p:tgtEl>
+                </p:cond>
+              </p:prevCondLst>
+              <p:nextCondLst>
+                <p:cond evt="onNext" delay="0">
+                  <p:tgtEl>
+                    <p:sldTgt/>
+                  </p:tgtEl>
+                </p:cond>
+              </p:nextCondLst>
+            </p:seq>
+          </p:childTnLst>
+        </p:cTn>
+      </p:par>
+    </p:tnLst>
+  </p:timing>
+</p:sld>
+</file>
+
+<file path=ppt/slides/slide12.xml><?xml version="1.0" encoding="utf-8"?>
+<p:sld xmlns:a="http://schemas.openxmlformats.org/drawingml/2006/main" xmlns:r="http://schemas.openxmlformats.org/officeDocument/2006/relationships" xmlns:p="http://schemas.openxmlformats.org/presentationml/2006/main" show="0">
+  <p:cSld>
+    <p:spTree>
+      <p:nvGrpSpPr>
+        <p:cNvPr id="1" name=""/>
+        <p:cNvGrpSpPr/>
+        <p:nvPr/>
+      </p:nvGrpSpPr>
+      <p:grpSpPr>
+        <a:xfrm>
+          <a:off x="0" y="0"/>
+          <a:ext cx="0" cy="0"/>
+          <a:chOff x="0" y="0"/>
+          <a:chExt cx="0" cy="0"/>
+        </a:xfrm>
+      </p:grpSpPr>
+      <p:sp>
+        <p:nvSpPr>
+          <p:cNvPr id="2" name="Title 1"/>
+          <p:cNvSpPr>
+            <a:spLocks noGrp="1"/>
+          </p:cNvSpPr>
+          <p:nvPr>
+            <p:ph type="title"/>
+          </p:nvPr>
+        </p:nvSpPr>
+        <p:spPr/>
+        <p:txBody>
+          <a:bodyPr/>
+          <a:lstStyle/>
+          <a:p>
+            <a:r>
+              <a:rPr lang="en-US" dirty="0" smtClean="0"/>
+              <a:t>Gray Edge </a:t>
+            </a:r>
+            <a:r>
+              <a:rPr lang="en-US" dirty="0"/>
+              <a:t>Swap Lemma</a:t>
+            </a:r>
+          </a:p>
+        </p:txBody>
+      </p:sp>
+      <p:sp>
+        <p:nvSpPr>
+          <p:cNvPr id="3" name="Content Placeholder 2"/>
+          <p:cNvSpPr>
+            <a:spLocks noGrp="1"/>
+          </p:cNvSpPr>
+          <p:nvPr>
+            <p:ph idx="1"/>
+          </p:nvPr>
+        </p:nvSpPr>
+        <p:spPr>
+          <a:xfrm>
+            <a:off x="152400" y="1295400"/>
+            <a:ext cx="8915400" cy="5181600"/>
+          </a:xfrm>
+        </p:spPr>
+        <p:txBody>
+          <a:bodyPr/>
+          <a:lstStyle/>
+          <a:p>
+            <a:r>
+              <a:rPr lang="en-US" sz="5400" dirty="0" smtClean="0"/>
+              <a:t>Suppose </a:t>
+            </a:r>
+            <a:r>
+              <a:rPr lang="en-US" sz="5400" b="1" i="1" dirty="0" smtClean="0">
+                <a:ln w="12700">
+                  <a:solidFill>
+                    <a:schemeClr val="tx2">
+                      <a:satMod val="155000"/>
+                    </a:schemeClr>
+                  </a:solidFill>
+                  <a:prstDash val="solid"/>
+                </a:ln>
+                <a:solidFill>
+                  <a:schemeClr val="bg2">
+                    <a:tint val="85000"/>
+                    <a:satMod val="155000"/>
+                  </a:schemeClr>
+                </a:solidFill>
+                <a:effectLst>
+                  <a:outerShdw blurRad="41275" dist="20320" dir="1800000" algn="tl" rotWithShape="0">
+                    <a:srgbClr val="000000">
+                      <a:alpha val="40000"/>
+                    </a:srgbClr>
+                  </a:outerShdw>
+                </a:effectLst>
+                <a:latin typeface="PT Serif"/>
+                <a:cs typeface="PT Serif"/>
+              </a:rPr>
+              <a:t>e</a:t>
+            </a:r>
+            <a:r>
+              <a:rPr lang="en-US" sz="5400" dirty="0" smtClean="0"/>
+              <a:t> </a:t>
+            </a:r>
+            <a:r>
+              <a:rPr lang="en-US" sz="5400" dirty="0">
+                <a:solidFill>
+                  <a:srgbClr val="FF0000"/>
+                </a:solidFill>
+              </a:rPr>
+              <a:t>not</a:t>
+            </a:r>
+            <a:r>
+              <a:rPr lang="en-US" sz="5400" dirty="0"/>
+              <a:t> an </a:t>
+            </a:r>
+            <a:r>
+              <a:rPr lang="en-US" sz="5400" dirty="0" smtClean="0"/>
+              <a:t>edge of </a:t>
+            </a:r>
+          </a:p>
+          <a:p>
+            <a:r>
+              <a:rPr lang="en-US" sz="5400" dirty="0" err="1" smtClean="0">
+                <a:solidFill>
+                  <a:srgbClr val="008000"/>
+                </a:solidFill>
+              </a:rPr>
+              <a:t>css</a:t>
+            </a:r>
+            <a:r>
+              <a:rPr lang="en-US" sz="5400" dirty="0" smtClean="0"/>
+              <a:t> </a:t>
+            </a:r>
+            <a:r>
+              <a:rPr lang="en-US" sz="5400" dirty="0" smtClean="0">
+                <a:solidFill>
+                  <a:srgbClr val="0000E5"/>
+                </a:solidFill>
+              </a:rPr>
+              <a:t>C</a:t>
+            </a:r>
+            <a:r>
+              <a:rPr lang="en-US" sz="5400" dirty="0" smtClean="0"/>
+              <a:t>. </a:t>
+            </a:r>
+            <a:r>
+              <a:rPr lang="en-US" sz="5400" dirty="0" smtClean="0"/>
+              <a:t>Then </a:t>
+            </a:r>
+            <a:r>
+              <a:rPr lang="en-US" sz="5400" dirty="0" smtClean="0"/>
+              <a:t>there is </a:t>
+            </a:r>
+            <a:r>
+              <a:rPr lang="en-US" sz="5400" dirty="0"/>
+              <a:t>edge </a:t>
+            </a:r>
+            <a:endParaRPr lang="en-US" sz="5400" dirty="0" smtClean="0"/>
+          </a:p>
+          <a:p>
+            <a:r>
+              <a:rPr lang="en-US" sz="4800" dirty="0" smtClean="0">
+                <a:solidFill>
+                  <a:schemeClr val="accent1">
+                    <a:lumMod val="50000"/>
+                  </a:schemeClr>
+                </a:solidFill>
+              </a:rPr>
+              <a:t>g</a:t>
+            </a:r>
+            <a:r>
+              <a:rPr lang="en-US" sz="5400" dirty="0" smtClean="0"/>
+              <a:t> of </a:t>
+            </a:r>
+            <a:r>
+              <a:rPr lang="en-US" sz="4800" dirty="0">
+                <a:solidFill>
+                  <a:srgbClr val="0000E5"/>
+                </a:solidFill>
+              </a:rPr>
+              <a:t>C</a:t>
+            </a:r>
+            <a:r>
+              <a:rPr lang="en-US" sz="5400" dirty="0" smtClean="0"/>
+              <a:t>:</a:t>
+            </a:r>
+          </a:p>
+          <a:p>
+            <a:r>
+              <a:rPr lang="en-US" sz="5400" dirty="0" smtClean="0"/>
+              <a:t>   (</a:t>
+            </a:r>
+            <a:r>
+              <a:rPr lang="en-US" sz="5400" dirty="0" err="1"/>
+              <a:t>i</a:t>
+            </a:r>
+            <a:r>
+              <a:rPr lang="en-US" sz="5400" dirty="0"/>
+              <a:t>) </a:t>
+            </a:r>
+            <a:r>
+              <a:rPr lang="en-US" sz="5400" dirty="0" err="1">
+                <a:solidFill>
+                  <a:srgbClr val="0000F1"/>
+                </a:solidFill>
+              </a:rPr>
+              <a:t>wt</a:t>
+            </a:r>
+            <a:r>
+              <a:rPr lang="en-US" sz="5400" dirty="0">
+                <a:solidFill>
+                  <a:srgbClr val="0000F1"/>
+                </a:solidFill>
+              </a:rPr>
+              <a:t>(</a:t>
+            </a:r>
+            <a:r>
+              <a:rPr lang="en-US" sz="5400" b="1" i="1" dirty="0">
+                <a:ln w="12700">
+                  <a:solidFill>
+                    <a:schemeClr val="tx2">
+                      <a:satMod val="155000"/>
+                    </a:schemeClr>
+                  </a:solidFill>
+                  <a:prstDash val="solid"/>
+                </a:ln>
+                <a:solidFill>
+                  <a:schemeClr val="bg2">
+                    <a:tint val="85000"/>
+                    <a:satMod val="155000"/>
+                  </a:schemeClr>
+                </a:solidFill>
+                <a:effectLst>
+                  <a:outerShdw blurRad="41275" dist="20320" dir="1800000" algn="tl" rotWithShape="0">
+                    <a:srgbClr val="000000">
+                      <a:alpha val="40000"/>
+                    </a:srgbClr>
+                  </a:outerShdw>
+                </a:effectLst>
+                <a:latin typeface="PT Serif"/>
+                <a:cs typeface="PT Serif"/>
+              </a:rPr>
+              <a:t>e</a:t>
+            </a:r>
+            <a:r>
+              <a:rPr lang="en-US" sz="5400" dirty="0">
+                <a:solidFill>
+                  <a:srgbClr val="0000F1"/>
+                </a:solidFill>
+              </a:rPr>
+              <a:t>) </a:t>
+            </a:r>
+            <a:r>
+              <a:rPr lang="en-US" sz="5400" b="1" dirty="0">
+                <a:solidFill>
+                  <a:srgbClr val="0000F1"/>
+                </a:solidFill>
+                <a:latin typeface="Euclid Symbol" charset="2"/>
+                <a:cs typeface="Euclid Symbol" charset="2"/>
+              </a:rPr>
+              <a:t>&lt; </a:t>
+            </a:r>
+            <a:r>
+              <a:rPr lang="en-US" sz="5400" dirty="0" err="1">
+                <a:solidFill>
+                  <a:srgbClr val="0000F1"/>
+                </a:solidFill>
+              </a:rPr>
+              <a:t>wt</a:t>
+            </a:r>
+            <a:r>
+              <a:rPr lang="en-US" sz="5400" dirty="0">
+                <a:solidFill>
+                  <a:srgbClr val="0000F1"/>
+                </a:solidFill>
+              </a:rPr>
+              <a:t>(g)</a:t>
+            </a:r>
+          </a:p>
+          <a:p>
+            <a:r>
+              <a:rPr lang="en-US" sz="4800" dirty="0" smtClean="0"/>
+              <a:t>   (</a:t>
+            </a:r>
+            <a:r>
+              <a:rPr lang="en-US" sz="4800" dirty="0"/>
+              <a:t>ii)</a:t>
+            </a:r>
+            <a:r>
+              <a:rPr lang="en-US" sz="5400" dirty="0"/>
+              <a:t>                </a:t>
+            </a:r>
+            <a:r>
+              <a:rPr lang="en-US" sz="5400" dirty="0" smtClean="0"/>
+              <a:t> </a:t>
+            </a:r>
+            <a:r>
+              <a:rPr lang="en-US" sz="4800" dirty="0" smtClean="0"/>
+              <a:t>is a </a:t>
+            </a:r>
+            <a:r>
+              <a:rPr lang="en-US" sz="4800" dirty="0" err="1" smtClean="0">
+                <a:solidFill>
+                  <a:srgbClr val="008000"/>
+                </a:solidFill>
+              </a:rPr>
+              <a:t>css</a:t>
+            </a:r>
+            <a:endParaRPr lang="en-US" sz="4800" dirty="0">
+              <a:solidFill>
+                <a:srgbClr val="008000"/>
+              </a:solidFill>
+            </a:endParaRPr>
+          </a:p>
+          <a:p>
+            <a:pPr marL="571500" indent="-571500">
+              <a:buFont typeface="Arial"/>
+              <a:buChar char="•"/>
+            </a:pPr>
+            <a:endParaRPr lang="en-US" sz="4400" b="1" dirty="0">
+              <a:solidFill>
+                <a:srgbClr val="0000F1"/>
+              </a:solidFill>
+              <a:latin typeface="Euclid Symbol" charset="2"/>
+              <a:cs typeface="Euclid Symbol" charset="2"/>
+            </a:endParaRPr>
+          </a:p>
+          <a:p>
+            <a:endParaRPr lang="en-US" sz="4800" dirty="0" smtClean="0"/>
+          </a:p>
+        </p:txBody>
+      </p:sp>
+      <p:sp>
+        <p:nvSpPr>
+          <p:cNvPr id="4" name="Slide Number Placeholder 3"/>
+          <p:cNvSpPr>
+            <a:spLocks noGrp="1"/>
+          </p:cNvSpPr>
+          <p:nvPr>
+            <p:ph type="sldNum" sz="quarter" idx="4"/>
+          </p:nvPr>
+        </p:nvSpPr>
+        <p:spPr>
+          <a:xfrm>
+            <a:off x="8225613" y="6553200"/>
+            <a:ext cx="870764" cy="246221"/>
+          </a:xfrm>
+        </p:spPr>
+        <p:txBody>
+          <a:bodyPr/>
+          <a:lstStyle/>
+          <a:p>
+            <a:pPr>
+              <a:defRPr/>
+            </a:pPr>
+            <a:r>
+              <a:rPr lang="en-US" dirty="0" smtClean="0"/>
+              <a:t>min-gray.</a:t>
+            </a:r>
+            <a:fld id="{D7F2FC53-1536-41A9-A9C1-2199CF803E30}" type="slidenum">
+              <a:rPr lang="en-US" smtClean="0"/>
+              <a:pPr>
+                <a:defRPr/>
+              </a:pPr>
+              <a:t>12</a:t>
+            </a:fld>
+            <a:endParaRPr lang="en-US" dirty="0"/>
+          </a:p>
+        </p:txBody>
+      </p:sp>
+      <p:graphicFrame>
+        <p:nvGraphicFramePr>
+          <p:cNvPr id="5" name="Object 4"/>
+          <p:cNvGraphicFramePr>
+            <a:graphicFrameLocks noChangeAspect="1"/>
+          </p:cNvGraphicFramePr>
+          <p:nvPr>
+            <p:extLst>
+              <p:ext uri="{D42A27DB-BD31-4B8C-83A1-F6EECF244321}">
+                <p14:modId xmlns:p14="http://schemas.microsoft.com/office/powerpoint/2010/main" val="467001632"/>
+              </p:ext>
+            </p:extLst>
+          </p:nvPr>
+        </p:nvGraphicFramePr>
+        <p:xfrm>
+          <a:off x="1726275" y="5267325"/>
+          <a:ext cx="3150525" cy="1133475"/>
+        </p:xfrm>
+        <a:graphic>
+          <a:graphicData uri="http://schemas.openxmlformats.org/presentationml/2006/ole">
+            <mc:AlternateContent xmlns:mc="http://schemas.openxmlformats.org/markup-compatibility/2006">
+              <mc:Choice xmlns:v="urn:schemas-microsoft-com:vml" Requires="v">
+                <p:oleObj spid="_x0000_s54278" name="Equation" r:id="rId3" imgW="635000" imgH="228600" progId="Equation.DSMT4">
+                  <p:embed/>
+                </p:oleObj>
+              </mc:Choice>
+              <mc:Fallback>
+                <p:oleObj name="Equation" r:id="rId3" imgW="635000" imgH="228600" progId="Equation.DSMT4">
+                  <p:embed/>
+                  <p:pic>
+                    <p:nvPicPr>
+                      <p:cNvPr id="0" name=""/>
+                      <p:cNvPicPr/>
+                      <p:nvPr/>
+                    </p:nvPicPr>
+                    <p:blipFill>
+                      <a:blip r:embed="rId4"/>
+                      <a:stretch>
+                        <a:fillRect/>
+                      </a:stretch>
+                    </p:blipFill>
+                    <p:spPr>
+                      <a:xfrm>
+                        <a:off x="1726275" y="5267325"/>
+                        <a:ext cx="3150525" cy="1133475"/>
+                      </a:xfrm>
+                      <a:prstGeom prst="rect">
+                        <a:avLst/>
+                      </a:prstGeom>
+                    </p:spPr>
+                  </p:pic>
+                </p:oleObj>
+              </mc:Fallback>
+            </mc:AlternateContent>
+          </a:graphicData>
+        </a:graphic>
+      </p:graphicFrame>
+    </p:spTree>
+    <p:extLst>
+      <p:ext uri="{BB962C8B-B14F-4D97-AF65-F5344CB8AC3E}">
+        <p14:creationId xmlns:p14="http://schemas.microsoft.com/office/powerpoint/2010/main" val="4247411724"/>
+      </p:ext>
+    </p:extLst>
+  </p:cSld>
+  <p:clrMapOvr>
+    <a:masterClrMapping/>
+  </p:clrMapOvr>
+  <mc:AlternateContent xmlns:mc="http://schemas.openxmlformats.org/markup-compatibility/2006">
+    <mc:Choice xmlns:p14="http://schemas.microsoft.com/office/powerpoint/2010/main" Requires="p14">
+      <p:transition p14:dur="0" advClick="0"/>
+    </mc:Choice>
+    <mc:Fallback>
+      <p:transition xmlns:p14="http://schemas.microsoft.com/office/powerpoint/2010/main" advClick="0"/>
+    </mc:Fallback>
+  </mc:AlternateContent>
+  <p:timing>
+    <p:tnLst>
+      <p:par>
+        <p:cTn xmlns:p14="http://schemas.microsoft.com/office/powerpoint/2010/main" id="1" dur="indefinite" restart="never" nodeType="tmRoot">
+          <p:childTnLst>
+            <p:seq concurrent="1" nextAc="seek">
+              <p:cTn id="2" dur="indefinite" nodeType="mainSeq">
+                <p:childTnLst>
+                  <p:par>
+                    <p:cTn id="3" fill="hold">
+                      <p:stCondLst>
+                        <p:cond delay="indefinite"/>
+                        <p:cond evt="onBegin" delay="0">
+                          <p:tn val="2"/>
+                        </p:cond>
+                      </p:stCondLst>
+                      <p:childTnLst>
+                        <p:par>
+                          <p:cTn id="4" fill="hold">
+                            <p:stCondLst>
+                              <p:cond delay="0"/>
+                            </p:stCondLst>
+                            <p:childTnLst>
+                              <p:par>
+                                <p:cTn id="5" presetID="10" presetClass="entr" presetSubtype="0" fill="hold" nodeType="withEffect">
+                                  <p:stCondLst>
+                                    <p:cond delay="0"/>
+                                  </p:stCondLst>
+                                  <p:childTnLst>
+                                    <p:set>
+                                      <p:cBhvr>
+                                        <p:cTn id="6" dur="1" fill="hold">
+                                          <p:stCondLst>
+                                            <p:cond delay="0"/>
+                                          </p:stCondLst>
+                                        </p:cTn>
+                                        <p:tgtEl>
+                                          <p:spTgt spid="3">
+                                            <p:txEl>
+                                              <p:pRg st="1" end="1"/>
+                                            </p:txEl>
+                                          </p:spTgt>
+                                        </p:tgtEl>
+                                        <p:attrNameLst>
+                                          <p:attrName>style.visibility</p:attrName>
+                                        </p:attrNameLst>
+                                      </p:cBhvr>
+                                      <p:to>
+                                        <p:strVal val="visible"/>
+                                      </p:to>
+                                    </p:set>
+                                    <p:animEffect transition="in" filter="fade">
+                                      <p:cBhvr>
+                                        <p:cTn id="7" dur="500"/>
+                                        <p:tgtEl>
+                                          <p:spTgt spid="3">
+                                            <p:txEl>
+                                              <p:pRg st="1" end="1"/>
+                                            </p:txEl>
+                                          </p:spTgt>
+                                        </p:tgtEl>
+                                      </p:cBhvr>
+                                    </p:animEffect>
+                                  </p:childTnLst>
+                                </p:cTn>
+                              </p:par>
+                              <p:par>
+                                <p:cTn id="8" presetID="10" presetClass="entr" presetSubtype="0" fill="hold" nodeType="withEffect">
+                                  <p:stCondLst>
+                                    <p:cond delay="0"/>
+                                  </p:stCondLst>
+                                  <p:childTnLst>
+                                    <p:set>
+                                      <p:cBhvr>
+                                        <p:cTn id="9" dur="1" fill="hold">
+                                          <p:stCondLst>
+                                            <p:cond delay="0"/>
+                                          </p:stCondLst>
+                                        </p:cTn>
+                                        <p:tgtEl>
+                                          <p:spTgt spid="3">
+                                            <p:txEl>
+                                              <p:pRg st="2" end="2"/>
+                                            </p:txEl>
+                                          </p:spTgt>
+                                        </p:tgtEl>
+                                        <p:attrNameLst>
+                                          <p:attrName>style.visibility</p:attrName>
+                                        </p:attrNameLst>
+                                      </p:cBhvr>
+                                      <p:to>
+                                        <p:strVal val="visible"/>
+                                      </p:to>
+                                    </p:set>
+                                    <p:animEffect transition="in" filter="fade">
+                                      <p:cBhvr>
+                                        <p:cTn id="10" dur="500"/>
+                                        <p:tgtEl>
+                                          <p:spTgt spid="3">
+                                            <p:txEl>
+                                              <p:pRg st="2" end="2"/>
+                                            </p:txEl>
+                                          </p:spTgt>
+                                        </p:tgtEl>
+                                      </p:cBhvr>
+                                    </p:animEffect>
+                                  </p:childTnLst>
+                                </p:cTn>
+                              </p:par>
+                            </p:childTnLst>
+                          </p:cTn>
+                        </p:par>
+                      </p:childTnLst>
+                    </p:cTn>
+                  </p:par>
+                  <p:par>
+                    <p:cTn id="11" fill="hold">
+                      <p:stCondLst>
+                        <p:cond delay="indefinite"/>
+                      </p:stCondLst>
+                      <p:childTnLst>
+                        <p:par>
+                          <p:cTn id="12" fill="hold">
+                            <p:stCondLst>
+                              <p:cond delay="0"/>
+                            </p:stCondLst>
+                            <p:childTnLst>
+                              <p:par>
+                                <p:cTn id="13" presetID="22" presetClass="entr" presetSubtype="8" fill="hold" nodeType="clickEffect">
+                                  <p:stCondLst>
+                                    <p:cond delay="0"/>
+                                  </p:stCondLst>
+                                  <p:childTnLst>
+                                    <p:set>
+                                      <p:cBhvr>
+                                        <p:cTn id="14" dur="1" fill="hold">
+                                          <p:stCondLst>
+                                            <p:cond delay="0"/>
+                                          </p:stCondLst>
+                                        </p:cTn>
+                                        <p:tgtEl>
+                                          <p:spTgt spid="3">
+                                            <p:txEl>
+                                              <p:pRg st="3" end="3"/>
+                                            </p:txEl>
+                                          </p:spTgt>
+                                        </p:tgtEl>
+                                        <p:attrNameLst>
+                                          <p:attrName>style.visibility</p:attrName>
+                                        </p:attrNameLst>
+                                      </p:cBhvr>
+                                      <p:to>
+                                        <p:strVal val="visible"/>
+                                      </p:to>
+                                    </p:set>
+                                    <p:animEffect transition="in" filter="wipe(left)">
+                                      <p:cBhvr>
+                                        <p:cTn id="15" dur="1000"/>
+                                        <p:tgtEl>
+                                          <p:spTgt spid="3">
+                                            <p:txEl>
+                                              <p:pRg st="3" end="3"/>
+                                            </p:txEl>
+                                          </p:spTgt>
+                                        </p:tgtEl>
+                                      </p:cBhvr>
+                                    </p:animEffect>
+                                  </p:childTnLst>
+                                </p:cTn>
+                              </p:par>
+                            </p:childTnLst>
+                          </p:cTn>
+                        </p:par>
+                      </p:childTnLst>
+                    </p:cTn>
+                  </p:par>
+                  <p:par>
+                    <p:cTn id="16" fill="hold">
+                      <p:stCondLst>
+                        <p:cond delay="indefinite"/>
+                      </p:stCondLst>
+                      <p:childTnLst>
+                        <p:par>
+                          <p:cTn id="17" fill="hold">
+                            <p:stCondLst>
+                              <p:cond delay="0"/>
+                            </p:stCondLst>
+                            <p:childTnLst>
+                              <p:par>
+                                <p:cTn id="18" presetID="22" presetClass="entr" presetSubtype="8" fill="hold" nodeType="clickEffect">
+                                  <p:stCondLst>
+                                    <p:cond delay="0"/>
+                                  </p:stCondLst>
+                                  <p:childTnLst>
+                                    <p:set>
+                                      <p:cBhvr>
+                                        <p:cTn id="19" dur="1" fill="hold">
+                                          <p:stCondLst>
+                                            <p:cond delay="0"/>
+                                          </p:stCondLst>
+                                        </p:cTn>
+                                        <p:tgtEl>
+                                          <p:spTgt spid="5"/>
+                                        </p:tgtEl>
+                                        <p:attrNameLst>
+                                          <p:attrName>style.visibility</p:attrName>
+                                        </p:attrNameLst>
+                                      </p:cBhvr>
+                                      <p:to>
+                                        <p:strVal val="visible"/>
+                                      </p:to>
+                                    </p:set>
+                                    <p:animEffect transition="in" filter="wipe(left)">
+                                      <p:cBhvr>
+                                        <p:cTn id="20" dur="1000"/>
+                                        <p:tgtEl>
+                                          <p:spTgt spid="5"/>
+                                        </p:tgtEl>
+                                      </p:cBhvr>
+                                    </p:animEffect>
+                                  </p:childTnLst>
+                                </p:cTn>
+                              </p:par>
+                              <p:par>
+                                <p:cTn id="21" presetID="22" presetClass="entr" presetSubtype="8" fill="hold" nodeType="withEffect">
+                                  <p:stCondLst>
+                                    <p:cond delay="0"/>
+                                  </p:stCondLst>
+                                  <p:childTnLst>
+                                    <p:set>
+                                      <p:cBhvr>
+                                        <p:cTn id="22" dur="1" fill="hold">
+                                          <p:stCondLst>
+                                            <p:cond delay="0"/>
+                                          </p:stCondLst>
+                                        </p:cTn>
+                                        <p:tgtEl>
+                                          <p:spTgt spid="3">
+                                            <p:txEl>
+                                              <p:pRg st="4" end="4"/>
+                                            </p:txEl>
+                                          </p:spTgt>
+                                        </p:tgtEl>
+                                        <p:attrNameLst>
+                                          <p:attrName>style.visibility</p:attrName>
+                                        </p:attrNameLst>
+                                      </p:cBhvr>
+                                      <p:to>
+                                        <p:strVal val="visible"/>
+                                      </p:to>
+                                    </p:set>
+                                    <p:animEffect transition="in" filter="wipe(left)">
+                                      <p:cBhvr>
+                                        <p:cTn id="23" dur="1000"/>
+                                        <p:tgtEl>
+                                          <p:spTgt spid="3">
+                                            <p:txEl>
+                                              <p:pRg st="4" end="4"/>
+                                            </p:txEl>
+                                          </p:spTgt>
+                                        </p:tgtEl>
+                                      </p:cBhvr>
+                                    </p:animEffect>
+                                  </p:childTnLst>
+                                </p:cTn>
+                              </p:par>
+                            </p:childTnLst>
+                          </p:cTn>
+                        </p:par>
+                      </p:childTnLst>
+                    </p:cTn>
+                  </p:par>
+                </p:childTnLst>
+              </p:cTn>
+              <p:prevCondLst>
+                <p:cond evt="onPrev" delay="0">
+                  <p:tgtEl>
+                    <p:sldTgt/>
+                  </p:tgtEl>
+                </p:cond>
+              </p:prevCondLst>
+              <p:nextCondLst>
+                <p:cond evt="onNext" delay="0">
+                  <p:tgtEl>
+                    <p:sldTgt/>
+                  </p:tgtEl>
+                </p:cond>
+              </p:nextCondLst>
+            </p:seq>
+          </p:childTnLst>
+        </p:cTn>
+      </p:par>
+    </p:tnLst>
+  </p:timing>
+</p:sld>
+</file>
+
+<file path=ppt/slides/slide13.xml><?xml version="1.0" encoding="utf-8"?>
+<p:sld xmlns:a="http://schemas.openxmlformats.org/drawingml/2006/main" xmlns:r="http://schemas.openxmlformats.org/officeDocument/2006/relationships" xmlns:p="http://schemas.openxmlformats.org/presentationml/2006/main">
+  <p:cSld>
+    <p:spTree>
+      <p:nvGrpSpPr>
+        <p:cNvPr id="1" name=""/>
+        <p:cNvGrpSpPr/>
+        <p:nvPr/>
+      </p:nvGrpSpPr>
+      <p:grpSpPr>
+        <a:xfrm>
+          <a:off x="0" y="0"/>
+          <a:ext cx="0" cy="0"/>
+          <a:chOff x="0" y="0"/>
+          <a:chExt cx="0" cy="0"/>
+        </a:xfrm>
+      </p:grpSpPr>
+      <p:sp>
+        <p:nvSpPr>
+          <p:cNvPr id="3" name="Content Placeholder 2"/>
+          <p:cNvSpPr>
+            <a:spLocks noGrp="1"/>
+          </p:cNvSpPr>
+          <p:nvPr>
+            <p:ph idx="1"/>
+          </p:nvPr>
+        </p:nvSpPr>
+        <p:spPr>
+          <a:xfrm>
+            <a:off x="152400" y="1447800"/>
+            <a:ext cx="8763000" cy="4038600"/>
+          </a:xfrm>
+        </p:spPr>
+        <p:txBody>
+          <a:bodyPr/>
+          <a:lstStyle/>
+          <a:p>
+            <a:r>
+              <a:rPr lang="en-US" sz="5400" dirty="0"/>
+              <a:t>f</a:t>
+            </a:r>
+            <a:r>
+              <a:rPr lang="en-US" sz="5400" dirty="0" smtClean="0"/>
+              <a:t>ollows from Swap Lemma:</a:t>
+            </a:r>
+          </a:p>
+          <a:p>
+            <a:r>
+              <a:rPr lang="en-US" sz="5400" dirty="0" smtClean="0"/>
+              <a:t>If </a:t>
+            </a:r>
+            <a:r>
+              <a:rPr lang="en-US" sz="5400" dirty="0" err="1" smtClean="0">
+                <a:solidFill>
+                  <a:srgbClr val="0000F1"/>
+                </a:solidFill>
+              </a:rPr>
+              <a:t>wt</a:t>
+            </a:r>
+            <a:r>
+              <a:rPr lang="en-US" sz="5400" dirty="0" smtClean="0">
+                <a:solidFill>
+                  <a:srgbClr val="0000F1"/>
+                </a:solidFill>
+              </a:rPr>
+              <a:t>(</a:t>
+            </a:r>
+            <a:r>
+              <a:rPr lang="en-US" sz="5400" b="1" i="1" dirty="0">
+                <a:ln w="12700">
+                  <a:solidFill>
+                    <a:srgbClr val="000000">
+                      <a:satMod val="155000"/>
+                    </a:srgbClr>
+                  </a:solidFill>
+                  <a:prstDash val="solid"/>
+                </a:ln>
+                <a:solidFill>
+                  <a:srgbClr val="808080">
+                    <a:tint val="85000"/>
+                    <a:satMod val="155000"/>
+                  </a:srgbClr>
+                </a:solidFill>
+                <a:effectLst>
+                  <a:outerShdw blurRad="41275" dist="20320" dir="1800000" algn="tl" rotWithShape="0">
+                    <a:srgbClr val="000000">
+                      <a:alpha val="40000"/>
+                    </a:srgbClr>
+                  </a:outerShdw>
+                </a:effectLst>
+                <a:latin typeface="PT Serif"/>
+                <a:cs typeface="PT Serif"/>
+              </a:rPr>
+              <a:t>e</a:t>
+            </a:r>
+            <a:r>
+              <a:rPr lang="en-US" sz="5400" dirty="0" smtClean="0">
+                <a:solidFill>
+                  <a:srgbClr val="0000F1"/>
+                </a:solidFill>
+              </a:rPr>
+              <a:t>) </a:t>
+            </a:r>
+            <a:r>
+              <a:rPr lang="en-US" sz="5400" b="1" dirty="0" smtClean="0">
+                <a:solidFill>
+                  <a:srgbClr val="0000F1"/>
+                </a:solidFill>
+                <a:latin typeface="Euclid Symbol" charset="2"/>
+                <a:cs typeface="Euclid Symbol" charset="2"/>
+              </a:rPr>
+              <a:t>&lt; </a:t>
+            </a:r>
+            <a:r>
+              <a:rPr lang="en-US" sz="5400" dirty="0" err="1" smtClean="0">
+                <a:solidFill>
+                  <a:srgbClr val="0000F1"/>
+                </a:solidFill>
+              </a:rPr>
+              <a:t>wt</a:t>
+            </a:r>
+            <a:r>
+              <a:rPr lang="en-US" sz="5400" dirty="0" smtClean="0">
+                <a:solidFill>
+                  <a:srgbClr val="0000F1"/>
+                </a:solidFill>
+              </a:rPr>
+              <a:t>(</a:t>
+            </a:r>
+            <a:r>
+              <a:rPr lang="en-US" sz="5400" dirty="0">
+                <a:solidFill>
+                  <a:srgbClr val="0000F1"/>
+                </a:solidFill>
+              </a:rPr>
+              <a:t>g</a:t>
+            </a:r>
+            <a:r>
+              <a:rPr lang="en-US" sz="5400" dirty="0" smtClean="0">
+                <a:solidFill>
+                  <a:srgbClr val="0000F1"/>
+                </a:solidFill>
+              </a:rPr>
+              <a:t>)</a:t>
+            </a:r>
+            <a:r>
+              <a:rPr lang="en-US" sz="5400" dirty="0" smtClean="0">
+                <a:solidFill>
+                  <a:srgbClr val="0D0D0D"/>
+                </a:solidFill>
+              </a:rPr>
+              <a:t>, then</a:t>
+            </a:r>
+          </a:p>
+          <a:p>
+            <a:r>
+              <a:rPr lang="en-US" sz="5400" dirty="0" smtClean="0">
+                <a:solidFill>
+                  <a:srgbClr val="0000F1"/>
+                </a:solidFill>
+              </a:rPr>
+              <a:t> </a:t>
+            </a:r>
+            <a:r>
+              <a:rPr lang="en-US" sz="5700" dirty="0" err="1" smtClean="0">
+                <a:solidFill>
+                  <a:srgbClr val="0000F1"/>
+                </a:solidFill>
+              </a:rPr>
+              <a:t>wt</a:t>
+            </a:r>
+            <a:r>
+              <a:rPr lang="en-US" sz="5700" dirty="0" smtClean="0">
+                <a:solidFill>
+                  <a:srgbClr val="0000F1"/>
+                </a:solidFill>
+              </a:rPr>
+              <a:t>(               ) </a:t>
+            </a:r>
+            <a:r>
+              <a:rPr lang="en-US" sz="5700" b="1" dirty="0" smtClean="0">
+                <a:solidFill>
+                  <a:srgbClr val="0000F1"/>
+                </a:solidFill>
+                <a:latin typeface="Euclid Symbol" charset="2"/>
+                <a:cs typeface="Euclid Symbol" charset="2"/>
+              </a:rPr>
+              <a:t>&lt; </a:t>
+            </a:r>
+            <a:r>
+              <a:rPr lang="en-US" sz="5700" dirty="0" err="1" smtClean="0">
+                <a:solidFill>
+                  <a:srgbClr val="0000F1"/>
+                </a:solidFill>
+                <a:latin typeface="Comic Sans MS"/>
+                <a:cs typeface="Comic Sans MS"/>
+              </a:rPr>
+              <a:t>wt</a:t>
+            </a:r>
+            <a:r>
+              <a:rPr lang="en-US" sz="5700" dirty="0" smtClean="0">
+                <a:solidFill>
+                  <a:srgbClr val="0000F1"/>
+                </a:solidFill>
+                <a:latin typeface="Comic Sans MS"/>
+                <a:cs typeface="Comic Sans MS"/>
+              </a:rPr>
+              <a:t>(C),</a:t>
+            </a:r>
+          </a:p>
+          <a:p>
+            <a:r>
+              <a:rPr lang="en-US" sz="5700" dirty="0" smtClean="0">
+                <a:solidFill>
+                  <a:srgbClr val="0D0D0D"/>
+                </a:solidFill>
+                <a:latin typeface="Comic Sans MS"/>
+                <a:cs typeface="Comic Sans MS"/>
+              </a:rPr>
+              <a:t>so</a:t>
+            </a:r>
+            <a:r>
+              <a:rPr lang="en-US" sz="5700" dirty="0" smtClean="0">
+                <a:solidFill>
+                  <a:srgbClr val="0000F1"/>
+                </a:solidFill>
+                <a:latin typeface="Comic Sans MS"/>
+                <a:cs typeface="Comic Sans MS"/>
+              </a:rPr>
+              <a:t> C </a:t>
+            </a:r>
+            <a:r>
+              <a:rPr lang="en-US" sz="5700" dirty="0" smtClean="0">
+                <a:solidFill>
+                  <a:schemeClr val="tx1">
+                    <a:lumMod val="95000"/>
+                    <a:lumOff val="5000"/>
+                  </a:schemeClr>
+                </a:solidFill>
+                <a:latin typeface="Comic Sans MS"/>
+                <a:cs typeface="Comic Sans MS"/>
+              </a:rPr>
+              <a:t>not minimum.</a:t>
+            </a:r>
+          </a:p>
+        </p:txBody>
+      </p:sp>
+      <p:sp>
+        <p:nvSpPr>
+          <p:cNvPr id="4" name="Slide Number Placeholder 3"/>
+          <p:cNvSpPr>
+            <a:spLocks noGrp="1"/>
+          </p:cNvSpPr>
+          <p:nvPr>
+            <p:ph type="sldNum" sz="quarter" idx="4"/>
+          </p:nvPr>
+        </p:nvSpPr>
+        <p:spPr>
+          <a:xfrm>
+            <a:off x="8225613" y="6553200"/>
+            <a:ext cx="870764" cy="246221"/>
+          </a:xfrm>
+        </p:spPr>
+        <p:txBody>
+          <a:bodyPr/>
+          <a:lstStyle/>
+          <a:p>
+            <a:pPr>
+              <a:defRPr/>
+            </a:pPr>
+            <a:r>
+              <a:rPr lang="en-US" dirty="0" smtClean="0"/>
+              <a:t>min-gray.</a:t>
+            </a:r>
+            <a:fld id="{D7F2FC53-1536-41A9-A9C1-2199CF803E30}" type="slidenum">
+              <a:rPr lang="en-US" smtClean="0"/>
+              <a:pPr>
+                <a:defRPr/>
+              </a:pPr>
+              <a:t>13</a:t>
+            </a:fld>
+            <a:endParaRPr lang="en-US" dirty="0"/>
+          </a:p>
+        </p:txBody>
+      </p:sp>
+      <p:graphicFrame>
+        <p:nvGraphicFramePr>
+          <p:cNvPr id="5" name="Object 4"/>
+          <p:cNvGraphicFramePr>
+            <a:graphicFrameLocks noChangeAspect="1"/>
+          </p:cNvGraphicFramePr>
+          <p:nvPr>
+            <p:extLst>
+              <p:ext uri="{D42A27DB-BD31-4B8C-83A1-F6EECF244321}">
+                <p14:modId xmlns:p14="http://schemas.microsoft.com/office/powerpoint/2010/main" val="2557107078"/>
+              </p:ext>
+            </p:extLst>
+          </p:nvPr>
+        </p:nvGraphicFramePr>
+        <p:xfrm>
+          <a:off x="1524000" y="3429000"/>
+          <a:ext cx="3362325" cy="1209675"/>
+        </p:xfrm>
+        <a:graphic>
+          <a:graphicData uri="http://schemas.openxmlformats.org/presentationml/2006/ole">
+            <mc:AlternateContent xmlns:mc="http://schemas.openxmlformats.org/markup-compatibility/2006">
+              <mc:Choice xmlns:v="urn:schemas-microsoft-com:vml" Requires="v">
+                <p:oleObj spid="_x0000_s48149" name="Equation" r:id="rId3" imgW="635000" imgH="228600" progId="Equation.DSMT4">
+                  <p:embed/>
+                </p:oleObj>
+              </mc:Choice>
+              <mc:Fallback>
+                <p:oleObj name="Equation" r:id="rId3" imgW="635000" imgH="228600" progId="Equation.DSMT4">
+                  <p:embed/>
+                  <p:pic>
+                    <p:nvPicPr>
+                      <p:cNvPr id="0" name=""/>
+                      <p:cNvPicPr/>
+                      <p:nvPr/>
+                    </p:nvPicPr>
+                    <p:blipFill>
+                      <a:blip r:embed="rId4"/>
+                      <a:stretch>
+                        <a:fillRect/>
+                      </a:stretch>
+                    </p:blipFill>
+                    <p:spPr>
+                      <a:xfrm>
+                        <a:off x="1524000" y="3429000"/>
+                        <a:ext cx="3362325" cy="1209675"/>
+                      </a:xfrm>
+                      <a:prstGeom prst="rect">
+                        <a:avLst/>
+                      </a:prstGeom>
+                    </p:spPr>
+                  </p:pic>
+                </p:oleObj>
+              </mc:Fallback>
+            </mc:AlternateContent>
+          </a:graphicData>
+        </a:graphic>
+      </p:graphicFrame>
+      <p:sp>
+        <p:nvSpPr>
+          <p:cNvPr id="8" name="Title 1"/>
+          <p:cNvSpPr>
+            <a:spLocks noGrp="1"/>
+          </p:cNvSpPr>
+          <p:nvPr>
+            <p:ph type="title"/>
+          </p:nvPr>
+        </p:nvSpPr>
+        <p:spPr>
+          <a:xfrm>
+            <a:off x="1219200" y="152400"/>
+            <a:ext cx="7848600" cy="1371600"/>
+          </a:xfrm>
+        </p:spPr>
+        <p:txBody>
+          <a:bodyPr/>
+          <a:lstStyle/>
+          <a:p>
+            <a:r>
+              <a:rPr lang="en-US" dirty="0" smtClean="0">
+                <a:solidFill>
+                  <a:schemeClr val="tx1"/>
+                </a:solidFill>
+              </a:rPr>
+              <a:t>M</a:t>
+            </a:r>
+            <a:r>
+              <a:rPr lang="en-US" dirty="0" smtClean="0"/>
+              <a:t>in </a:t>
+            </a:r>
+            <a:r>
+              <a:rPr lang="en-US" dirty="0"/>
+              <a:t>G</a:t>
+            </a:r>
+            <a:r>
+              <a:rPr lang="en-US" dirty="0" smtClean="0"/>
+              <a:t>ray Edge </a:t>
+            </a:r>
+            <a:r>
+              <a:rPr lang="en-US" dirty="0" smtClean="0">
+                <a:solidFill>
+                  <a:srgbClr val="008000"/>
+                </a:solidFill>
+              </a:rPr>
+              <a:t>Necessary</a:t>
+            </a:r>
+            <a:r>
+              <a:rPr lang="en-US" dirty="0" smtClean="0"/>
+              <a:t> </a:t>
+            </a:r>
+            <a:endParaRPr lang="en-US" dirty="0"/>
+          </a:p>
+        </p:txBody>
+      </p:sp>
+    </p:spTree>
+    <p:extLst>
+      <p:ext uri="{BB962C8B-B14F-4D97-AF65-F5344CB8AC3E}">
+        <p14:creationId xmlns:p14="http://schemas.microsoft.com/office/powerpoint/2010/main" val="2555165277"/>
+      </p:ext>
+    </p:extLst>
+  </p:cSld>
+  <p:clrMapOvr>
+    <a:masterClrMapping/>
+  </p:clrMapOvr>
+  <mc:AlternateContent xmlns:mc="http://schemas.openxmlformats.org/markup-compatibility/2006">
+    <mc:Choice xmlns:p14="http://schemas.microsoft.com/office/powerpoint/2010/main" Requires="p14">
+      <p:transition spd="med" p14:dur="700" advClick="0">
+        <p:fade/>
+      </p:transition>
+    </mc:Choice>
+    <mc:Fallback>
+      <p:transition xmlns:p14="http://schemas.microsoft.com/office/powerpoint/2010/main" spd="med" advClick="0">
+        <p:fade/>
+      </p:transition>
+    </mc:Fallback>
+  </mc:AlternateContent>
+  <p:timing>
+    <p:tnLst>
+      <p:par>
+        <p:cTn xmlns:p14="http://schemas.microsoft.com/office/powerpoint/2010/main" id="1" dur="indefinite" restart="never" nodeType="tmRoot">
+          <p:childTnLst>
+            <p:seq concurrent="1" nextAc="seek">
+              <p:cTn id="2" dur="indefinite" nodeType="mainSeq">
+                <p:childTnLst>
+                  <p:par>
+                    <p:cTn id="3" fill="hold">
+                      <p:stCondLst>
+                        <p:cond delay="indefinite"/>
+                      </p:stCondLst>
+                      <p:childTnLst>
+                        <p:par>
+                          <p:cTn id="4" fill="hold">
+                            <p:stCondLst>
+                              <p:cond delay="0"/>
+                            </p:stCondLst>
+                            <p:childTnLst>
+                              <p:par>
+                                <p:cTn id="5" presetID="10" presetClass="entr" presetSubtype="0" fill="hold" nodeType="clickEffect">
+                                  <p:stCondLst>
+                                    <p:cond delay="0"/>
+                                  </p:stCondLst>
+                                  <p:childTnLst>
+                                    <p:set>
+                                      <p:cBhvr>
+                                        <p:cTn id="6" dur="1" fill="hold">
+                                          <p:stCondLst>
+                                            <p:cond delay="0"/>
+                                          </p:stCondLst>
+                                        </p:cTn>
+                                        <p:tgtEl>
+                                          <p:spTgt spid="3">
+                                            <p:txEl>
+                                              <p:pRg st="1" end="1"/>
+                                            </p:txEl>
+                                          </p:spTgt>
+                                        </p:tgtEl>
+                                        <p:attrNameLst>
+                                          <p:attrName>style.visibility</p:attrName>
+                                        </p:attrNameLst>
+                                      </p:cBhvr>
+                                      <p:to>
+                                        <p:strVal val="visible"/>
+                                      </p:to>
+                                    </p:set>
+                                    <p:animEffect transition="in" filter="fade">
+                                      <p:cBhvr>
+                                        <p:cTn id="7" dur="500"/>
+                                        <p:tgtEl>
+                                          <p:spTgt spid="3">
+                                            <p:txEl>
+                                              <p:pRg st="1" end="1"/>
+                                            </p:txEl>
+                                          </p:spTgt>
+                                        </p:tgtEl>
+                                      </p:cBhvr>
+                                    </p:animEffect>
+                                  </p:childTnLst>
+                                </p:cTn>
+                              </p:par>
+                            </p:childTnLst>
+                          </p:cTn>
+                        </p:par>
+                      </p:childTnLst>
+                    </p:cTn>
+                  </p:par>
+                  <p:par>
+                    <p:cTn id="8" fill="hold">
+                      <p:stCondLst>
+                        <p:cond delay="indefinite"/>
+                      </p:stCondLst>
+                      <p:childTnLst>
+                        <p:par>
+                          <p:cTn id="9" fill="hold">
+                            <p:stCondLst>
+                              <p:cond delay="0"/>
+                            </p:stCondLst>
+                            <p:childTnLst>
+                              <p:par>
+                                <p:cTn id="10" presetID="10" presetClass="entr" presetSubtype="0" fill="hold" nodeType="clickEffect">
+                                  <p:stCondLst>
+                                    <p:cond delay="0"/>
+                                  </p:stCondLst>
+                                  <p:childTnLst>
+                                    <p:set>
+                                      <p:cBhvr>
+                                        <p:cTn id="11" dur="1" fill="hold">
+                                          <p:stCondLst>
+                                            <p:cond delay="0"/>
+                                          </p:stCondLst>
+                                        </p:cTn>
+                                        <p:tgtEl>
+                                          <p:spTgt spid="3">
+                                            <p:txEl>
+                                              <p:pRg st="2" end="2"/>
+                                            </p:txEl>
+                                          </p:spTgt>
+                                        </p:tgtEl>
+                                        <p:attrNameLst>
+                                          <p:attrName>style.visibility</p:attrName>
+                                        </p:attrNameLst>
+                                      </p:cBhvr>
+                                      <p:to>
+                                        <p:strVal val="visible"/>
+                                      </p:to>
+                                    </p:set>
+                                    <p:animEffect transition="in" filter="fade">
+                                      <p:cBhvr>
+                                        <p:cTn id="12" dur="1000"/>
+                                        <p:tgtEl>
+                                          <p:spTgt spid="3">
+                                            <p:txEl>
+                                              <p:pRg st="2" end="2"/>
+                                            </p:txEl>
+                                          </p:spTgt>
+                                        </p:tgtEl>
+                                      </p:cBhvr>
+                                    </p:animEffect>
+                                  </p:childTnLst>
+                                </p:cTn>
+                              </p:par>
+                              <p:par>
+                                <p:cTn id="13" presetID="10" presetClass="entr" presetSubtype="0" fill="hold" nodeType="withEffect">
+                                  <p:stCondLst>
+                                    <p:cond delay="0"/>
+                                  </p:stCondLst>
+                                  <p:childTnLst>
+                                    <p:set>
+                                      <p:cBhvr>
+                                        <p:cTn id="14" dur="1" fill="hold">
+                                          <p:stCondLst>
+                                            <p:cond delay="0"/>
+                                          </p:stCondLst>
+                                        </p:cTn>
+                                        <p:tgtEl>
+                                          <p:spTgt spid="5"/>
+                                        </p:tgtEl>
+                                        <p:attrNameLst>
+                                          <p:attrName>style.visibility</p:attrName>
+                                        </p:attrNameLst>
+                                      </p:cBhvr>
+                                      <p:to>
+                                        <p:strVal val="visible"/>
+                                      </p:to>
+                                    </p:set>
+                                    <p:animEffect transition="in" filter="fade">
+                                      <p:cBhvr>
+                                        <p:cTn id="15" dur="1000"/>
+                                        <p:tgtEl>
+                                          <p:spTgt spid="5"/>
+                                        </p:tgtEl>
+                                      </p:cBhvr>
+                                    </p:animEffect>
+                                  </p:childTnLst>
+                                </p:cTn>
+                              </p:par>
+                            </p:childTnLst>
+                          </p:cTn>
+                        </p:par>
+                      </p:childTnLst>
+                    </p:cTn>
+                  </p:par>
+                  <p:par>
+                    <p:cTn id="16" fill="hold">
+                      <p:stCondLst>
+                        <p:cond delay="indefinite"/>
+                      </p:stCondLst>
+                      <p:childTnLst>
+                        <p:par>
+                          <p:cTn id="17" fill="hold">
+                            <p:stCondLst>
+                              <p:cond delay="0"/>
+                            </p:stCondLst>
+                            <p:childTnLst>
+                              <p:par>
+                                <p:cTn id="18" presetID="10" presetClass="entr" presetSubtype="0" fill="hold" nodeType="clickEffect">
+                                  <p:stCondLst>
+                                    <p:cond delay="0"/>
+                                  </p:stCondLst>
+                                  <p:childTnLst>
+                                    <p:set>
+                                      <p:cBhvr>
+                                        <p:cTn id="19" dur="1" fill="hold">
+                                          <p:stCondLst>
+                                            <p:cond delay="0"/>
+                                          </p:stCondLst>
+                                        </p:cTn>
+                                        <p:tgtEl>
+                                          <p:spTgt spid="3">
+                                            <p:txEl>
+                                              <p:pRg st="3" end="3"/>
+                                            </p:txEl>
+                                          </p:spTgt>
+                                        </p:tgtEl>
+                                        <p:attrNameLst>
+                                          <p:attrName>style.visibility</p:attrName>
+                                        </p:attrNameLst>
+                                      </p:cBhvr>
+                                      <p:to>
+                                        <p:strVal val="visible"/>
+                                      </p:to>
+                                    </p:set>
+                                    <p:animEffect transition="in" filter="fade">
+                                      <p:cBhvr>
+                                        <p:cTn id="20" dur="500"/>
+                                        <p:tgtEl>
+                                          <p:spTgt spid="3">
+                                            <p:txEl>
+                                              <p:pRg st="3" end="3"/>
+                                            </p:txEl>
+                                          </p:spTgt>
+                                        </p:tgtEl>
+                                      </p:cBhvr>
+                                    </p:animEffect>
+                                  </p:childTnLst>
+                                </p:cTn>
+                              </p:par>
+                            </p:childTnLst>
+                          </p:cTn>
+                        </p:par>
+                      </p:childTnLst>
+                    </p:cTn>
+                  </p:par>
+                </p:childTnLst>
+              </p:cTn>
+              <p:prevCondLst>
+                <p:cond evt="onPrev" delay="0">
+                  <p:tgtEl>
+                    <p:sldTgt/>
+                  </p:tgtEl>
+                </p:cond>
+              </p:prevCondLst>
+              <p:nextCondLst>
+                <p:cond evt="onNext" delay="0">
+                  <p:tgtEl>
+                    <p:sldTgt/>
+                  </p:tgtEl>
+                </p:cond>
+              </p:nextCondLst>
+            </p:seq>
+          </p:childTnLst>
+        </p:cTn>
+      </p:par>
+    </p:tnLst>
+  </p:timing>
+</p:sld>
+</file>
+
+<file path=ppt/slides/slide14.xml><?xml version="1.0" encoding="utf-8"?>
+<p:sld xmlns:a="http://schemas.openxmlformats.org/drawingml/2006/main" xmlns:r="http://schemas.openxmlformats.org/officeDocument/2006/relationships" xmlns:p="http://schemas.openxmlformats.org/presentationml/2006/main">
+  <p:cSld>
+    <p:spTree>
+      <p:nvGrpSpPr>
+        <p:cNvPr id="1" name=""/>
+        <p:cNvGrpSpPr/>
+        <p:nvPr/>
+      </p:nvGrpSpPr>
+      <p:grpSpPr>
+        <a:xfrm>
+          <a:off x="0" y="0"/>
+          <a:ext cx="0" cy="0"/>
+          <a:chOff x="0" y="0"/>
+          <a:chExt cx="0" cy="0"/>
+        </a:xfrm>
+      </p:grpSpPr>
+      <p:sp>
+        <p:nvSpPr>
+          <p:cNvPr id="3" name="Content Placeholder 2"/>
+          <p:cNvSpPr>
+            <a:spLocks noGrp="1"/>
+          </p:cNvSpPr>
+          <p:nvPr>
+            <p:ph idx="1"/>
+          </p:nvPr>
+        </p:nvSpPr>
+        <p:spPr>
+          <a:xfrm>
+            <a:off x="0" y="1371600"/>
+            <a:ext cx="8610600" cy="4876800"/>
+          </a:xfrm>
+        </p:spPr>
+        <p:txBody>
+          <a:bodyPr/>
+          <a:lstStyle/>
+          <a:p>
+            <a:r>
+              <a:rPr lang="en-US" sz="6600" dirty="0" smtClean="0">
+                <a:solidFill>
+                  <a:schemeClr val="accent1">
+                    <a:lumMod val="50000"/>
+                  </a:schemeClr>
+                </a:solidFill>
+              </a:rPr>
+              <a:t>Say</a:t>
+            </a:r>
+          </a:p>
+          <a:p>
+            <a:r>
+              <a:rPr lang="en-US" sz="6600" dirty="0" smtClean="0">
+                <a:solidFill>
+                  <a:schemeClr val="accent1">
+                    <a:lumMod val="50000"/>
+                  </a:schemeClr>
+                </a:solidFill>
+              </a:rPr>
+              <a:t>C </a:t>
+            </a:r>
+            <a:r>
+              <a:rPr lang="en-US" sz="6600" dirty="0" smtClean="0"/>
+              <a:t>connected, so have</a:t>
+            </a:r>
+          </a:p>
+          <a:p>
+            <a:r>
+              <a:rPr lang="en-US" sz="6600" dirty="0" smtClean="0"/>
+              <a:t>path </a:t>
+            </a:r>
+            <a:endParaRPr lang="en-US" sz="6600" dirty="0"/>
+          </a:p>
+        </p:txBody>
+      </p:sp>
+      <p:sp>
+        <p:nvSpPr>
+          <p:cNvPr id="4" name="Slide Number Placeholder 3"/>
+          <p:cNvSpPr>
+            <a:spLocks noGrp="1"/>
+          </p:cNvSpPr>
+          <p:nvPr>
+            <p:ph type="sldNum" sz="quarter" idx="4"/>
+          </p:nvPr>
+        </p:nvSpPr>
+        <p:spPr>
+          <a:xfrm>
+            <a:off x="8225613" y="6553200"/>
+            <a:ext cx="870764" cy="246221"/>
+          </a:xfrm>
+        </p:spPr>
+        <p:txBody>
+          <a:bodyPr/>
+          <a:lstStyle/>
+          <a:p>
+            <a:pPr>
+              <a:defRPr/>
+            </a:pPr>
+            <a:r>
+              <a:rPr lang="en-US" dirty="0" smtClean="0"/>
+              <a:t>min-gray.</a:t>
+            </a:r>
+            <a:fld id="{D7F2FC53-1536-41A9-A9C1-2199CF803E30}" type="slidenum">
+              <a:rPr lang="en-US" smtClean="0"/>
+              <a:pPr>
+                <a:defRPr/>
+              </a:pPr>
+              <a:t>14</a:t>
+            </a:fld>
+            <a:endParaRPr lang="en-US" dirty="0"/>
+          </a:p>
+        </p:txBody>
+      </p:sp>
+      <p:sp>
+        <p:nvSpPr>
+          <p:cNvPr id="5" name="Title 1"/>
+          <p:cNvSpPr>
+            <a:spLocks noGrp="1"/>
+          </p:cNvSpPr>
+          <p:nvPr>
+            <p:ph type="title"/>
+          </p:nvPr>
+        </p:nvSpPr>
+        <p:spPr>
+          <a:xfrm>
+            <a:off x="1524000" y="304800"/>
+            <a:ext cx="7086600" cy="990600"/>
+          </a:xfrm>
+        </p:spPr>
+        <p:txBody>
+          <a:bodyPr/>
+          <a:lstStyle/>
+          <a:p>
+            <a:r>
+              <a:rPr lang="en-US" dirty="0" smtClean="0"/>
+              <a:t>Proof of </a:t>
+            </a:r>
+            <a:r>
+              <a:rPr lang="en-US" dirty="0" smtClean="0">
+                <a:solidFill>
+                  <a:srgbClr val="FF00FF"/>
+                </a:solidFill>
+              </a:rPr>
+              <a:t>Swap Lemma</a:t>
+            </a:r>
+            <a:endParaRPr lang="en-US" dirty="0">
+              <a:solidFill>
+                <a:srgbClr val="FF00FF"/>
+              </a:solidFill>
+            </a:endParaRPr>
+          </a:p>
+        </p:txBody>
+      </p:sp>
+      <p:graphicFrame>
+        <p:nvGraphicFramePr>
+          <p:cNvPr id="2" name="Object 1"/>
+          <p:cNvGraphicFramePr>
+            <a:graphicFrameLocks noChangeAspect="1"/>
+          </p:cNvGraphicFramePr>
+          <p:nvPr>
+            <p:extLst>
+              <p:ext uri="{D42A27DB-BD31-4B8C-83A1-F6EECF244321}">
+                <p14:modId xmlns:p14="http://schemas.microsoft.com/office/powerpoint/2010/main" val="1115191942"/>
+              </p:ext>
+            </p:extLst>
+          </p:nvPr>
+        </p:nvGraphicFramePr>
+        <p:xfrm>
+          <a:off x="1828800" y="1524000"/>
+          <a:ext cx="6965950" cy="949325"/>
+        </p:xfrm>
+        <a:graphic>
+          <a:graphicData uri="http://schemas.openxmlformats.org/presentationml/2006/ole">
+            <mc:AlternateContent xmlns:mc="http://schemas.openxmlformats.org/markup-compatibility/2006">
+              <mc:Choice xmlns:v="urn:schemas-microsoft-com:vml" Requires="v">
+                <p:oleObj spid="_x0000_s40994" name="Equation" r:id="rId3" imgW="1117600" imgH="152400" progId="Equation.DSMT4">
+                  <p:embed/>
+                </p:oleObj>
+              </mc:Choice>
+              <mc:Fallback>
+                <p:oleObj name="Equation" r:id="rId3" imgW="1117600" imgH="152400" progId="Equation.DSMT4">
+                  <p:embed/>
+                  <p:pic>
+                    <p:nvPicPr>
+                      <p:cNvPr id="0" name=""/>
+                      <p:cNvPicPr/>
+                      <p:nvPr/>
+                    </p:nvPicPr>
+                    <p:blipFill>
+                      <a:blip r:embed="rId4"/>
+                      <a:stretch>
+                        <a:fillRect/>
+                      </a:stretch>
+                    </p:blipFill>
+                    <p:spPr>
+                      <a:xfrm>
+                        <a:off x="1828800" y="1524000"/>
+                        <a:ext cx="6965950" cy="949325"/>
+                      </a:xfrm>
+                      <a:prstGeom prst="rect">
+                        <a:avLst/>
+                      </a:prstGeom>
+                    </p:spPr>
+                  </p:pic>
+                </p:oleObj>
+              </mc:Fallback>
+            </mc:AlternateContent>
+          </a:graphicData>
+        </a:graphic>
+      </p:graphicFrame>
+      <p:graphicFrame>
+        <p:nvGraphicFramePr>
+          <p:cNvPr id="6" name="Object 5"/>
+          <p:cNvGraphicFramePr>
+            <a:graphicFrameLocks noChangeAspect="1"/>
+          </p:cNvGraphicFramePr>
+          <p:nvPr>
+            <p:extLst>
+              <p:ext uri="{D42A27DB-BD31-4B8C-83A1-F6EECF244321}">
+                <p14:modId xmlns:p14="http://schemas.microsoft.com/office/powerpoint/2010/main" val="3464030949"/>
+              </p:ext>
+            </p:extLst>
+          </p:nvPr>
+        </p:nvGraphicFramePr>
+        <p:xfrm>
+          <a:off x="1295400" y="4657726"/>
+          <a:ext cx="6553200" cy="1684002"/>
+        </p:xfrm>
+        <a:graphic>
+          <a:graphicData uri="http://schemas.openxmlformats.org/presentationml/2006/ole">
+            <mc:AlternateContent xmlns:mc="http://schemas.openxmlformats.org/markup-compatibility/2006">
+              <mc:Choice xmlns:v="urn:schemas-microsoft-com:vml" Requires="v">
+                <p:oleObj spid="_x0000_s40995" name="Equation" r:id="rId5" imgW="889000" imgH="228600" progId="Equation.DSMT4">
+                  <p:embed/>
+                </p:oleObj>
+              </mc:Choice>
+              <mc:Fallback>
+                <p:oleObj name="Equation" r:id="rId5" imgW="889000" imgH="228600" progId="Equation.DSMT4">
+                  <p:embed/>
+                  <p:pic>
+                    <p:nvPicPr>
+                      <p:cNvPr id="0" name=""/>
+                      <p:cNvPicPr/>
+                      <p:nvPr/>
+                    </p:nvPicPr>
+                    <p:blipFill>
+                      <a:blip r:embed="rId6"/>
+                      <a:stretch>
+                        <a:fillRect/>
+                      </a:stretch>
+                    </p:blipFill>
+                    <p:spPr>
+                      <a:xfrm>
+                        <a:off x="1295400" y="4657726"/>
+                        <a:ext cx="6553200" cy="1684002"/>
+                      </a:xfrm>
+                      <a:prstGeom prst="rect">
+                        <a:avLst/>
+                      </a:prstGeom>
+                    </p:spPr>
+                  </p:pic>
+                </p:oleObj>
+              </mc:Fallback>
+            </mc:AlternateContent>
+          </a:graphicData>
+        </a:graphic>
+      </p:graphicFrame>
+    </p:spTree>
+    <p:extLst>
+      <p:ext uri="{BB962C8B-B14F-4D97-AF65-F5344CB8AC3E}">
+        <p14:creationId xmlns:p14="http://schemas.microsoft.com/office/powerpoint/2010/main" val="1495890989"/>
+      </p:ext>
+    </p:extLst>
+  </p:cSld>
+  <p:clrMapOvr>
+    <a:masterClrMapping/>
+  </p:clrMapOvr>
+  <mc:AlternateContent xmlns:mc="http://schemas.openxmlformats.org/markup-compatibility/2006" xmlns:p14="http://schemas.microsoft.com/office/powerpoint/2010/main">
+    <mc:Choice Requires="p14">
+      <p:transition spd="slow" p14:dur="1100" advClick="0">
+        <p:fade thruBlk="1"/>
+      </p:transition>
+    </mc:Choice>
+    <mc:Fallback xmlns="">
+      <p:transition xmlns:p14="http://schemas.microsoft.com/office/powerpoint/2010/main" spd="slow" advClick="0">
+        <p:fade thruBlk="1"/>
+      </p:transition>
+    </mc:Fallback>
+  </mc:AlternateContent>
+  <p:timing>
+    <p:tnLst>
+      <p:par>
+        <p:cTn xmlns:p14="http://schemas.microsoft.com/office/powerpoint/2010/main" id="1" dur="indefinite" restart="never" nodeType="tmRoot">
+          <p:childTnLst>
+            <p:seq concurrent="1" nextAc="seek">
+              <p:cTn id="2" dur="indefinite" nodeType="mainSeq">
+                <p:childTnLst>
+                  <p:par>
+                    <p:cTn id="3" fill="hold">
+                      <p:stCondLst>
+                        <p:cond delay="indefinite"/>
+                      </p:stCondLst>
+                      <p:childTnLst>
+                        <p:par>
+                          <p:cTn id="4" fill="hold">
+                            <p:stCondLst>
+                              <p:cond delay="0"/>
+                            </p:stCondLst>
+                            <p:childTnLst>
+                              <p:par>
+                                <p:cTn id="5" presetID="10" presetClass="entr" presetSubtype="0" fill="hold" nodeType="clickEffect">
+                                  <p:stCondLst>
+                                    <p:cond delay="0"/>
+                                  </p:stCondLst>
+                                  <p:childTnLst>
+                                    <p:set>
+                                      <p:cBhvr>
+                                        <p:cTn id="6" dur="1" fill="hold">
+                                          <p:stCondLst>
+                                            <p:cond delay="0"/>
+                                          </p:stCondLst>
+                                        </p:cTn>
+                                        <p:tgtEl>
+                                          <p:spTgt spid="3">
+                                            <p:txEl>
+                                              <p:pRg st="1" end="1"/>
+                                            </p:txEl>
+                                          </p:spTgt>
+                                        </p:tgtEl>
+                                        <p:attrNameLst>
+                                          <p:attrName>style.visibility</p:attrName>
+                                        </p:attrNameLst>
+                                      </p:cBhvr>
+                                      <p:to>
+                                        <p:strVal val="visible"/>
+                                      </p:to>
+                                    </p:set>
+                                    <p:animEffect transition="in" filter="fade">
+                                      <p:cBhvr>
+                                        <p:cTn id="7" dur="500"/>
+                                        <p:tgtEl>
+                                          <p:spTgt spid="3">
+                                            <p:txEl>
+                                              <p:pRg st="1" end="1"/>
+                                            </p:txEl>
+                                          </p:spTgt>
+                                        </p:tgtEl>
+                                      </p:cBhvr>
+                                    </p:animEffect>
+                                  </p:childTnLst>
+                                </p:cTn>
+                              </p:par>
+                              <p:par>
+                                <p:cTn id="8" presetID="10" presetClass="entr" presetSubtype="0" fill="hold" nodeType="withEffect">
+                                  <p:stCondLst>
+                                    <p:cond delay="0"/>
+                                  </p:stCondLst>
+                                  <p:childTnLst>
+                                    <p:set>
+                                      <p:cBhvr>
+                                        <p:cTn id="9" dur="1" fill="hold">
+                                          <p:stCondLst>
+                                            <p:cond delay="0"/>
+                                          </p:stCondLst>
+                                        </p:cTn>
+                                        <p:tgtEl>
+                                          <p:spTgt spid="3">
+                                            <p:txEl>
+                                              <p:pRg st="2" end="2"/>
+                                            </p:txEl>
+                                          </p:spTgt>
+                                        </p:tgtEl>
+                                        <p:attrNameLst>
+                                          <p:attrName>style.visibility</p:attrName>
+                                        </p:attrNameLst>
+                                      </p:cBhvr>
+                                      <p:to>
+                                        <p:strVal val="visible"/>
+                                      </p:to>
+                                    </p:set>
+                                    <p:animEffect transition="in" filter="fade">
+                                      <p:cBhvr>
+                                        <p:cTn id="10" dur="500"/>
+                                        <p:tgtEl>
+                                          <p:spTgt spid="3">
+                                            <p:txEl>
+                                              <p:pRg st="2" end="2"/>
+                                            </p:txEl>
+                                          </p:spTgt>
+                                        </p:tgtEl>
+                                      </p:cBhvr>
+                                    </p:animEffect>
+                                  </p:childTnLst>
+                                </p:cTn>
+                              </p:par>
+                            </p:childTnLst>
+                          </p:cTn>
+                        </p:par>
+                      </p:childTnLst>
+                    </p:cTn>
+                  </p:par>
+                  <p:par>
+                    <p:cTn id="11" fill="hold">
+                      <p:stCondLst>
+                        <p:cond delay="indefinite"/>
+                      </p:stCondLst>
+                      <p:childTnLst>
+                        <p:par>
+                          <p:cTn id="12" fill="hold">
+                            <p:stCondLst>
+                              <p:cond delay="0"/>
+                            </p:stCondLst>
+                            <p:childTnLst>
+                              <p:par>
+                                <p:cTn id="13" presetID="10" presetClass="entr" presetSubtype="0" fill="hold" nodeType="clickEffect">
+                                  <p:stCondLst>
+                                    <p:cond delay="0"/>
+                                  </p:stCondLst>
+                                  <p:childTnLst>
+                                    <p:set>
+                                      <p:cBhvr>
+                                        <p:cTn id="14" dur="1" fill="hold">
+                                          <p:stCondLst>
+                                            <p:cond delay="0"/>
+                                          </p:stCondLst>
+                                        </p:cTn>
+                                        <p:tgtEl>
+                                          <p:spTgt spid="6"/>
+                                        </p:tgtEl>
+                                        <p:attrNameLst>
+                                          <p:attrName>style.visibility</p:attrName>
+                                        </p:attrNameLst>
+                                      </p:cBhvr>
+                                      <p:to>
+                                        <p:strVal val="visible"/>
+                                      </p:to>
+                                    </p:set>
+                                    <p:animEffect transition="in" filter="fade">
+                                      <p:cBhvr>
+                                        <p:cTn id="15" dur="500"/>
+                                        <p:tgtEl>
+                                          <p:spTgt spid="6"/>
+                                        </p:tgtEl>
+                                      </p:cBhvr>
+                                    </p:animEffect>
+                                  </p:childTnLst>
+                                </p:cTn>
+                              </p:par>
+                            </p:childTnLst>
+                          </p:cTn>
+                        </p:par>
+                      </p:childTnLst>
+                    </p:cTn>
+                  </p:par>
+                </p:childTnLst>
+              </p:cTn>
+              <p:prevCondLst>
+                <p:cond evt="onPrev" delay="0">
+                  <p:tgtEl>
+                    <p:sldTgt/>
+                  </p:tgtEl>
+                </p:cond>
+              </p:prevCondLst>
+              <p:nextCondLst>
+                <p:cond evt="onNext" delay="0">
+                  <p:tgtEl>
+                    <p:sldTgt/>
+                  </p:tgtEl>
+                </p:cond>
+              </p:nextCondLst>
+            </p:seq>
+          </p:childTnLst>
+        </p:cTn>
+      </p:par>
+    </p:tnLst>
+  </p:timing>
+</p:sld>
+</file>
+
+<file path=ppt/slides/slide15.xml><?xml version="1.0" encoding="utf-8"?>
+<p:sld xmlns:a="http://schemas.openxmlformats.org/drawingml/2006/main" xmlns:r="http://schemas.openxmlformats.org/officeDocument/2006/relationships" xmlns:p="http://schemas.openxmlformats.org/presentationml/2006/main">
+  <p:cSld>
+    <p:spTree>
+      <p:nvGrpSpPr>
+        <p:cNvPr id="1" name=""/>
+        <p:cNvGrpSpPr/>
+        <p:nvPr/>
+      </p:nvGrpSpPr>
+      <p:grpSpPr>
+        <a:xfrm>
+          <a:off x="0" y="0"/>
+          <a:ext cx="0" cy="0"/>
+          <a:chOff x="0" y="0"/>
+          <a:chExt cx="0" cy="0"/>
+        </a:xfrm>
+      </p:grpSpPr>
+      <p:sp>
+        <p:nvSpPr>
           <p:cNvPr id="5" name="Oval 4"/>
           <p:cNvSpPr/>
           <p:nvPr/>
@@ -3863,7 +6802,12 @@
             <p:ph type="sldNum" sz="quarter" idx="4"/>
           </p:nvPr>
         </p:nvSpPr>
-        <p:spPr/>
+        <p:spPr>
+          <a:xfrm>
+            <a:off x="8225613" y="6553200"/>
+            <a:ext cx="870764" cy="246221"/>
+          </a:xfrm>
+        </p:spPr>
         <p:txBody>
           <a:bodyPr/>
           <a:lstStyle/>
@@ -3872,15 +6816,15 @@
               <a:defRPr/>
             </a:pPr>
             <a:r>
-              <a:rPr lang="en-US" smtClean="0"/>
-              <a:t>connected.</a:t>
+              <a:rPr lang="en-US" dirty="0" smtClean="0"/>
+              <a:t>min-gray.</a:t>
             </a:r>
             <a:fld id="{D7F2FC53-1536-41A9-A9C1-2199CF803E30}" type="slidenum">
               <a:rPr lang="en-US" smtClean="0"/>
               <a:pPr>
                 <a:defRPr/>
               </a:pPr>
-              <a:t>10</a:t>
+              <a:t>15</a:t>
             </a:fld>
             <a:endParaRPr lang="en-US" dirty="0"/>
           </a:p>
@@ -5290,34 +8234,6 @@
       </p:sp>
       <p:sp>
         <p:nvSpPr>
-          <p:cNvPr id="45" name="Title 1"/>
-          <p:cNvSpPr>
-            <a:spLocks noGrp="1"/>
-          </p:cNvSpPr>
-          <p:nvPr>
-            <p:ph type="title"/>
-          </p:nvPr>
-        </p:nvSpPr>
-        <p:spPr>
-          <a:xfrm>
-            <a:off x="1524000" y="304800"/>
-            <a:ext cx="7086600" cy="990600"/>
-          </a:xfrm>
-        </p:spPr>
-        <p:txBody>
-          <a:bodyPr/>
-          <a:lstStyle/>
-          <a:p>
-            <a:r>
-              <a:rPr lang="en-US" dirty="0" smtClean="0"/>
-              <a:t>Proof of Swap Lemma</a:t>
-            </a:r>
-            <a:endParaRPr lang="en-US" dirty="0"/>
-          </a:p>
-        </p:txBody>
-      </p:sp>
-      <p:sp>
-        <p:nvSpPr>
           <p:cNvPr id="3" name="TextBox 2"/>
           <p:cNvSpPr txBox="1"/>
           <p:nvPr/>
@@ -5482,6 +8398,46 @@
               <a:t> black</a:t>
             </a:r>
             <a:endParaRPr lang="en-US" sz="5400" dirty="0"/>
+          </a:p>
+        </p:txBody>
+      </p:sp>
+      <p:sp>
+        <p:nvSpPr>
+          <p:cNvPr id="28" name="Title 1"/>
+          <p:cNvSpPr>
+            <a:spLocks noGrp="1"/>
+          </p:cNvSpPr>
+          <p:nvPr>
+            <p:ph type="title"/>
+          </p:nvPr>
+        </p:nvSpPr>
+        <p:spPr>
+          <a:xfrm>
+            <a:off x="1524000" y="304800"/>
+            <a:ext cx="7086600" cy="990600"/>
+          </a:xfrm>
+        </p:spPr>
+        <p:txBody>
+          <a:bodyPr/>
+          <a:lstStyle/>
+          <a:p>
+            <a:r>
+              <a:rPr lang="en-US" dirty="0" smtClean="0"/>
+              <a:t>Proof of </a:t>
+            </a:r>
+            <a:r>
+              <a:rPr lang="en-US" dirty="0" smtClean="0">
+                <a:solidFill>
+                  <a:schemeClr val="tx1"/>
+                </a:solidFill>
+              </a:rPr>
+              <a:t>Swap Lemma</a:t>
+            </a:r>
+            <a:endParaRPr lang="en-US" dirty="0">
+              <a:solidFill>
+                <a:schemeClr val="tx1"/>
+              </a:solidFill>
+            </a:endParaRPr>
           </a:p>
         </p:txBody>
       </p:sp>
@@ -5731,7 +8687,7 @@
 </p:sld>
 </file>
 
-<file path=ppt/slides/slide11.xml><?xml version="1.0" encoding="utf-8"?>
+<file path=ppt/slides/slide16.xml><?xml version="1.0" encoding="utf-8"?>
 <p:sld xmlns:a="http://schemas.openxmlformats.org/drawingml/2006/main" xmlns:r="http://schemas.openxmlformats.org/officeDocument/2006/relationships" xmlns:p="http://schemas.openxmlformats.org/presentationml/2006/main">
   <p:cSld>
     <p:spTree>
@@ -6268,7 +9224,12 @@
             <p:ph type="sldNum" sz="quarter" idx="4"/>
           </p:nvPr>
         </p:nvSpPr>
-        <p:spPr/>
+        <p:spPr>
+          <a:xfrm>
+            <a:off x="8225613" y="6553200"/>
+            <a:ext cx="870764" cy="246221"/>
+          </a:xfrm>
+        </p:spPr>
         <p:txBody>
           <a:bodyPr/>
           <a:lstStyle/>
@@ -6277,15 +9238,15 @@
               <a:defRPr/>
             </a:pPr>
             <a:r>
-              <a:rPr lang="en-US" smtClean="0"/>
-              <a:t>connected.</a:t>
+              <a:rPr lang="en-US" dirty="0" smtClean="0"/>
+              <a:t>min-gray.</a:t>
             </a:r>
             <a:fld id="{D7F2FC53-1536-41A9-A9C1-2199CF803E30}" type="slidenum">
               <a:rPr lang="en-US" smtClean="0"/>
               <a:pPr>
                 <a:defRPr/>
               </a:pPr>
-              <a:t>11</a:t>
+              <a:t>16</a:t>
             </a:fld>
             <a:endParaRPr lang="en-US" dirty="0"/>
           </a:p>
@@ -7893,7 +10854,7 @@
 </p:sld>
 </file>
 
-<file path=ppt/slides/slide12.xml><?xml version="1.0" encoding="utf-8"?>
+<file path=ppt/slides/slide17.xml><?xml version="1.0" encoding="utf-8"?>
 <p:sld xmlns:a="http://schemas.openxmlformats.org/drawingml/2006/main" xmlns:r="http://schemas.openxmlformats.org/officeDocument/2006/relationships" xmlns:p="http://schemas.openxmlformats.org/presentationml/2006/main">
   <p:cSld>
     <p:spTree>
@@ -9431,7 +12392,12 @@
             <p:ph type="sldNum" sz="quarter" idx="4"/>
           </p:nvPr>
         </p:nvSpPr>
-        <p:spPr/>
+        <p:spPr>
+          <a:xfrm>
+            <a:off x="8225613" y="6553200"/>
+            <a:ext cx="870764" cy="246221"/>
+          </a:xfrm>
+        </p:spPr>
         <p:txBody>
           <a:bodyPr/>
           <a:lstStyle/>
@@ -9440,15 +12406,15 @@
               <a:defRPr/>
             </a:pPr>
             <a:r>
-              <a:rPr lang="en-US" smtClean="0"/>
-              <a:t>connected.</a:t>
+              <a:rPr lang="en-US" dirty="0" smtClean="0"/>
+              <a:t>min-gray.</a:t>
             </a:r>
             <a:fld id="{D7F2FC53-1536-41A9-A9C1-2199CF803E30}" type="slidenum">
               <a:rPr lang="en-US" smtClean="0"/>
               <a:pPr>
                 <a:defRPr/>
               </a:pPr>
-              <a:t>12</a:t>
+              <a:t>17</a:t>
             </a:fld>
             <a:endParaRPr lang="en-US" dirty="0"/>
           </a:p>
@@ -10396,7 +13362,7 @@
 </p:sld>
 </file>
 
-<file path=ppt/slides/slide13.xml><?xml version="1.0" encoding="utf-8"?>
+<file path=ppt/slides/slide18.xml><?xml version="1.0" encoding="utf-8"?>
 <p:sld xmlns:a="http://schemas.openxmlformats.org/drawingml/2006/main" xmlns:r="http://schemas.openxmlformats.org/officeDocument/2006/relationships" xmlns:p="http://schemas.openxmlformats.org/presentationml/2006/main">
   <p:cSld>
     <p:spTree>
@@ -11934,7 +14900,12 @@
             <p:ph type="sldNum" sz="quarter" idx="4"/>
           </p:nvPr>
         </p:nvSpPr>
-        <p:spPr/>
+        <p:spPr>
+          <a:xfrm>
+            <a:off x="8225613" y="6553200"/>
+            <a:ext cx="870764" cy="246221"/>
+          </a:xfrm>
+        </p:spPr>
         <p:txBody>
           <a:bodyPr/>
           <a:lstStyle/>
@@ -11943,15 +14914,15 @@
               <a:defRPr/>
             </a:pPr>
             <a:r>
-              <a:rPr lang="en-US" smtClean="0"/>
-              <a:t>connected.</a:t>
+              <a:rPr lang="en-US" dirty="0" smtClean="0"/>
+              <a:t>min-gray.</a:t>
             </a:r>
             <a:fld id="{D7F2FC53-1536-41A9-A9C1-2199CF803E30}" type="slidenum">
               <a:rPr lang="en-US" smtClean="0"/>
               <a:pPr>
                 <a:defRPr/>
               </a:pPr>
-              <a:t>13</a:t>
+              <a:t>18</a:t>
             </a:fld>
             <a:endParaRPr lang="en-US" dirty="0"/>
           </a:p>
@@ -12872,7 +15843,7 @@
 </p:sld>
 </file>
 
-<file path=ppt/slides/slide14.xml><?xml version="1.0" encoding="utf-8"?>
+<file path=ppt/slides/slide19.xml><?xml version="1.0" encoding="utf-8"?>
 <p:sld xmlns:a="http://schemas.openxmlformats.org/drawingml/2006/main" xmlns:r="http://schemas.openxmlformats.org/officeDocument/2006/relationships" xmlns:p="http://schemas.openxmlformats.org/presentationml/2006/main">
   <p:cSld>
     <p:spTree>
@@ -13409,7 +16380,12 @@
             <p:ph type="sldNum" sz="quarter" idx="4"/>
           </p:nvPr>
         </p:nvSpPr>
-        <p:spPr/>
+        <p:spPr>
+          <a:xfrm>
+            <a:off x="8225613" y="6553200"/>
+            <a:ext cx="870764" cy="246221"/>
+          </a:xfrm>
+        </p:spPr>
         <p:txBody>
           <a:bodyPr/>
           <a:lstStyle/>
@@ -13418,15 +16394,15 @@
               <a:defRPr/>
             </a:pPr>
             <a:r>
-              <a:rPr lang="en-US" smtClean="0"/>
-              <a:t>connected.</a:t>
+              <a:rPr lang="en-US" dirty="0" smtClean="0"/>
+              <a:t>min-gray.</a:t>
             </a:r>
             <a:fld id="{D7F2FC53-1536-41A9-A9C1-2199CF803E30}" type="slidenum">
               <a:rPr lang="en-US" smtClean="0"/>
               <a:pPr>
                 <a:defRPr/>
               </a:pPr>
-              <a:t>14</a:t>
+              <a:t>19</a:t>
             </a:fld>
             <a:endParaRPr lang="en-US" dirty="0"/>
           </a:p>
@@ -15040,7 +18016,7 @@
           <a:graphicData uri="http://schemas.openxmlformats.org/presentationml/2006/ole">
             <mc:AlternateContent xmlns:mc="http://schemas.openxmlformats.org/markup-compatibility/2006">
               <mc:Choice xmlns:v="urn:schemas-microsoft-com:vml" Requires="v">
-                <p:oleObj spid="_x0000_s41991" name="Equation" r:id="rId3" imgW="393700" imgH="228600" progId="Equation.DSMT4">
+                <p:oleObj spid="_x0000_s42003" name="Equation" r:id="rId3" imgW="393700" imgH="228600" progId="Equation.DSMT4">
                   <p:embed/>
                 </p:oleObj>
               </mc:Choice>
@@ -15564,7 +18540,358 @@
 </p:sld>
 </file>
 
-<file path=ppt/slides/slide15.xml><?xml version="1.0" encoding="utf-8"?>
+<file path=ppt/slides/slide2.xml><?xml version="1.0" encoding="utf-8"?>
+<p:sld xmlns:a="http://schemas.openxmlformats.org/drawingml/2006/main" xmlns:r="http://schemas.openxmlformats.org/officeDocument/2006/relationships" xmlns:p="http://schemas.openxmlformats.org/presentationml/2006/main">
+  <p:cSld>
+    <p:spTree>
+      <p:nvGrpSpPr>
+        <p:cNvPr id="1" name=""/>
+        <p:cNvGrpSpPr/>
+        <p:nvPr/>
+      </p:nvGrpSpPr>
+      <p:grpSpPr>
+        <a:xfrm>
+          <a:off x="0" y="0"/>
+          <a:ext cx="0" cy="0"/>
+          <a:chOff x="0" y="0"/>
+          <a:chExt cx="0" cy="0"/>
+        </a:xfrm>
+      </p:grpSpPr>
+      <p:sp>
+        <p:nvSpPr>
+          <p:cNvPr id="2" name="Title 1"/>
+          <p:cNvSpPr>
+            <a:spLocks noGrp="1"/>
+          </p:cNvSpPr>
+          <p:nvPr>
+            <p:ph type="title"/>
+          </p:nvPr>
+        </p:nvSpPr>
+        <p:spPr/>
+        <p:txBody>
+          <a:bodyPr/>
+          <a:lstStyle/>
+          <a:p>
+            <a:r>
+              <a:rPr lang="en-US" dirty="0" smtClean="0"/>
+              <a:t>Connected Graph </a:t>
+            </a:r>
+            <a:r>
+              <a:rPr lang="en-US" dirty="0" smtClean="0">
+                <a:solidFill>
+                  <a:schemeClr val="accent1">
+                    <a:lumMod val="50000"/>
+                  </a:schemeClr>
+                </a:solidFill>
+              </a:rPr>
+              <a:t>G</a:t>
+            </a:r>
+            <a:endParaRPr lang="en-US" dirty="0">
+              <a:solidFill>
+                <a:schemeClr val="accent1">
+                  <a:lumMod val="50000"/>
+                </a:schemeClr>
+              </a:solidFill>
+            </a:endParaRPr>
+          </a:p>
+        </p:txBody>
+      </p:sp>
+      <p:sp>
+        <p:nvSpPr>
+          <p:cNvPr id="3" name="Content Placeholder 2"/>
+          <p:cNvSpPr>
+            <a:spLocks noGrp="1"/>
+          </p:cNvSpPr>
+          <p:nvPr>
+            <p:ph idx="1"/>
+          </p:nvPr>
+        </p:nvSpPr>
+        <p:spPr>
+          <a:xfrm>
+            <a:off x="685800" y="1295400"/>
+            <a:ext cx="7772400" cy="4267200"/>
+          </a:xfrm>
+        </p:spPr>
+        <p:txBody>
+          <a:bodyPr/>
+          <a:lstStyle/>
+          <a:p>
+            <a:r>
+              <a:rPr lang="en-US" sz="5400" dirty="0" smtClean="0">
+                <a:solidFill>
+                  <a:srgbClr val="000000"/>
+                </a:solidFill>
+              </a:rPr>
+              <a:t>Let</a:t>
+            </a:r>
+            <a:r>
+              <a:rPr lang="en-US" sz="5400" dirty="0" smtClean="0"/>
+              <a:t> </a:t>
+            </a:r>
+            <a:r>
+              <a:rPr lang="en-US" sz="5400" dirty="0">
+                <a:solidFill>
+                  <a:schemeClr val="accent1">
+                    <a:lumMod val="50000"/>
+                  </a:schemeClr>
+                </a:solidFill>
+              </a:rPr>
+              <a:t>G </a:t>
+            </a:r>
+            <a:r>
+              <a:rPr lang="en-US" sz="5400" dirty="0" smtClean="0"/>
+              <a:t>be a</a:t>
+            </a:r>
+            <a:r>
+              <a:rPr lang="en-US" sz="5400" dirty="0" smtClean="0">
+                <a:solidFill>
+                  <a:schemeClr val="accent1">
+                    <a:lumMod val="50000"/>
+                  </a:schemeClr>
+                </a:solidFill>
+              </a:rPr>
+              <a:t> connected,</a:t>
+            </a:r>
+            <a:endParaRPr lang="en-US" sz="5400" dirty="0">
+              <a:solidFill>
+                <a:schemeClr val="accent1">
+                  <a:lumMod val="50000"/>
+                </a:schemeClr>
+              </a:solidFill>
+            </a:endParaRPr>
+          </a:p>
+          <a:p>
+            <a:r>
+              <a:rPr lang="en-US" sz="5400" dirty="0" smtClean="0">
+                <a:solidFill>
+                  <a:schemeClr val="accent1">
+                    <a:lumMod val="50000"/>
+                  </a:schemeClr>
+                </a:solidFill>
+              </a:rPr>
+              <a:t>weighted</a:t>
+            </a:r>
+            <a:r>
+              <a:rPr lang="en-US" sz="5400" dirty="0"/>
+              <a:t> </a:t>
+            </a:r>
+            <a:r>
+              <a:rPr lang="en-US" sz="5400" dirty="0" smtClean="0"/>
+              <a:t>simple graph.</a:t>
+            </a:r>
+          </a:p>
+          <a:p>
+            <a:r>
+              <a:rPr lang="en-US" sz="5400" dirty="0" smtClean="0"/>
+              <a:t>Assume all edges have</a:t>
+            </a:r>
+          </a:p>
+          <a:p>
+            <a:r>
+              <a:rPr lang="en-US" sz="5400" dirty="0" smtClean="0"/>
+              <a:t>different weights.</a:t>
+            </a:r>
+          </a:p>
+        </p:txBody>
+      </p:sp>
+      <p:sp>
+        <p:nvSpPr>
+          <p:cNvPr id="4" name="Slide Number Placeholder 3"/>
+          <p:cNvSpPr>
+            <a:spLocks noGrp="1"/>
+          </p:cNvSpPr>
+          <p:nvPr>
+            <p:ph type="sldNum" sz="quarter" idx="4"/>
+          </p:nvPr>
+        </p:nvSpPr>
+        <p:spPr>
+          <a:xfrm>
+            <a:off x="8283346" y="6553200"/>
+            <a:ext cx="813031" cy="246221"/>
+          </a:xfrm>
+        </p:spPr>
+        <p:txBody>
+          <a:bodyPr/>
+          <a:lstStyle/>
+          <a:p>
+            <a:pPr>
+              <a:defRPr/>
+            </a:pPr>
+            <a:r>
+              <a:rPr lang="en-US" dirty="0" smtClean="0"/>
+              <a:t>min-gray.</a:t>
+            </a:r>
+            <a:fld id="{D7F2FC53-1536-41A9-A9C1-2199CF803E30}" type="slidenum">
+              <a:rPr lang="en-US" smtClean="0"/>
+              <a:pPr>
+                <a:defRPr/>
+              </a:pPr>
+              <a:t>2</a:t>
+            </a:fld>
+            <a:endParaRPr lang="en-US" dirty="0"/>
+          </a:p>
+        </p:txBody>
+      </p:sp>
+    </p:spTree>
+    <p:extLst>
+      <p:ext uri="{BB962C8B-B14F-4D97-AF65-F5344CB8AC3E}">
+        <p14:creationId xmlns:p14="http://schemas.microsoft.com/office/powerpoint/2010/main" val="3956117425"/>
+      </p:ext>
+    </p:extLst>
+  </p:cSld>
+  <p:clrMapOvr>
+    <a:masterClrMapping/>
+  </p:clrMapOvr>
+  <mc:AlternateContent xmlns:mc="http://schemas.openxmlformats.org/markup-compatibility/2006" xmlns:p14="http://schemas.microsoft.com/office/powerpoint/2010/main">
+    <mc:Choice Requires="p14">
+      <p:transition spd="slow" p14:dur="1100" advClick="0">
+        <p:fade thruBlk="1"/>
+      </p:transition>
+    </mc:Choice>
+    <mc:Fallback xmlns="">
+      <p:transition xmlns:p14="http://schemas.microsoft.com/office/powerpoint/2010/main" spd="slow" advClick="0">
+        <p:fade thruBlk="1"/>
+      </p:transition>
+    </mc:Fallback>
+  </mc:AlternateContent>
+  <p:timing>
+    <p:tnLst>
+      <p:par>
+        <p:cTn xmlns:p14="http://schemas.microsoft.com/office/powerpoint/2010/main" id="1" dur="indefinite" restart="never" nodeType="tmRoot">
+          <p:childTnLst>
+            <p:seq concurrent="1" nextAc="seek">
+              <p:cTn id="2" dur="indefinite" nodeType="mainSeq">
+                <p:childTnLst>
+                  <p:par>
+                    <p:cTn id="3" fill="hold">
+                      <p:stCondLst>
+                        <p:cond delay="indefinite"/>
+                      </p:stCondLst>
+                      <p:childTnLst>
+                        <p:par>
+                          <p:cTn id="4" fill="hold">
+                            <p:stCondLst>
+                              <p:cond delay="0"/>
+                            </p:stCondLst>
+                            <p:childTnLst>
+                              <p:par>
+                                <p:cTn id="5" presetID="10" presetClass="entr" presetSubtype="0" fill="hold" nodeType="clickEffect">
+                                  <p:stCondLst>
+                                    <p:cond delay="0"/>
+                                  </p:stCondLst>
+                                  <p:childTnLst>
+                                    <p:set>
+                                      <p:cBhvr>
+                                        <p:cTn id="6" dur="1" fill="hold">
+                                          <p:stCondLst>
+                                            <p:cond delay="0"/>
+                                          </p:stCondLst>
+                                        </p:cTn>
+                                        <p:tgtEl>
+                                          <p:spTgt spid="3">
+                                            <p:txEl>
+                                              <p:pRg st="2" end="2"/>
+                                            </p:txEl>
+                                          </p:spTgt>
+                                        </p:tgtEl>
+                                        <p:attrNameLst>
+                                          <p:attrName>style.visibility</p:attrName>
+                                        </p:attrNameLst>
+                                      </p:cBhvr>
+                                      <p:to>
+                                        <p:strVal val="visible"/>
+                                      </p:to>
+                                    </p:set>
+                                    <p:animEffect transition="in" filter="fade">
+                                      <p:cBhvr>
+                                        <p:cTn id="7" dur="500"/>
+                                        <p:tgtEl>
+                                          <p:spTgt spid="3">
+                                            <p:txEl>
+                                              <p:pRg st="2" end="2"/>
+                                            </p:txEl>
+                                          </p:spTgt>
+                                        </p:tgtEl>
+                                      </p:cBhvr>
+                                    </p:animEffect>
+                                  </p:childTnLst>
+                                </p:cTn>
+                              </p:par>
+                              <p:par>
+                                <p:cTn id="8" presetID="10" presetClass="entr" presetSubtype="0" fill="hold" nodeType="withEffect">
+                                  <p:stCondLst>
+                                    <p:cond delay="0"/>
+                                  </p:stCondLst>
+                                  <p:childTnLst>
+                                    <p:set>
+                                      <p:cBhvr>
+                                        <p:cTn id="9" dur="1" fill="hold">
+                                          <p:stCondLst>
+                                            <p:cond delay="0"/>
+                                          </p:stCondLst>
+                                        </p:cTn>
+                                        <p:tgtEl>
+                                          <p:spTgt spid="3">
+                                            <p:txEl>
+                                              <p:pRg st="3" end="3"/>
+                                            </p:txEl>
+                                          </p:spTgt>
+                                        </p:tgtEl>
+                                        <p:attrNameLst>
+                                          <p:attrName>style.visibility</p:attrName>
+                                        </p:attrNameLst>
+                                      </p:cBhvr>
+                                      <p:to>
+                                        <p:strVal val="visible"/>
+                                      </p:to>
+                                    </p:set>
+                                    <p:animEffect transition="in" filter="fade">
+                                      <p:cBhvr>
+                                        <p:cTn id="10" dur="500"/>
+                                        <p:tgtEl>
+                                          <p:spTgt spid="3">
+                                            <p:txEl>
+                                              <p:pRg st="3" end="3"/>
+                                            </p:txEl>
+                                          </p:spTgt>
+                                        </p:tgtEl>
+                                      </p:cBhvr>
+                                    </p:animEffect>
+                                  </p:childTnLst>
+                                </p:cTn>
+                              </p:par>
+                            </p:childTnLst>
+                          </p:cTn>
+                        </p:par>
+                      </p:childTnLst>
+                    </p:cTn>
+                  </p:par>
+                </p:childTnLst>
+              </p:cTn>
+              <p:prevCondLst>
+                <p:cond evt="onPrev" delay="0">
+                  <p:tgtEl>
+                    <p:sldTgt/>
+                  </p:tgtEl>
+                </p:cond>
+              </p:prevCondLst>
+              <p:nextCondLst>
+                <p:cond evt="onNext" delay="0">
+                  <p:tgtEl>
+                    <p:sldTgt/>
+                  </p:tgtEl>
+                </p:cond>
+              </p:nextCondLst>
+            </p:seq>
+          </p:childTnLst>
+        </p:cTn>
+      </p:par>
+    </p:tnLst>
+  </p:timing>
+</p:sld>
+</file>
+
+<file path=ppt/slides/slide20.xml><?xml version="1.0" encoding="utf-8"?>
 <p:sld xmlns:a="http://schemas.openxmlformats.org/drawingml/2006/main" xmlns:r="http://schemas.openxmlformats.org/officeDocument/2006/relationships" xmlns:p="http://schemas.openxmlformats.org/presentationml/2006/main">
   <p:cSld>
     <p:spTree>
@@ -16101,7 +19428,12 @@
             <p:ph type="sldNum" sz="quarter" idx="4"/>
           </p:nvPr>
         </p:nvSpPr>
-        <p:spPr/>
+        <p:spPr>
+          <a:xfrm>
+            <a:off x="8205075" y="6553200"/>
+            <a:ext cx="891302" cy="246221"/>
+          </a:xfrm>
+        </p:spPr>
         <p:txBody>
           <a:bodyPr/>
           <a:lstStyle/>
@@ -16110,15 +19442,15 @@
               <a:defRPr/>
             </a:pPr>
             <a:r>
-              <a:rPr lang="en-US" smtClean="0"/>
-              <a:t>connected.</a:t>
+              <a:rPr lang="en-US" dirty="0" smtClean="0"/>
+              <a:t>min-gray.</a:t>
             </a:r>
             <a:fld id="{D7F2FC53-1536-41A9-A9C1-2199CF803E30}" type="slidenum">
               <a:rPr lang="en-US" smtClean="0"/>
               <a:pPr>
                 <a:defRPr/>
               </a:pPr>
-              <a:t>15</a:t>
+              <a:t>20</a:t>
             </a:fld>
             <a:endParaRPr lang="en-US" dirty="0"/>
           </a:p>
@@ -17692,7 +21024,7 @@
           <a:graphicData uri="http://schemas.openxmlformats.org/presentationml/2006/ole">
             <mc:AlternateContent xmlns:mc="http://schemas.openxmlformats.org/markup-compatibility/2006">
               <mc:Choice xmlns:v="urn:schemas-microsoft-com:vml" Requires="v">
-                <p:oleObj spid="_x0000_s43015" name="Equation" r:id="rId3" imgW="635000" imgH="228600" progId="Equation.DSMT4">
+                <p:oleObj spid="_x0000_s43027" name="Equation" r:id="rId3" imgW="635000" imgH="228600" progId="Equation.DSMT4">
                   <p:embed/>
                 </p:oleObj>
               </mc:Choice>
@@ -17904,7 +21236,7 @@
 </p:sld>
 </file>
 
-<file path=ppt/slides/slide16.xml><?xml version="1.0" encoding="utf-8"?>
+<file path=ppt/slides/slide21.xml><?xml version="1.0" encoding="utf-8"?>
 <p:sld xmlns:a="http://schemas.openxmlformats.org/drawingml/2006/main" xmlns:r="http://schemas.openxmlformats.org/officeDocument/2006/relationships" xmlns:p="http://schemas.openxmlformats.org/presentationml/2006/main">
   <p:cSld>
     <p:spTree>
@@ -17931,7 +21263,12 @@
             <p:ph type="sldNum" sz="quarter" idx="4"/>
           </p:nvPr>
         </p:nvSpPr>
-        <p:spPr/>
+        <p:spPr>
+          <a:xfrm>
+            <a:off x="8225613" y="6553200"/>
+            <a:ext cx="870764" cy="246221"/>
+          </a:xfrm>
+        </p:spPr>
         <p:txBody>
           <a:bodyPr/>
           <a:lstStyle/>
@@ -17940,15 +21277,15 @@
               <a:defRPr/>
             </a:pPr>
             <a:r>
-              <a:rPr lang="en-US" smtClean="0"/>
-              <a:t>connected.</a:t>
+              <a:rPr lang="en-US" dirty="0" smtClean="0"/>
+              <a:t>min-gray.</a:t>
             </a:r>
             <a:fld id="{D7F2FC53-1536-41A9-A9C1-2199CF803E30}" type="slidenum">
               <a:rPr lang="en-US" smtClean="0"/>
               <a:pPr>
                 <a:defRPr/>
               </a:pPr>
-              <a:t>16</a:t>
+              <a:t>21</a:t>
             </a:fld>
             <a:endParaRPr lang="en-US" dirty="0"/>
           </a:p>
@@ -18110,7 +21447,7 @@
             <a:graphicData uri="http://schemas.openxmlformats.org/presentationml/2006/ole">
               <mc:AlternateContent xmlns:mc="http://schemas.openxmlformats.org/markup-compatibility/2006">
                 <mc:Choice xmlns:v="urn:schemas-microsoft-com:vml" Requires="v">
-                  <p:oleObj spid="_x0000_s44039" name="Equation" r:id="rId3" imgW="635000" imgH="228600" progId="Equation.DSMT4">
+                  <p:oleObj spid="_x0000_s44051" name="Equation" r:id="rId3" imgW="635000" imgH="228600" progId="Equation.DSMT4">
                     <p:embed/>
                   </p:oleObj>
                 </mc:Choice>
@@ -18216,7 +21553,7 @@
 </p:sld>
 </file>
 
-<file path=ppt/slides/slide17.xml><?xml version="1.0" encoding="utf-8"?>
+<file path=ppt/slides/slide22.xml><?xml version="1.0" encoding="utf-8"?>
 <p:sld xmlns:a="http://schemas.openxmlformats.org/drawingml/2006/main" xmlns:r="http://schemas.openxmlformats.org/officeDocument/2006/relationships" xmlns:p="http://schemas.openxmlformats.org/presentationml/2006/main">
   <p:cSld>
     <p:spTree>
@@ -18753,7 +22090,12 @@
             <p:ph type="sldNum" sz="quarter" idx="4"/>
           </p:nvPr>
         </p:nvSpPr>
-        <p:spPr/>
+        <p:spPr>
+          <a:xfrm>
+            <a:off x="8205075" y="6553200"/>
+            <a:ext cx="891302" cy="246221"/>
+          </a:xfrm>
+        </p:spPr>
         <p:txBody>
           <a:bodyPr/>
           <a:lstStyle/>
@@ -18762,15 +22104,15 @@
               <a:defRPr/>
             </a:pPr>
             <a:r>
-              <a:rPr lang="en-US" smtClean="0"/>
-              <a:t>connected.</a:t>
+              <a:rPr lang="en-US" dirty="0" smtClean="0"/>
+              <a:t>min-gray.</a:t>
             </a:r>
             <a:fld id="{D7F2FC53-1536-41A9-A9C1-2199CF803E30}" type="slidenum">
               <a:rPr lang="en-US" smtClean="0"/>
               <a:pPr>
                 <a:defRPr/>
               </a:pPr>
-              <a:t>17</a:t>
+              <a:t>22</a:t>
             </a:fld>
             <a:endParaRPr lang="en-US" dirty="0"/>
           </a:p>
@@ -20338,7 +23680,7 @@
           <a:graphicData uri="http://schemas.openxmlformats.org/presentationml/2006/ole">
             <mc:AlternateContent xmlns:mc="http://schemas.openxmlformats.org/markup-compatibility/2006">
               <mc:Choice xmlns:v="urn:schemas-microsoft-com:vml" Requires="v">
-                <p:oleObj spid="_x0000_s46087" name="Equation" r:id="rId3" imgW="635000" imgH="228600" progId="Equation.DSMT4">
+                <p:oleObj spid="_x0000_s46099" name="Equation" r:id="rId3" imgW="635000" imgH="228600" progId="Equation.DSMT4">
                   <p:embed/>
                 </p:oleObj>
               </mc:Choice>
@@ -20714,7 +24056,7 @@
 </p:sld>
 </file>
 
-<file path=ppt/slides/slide18.xml><?xml version="1.0" encoding="utf-8"?>
+<file path=ppt/slides/slide23.xml><?xml version="1.0" encoding="utf-8"?>
 <p:sld xmlns:a="http://schemas.openxmlformats.org/drawingml/2006/main" xmlns:r="http://schemas.openxmlformats.org/officeDocument/2006/relationships" xmlns:p="http://schemas.openxmlformats.org/presentationml/2006/main">
   <p:cSld>
     <p:spTree>
@@ -20743,8 +24085,8 @@
         </p:nvSpPr>
         <p:spPr>
           <a:xfrm>
-            <a:off x="8111809" y="6553200"/>
-            <a:ext cx="1032191" cy="246221"/>
+            <a:off x="8252698" y="6553200"/>
+            <a:ext cx="891302" cy="246221"/>
           </a:xfrm>
         </p:spPr>
         <p:txBody>
@@ -20755,15 +24097,15 @@
               <a:defRPr/>
             </a:pPr>
             <a:r>
-              <a:rPr lang="en-US" smtClean="0"/>
-              <a:t>connected.</a:t>
+              <a:rPr lang="en-US" dirty="0" smtClean="0"/>
+              <a:t>min-gray.</a:t>
             </a:r>
             <a:fld id="{D7F2FC53-1536-41A9-A9C1-2199CF803E30}" type="slidenum">
               <a:rPr lang="en-US" smtClean="0"/>
               <a:pPr>
                 <a:defRPr/>
               </a:pPr>
-              <a:t>18</a:t>
+              <a:t>23</a:t>
             </a:fld>
             <a:endParaRPr lang="en-US" dirty="0"/>
           </a:p>
@@ -20837,8 +24179,8 @@
         </p:nvSpPr>
         <p:spPr>
           <a:xfrm>
-            <a:off x="381000" y="1295400"/>
-            <a:ext cx="8534400" cy="5029200"/>
+            <a:off x="304800" y="1600200"/>
+            <a:ext cx="8610600" cy="3657600"/>
           </a:xfrm>
         </p:spPr>
         <p:txBody>
@@ -20846,28 +24188,12 @@
           <a:lstStyle/>
           <a:p>
             <a:r>
-              <a:rPr lang="en-US" sz="4400" dirty="0" smtClean="0">
-                <a:solidFill>
-                  <a:srgbClr val="930093"/>
-                </a:solidFill>
-              </a:rPr>
-              <a:t>Lemma:</a:t>
-            </a:r>
-            <a:r>
               <a:rPr lang="en-US" sz="5400" dirty="0" smtClean="0">
                 <a:solidFill>
                   <a:srgbClr val="000000"/>
                 </a:solidFill>
               </a:rPr>
-              <a:t> </a:t>
-            </a:r>
-            <a:r>
-              <a:rPr lang="en-US" sz="5400" dirty="0" err="1" smtClean="0">
-                <a:solidFill>
-                  <a:srgbClr val="000000"/>
-                </a:solidFill>
-              </a:rPr>
-              <a:t>Subgraph</a:t>
+              <a:t>There is a spanning tree built of min</a:t>
             </a:r>
             <a:r>
               <a:rPr lang="en-US" sz="5400" dirty="0" smtClean="0">
@@ -20875,8 +24201,31 @@
                   <a:srgbClr val="000000"/>
                 </a:solidFill>
               </a:rPr>
-              <a:t> with all the min-weight gray  edges is connected.</a:t>
-            </a:r>
+              <a:t>-weight gray  </a:t>
+            </a:r>
+            <a:r>
+              <a:rPr lang="en-US" sz="5400" dirty="0" smtClean="0">
+                <a:solidFill>
+                  <a:srgbClr val="000000"/>
+                </a:solidFill>
+              </a:rPr>
+              <a:t>edges</a:t>
+            </a:r>
+          </a:p>
+          <a:p>
+            <a:r>
+              <a:rPr lang="en-US" sz="5400" dirty="0" smtClean="0">
+                <a:solidFill>
+                  <a:srgbClr val="000000"/>
+                </a:solidFill>
+              </a:rPr>
+              <a:t> -- from previous slides.</a:t>
+            </a:r>
+            <a:endParaRPr lang="en-US" sz="5400" dirty="0" smtClean="0">
+              <a:solidFill>
+                <a:srgbClr val="000000"/>
+              </a:solidFill>
+            </a:endParaRPr>
           </a:p>
         </p:txBody>
       </p:sp>
@@ -20923,7 +24272,7 @@
                             </p:stCondLst>
                             <p:childTnLst>
                               <p:par>
-                                <p:cTn id="5" presetID="53" presetClass="entr" presetSubtype="16" fill="hold" grpId="1" nodeType="clickEffect">
+                                <p:cTn id="5" presetID="10" presetClass="entr" presetSubtype="0" fill="hold" nodeType="clickEffect">
                                   <p:stCondLst>
                                     <p:cond delay="0"/>
                                   </p:stCondLst>
@@ -20936,7 +24285,11 @@
                                           </p:stCondLst>
                                         </p:cTn>
                                         <p:tgtEl>
-                                          <p:spTgt spid="8"/>
+                                          <p:spTgt spid="10">
+                                            <p:txEl>
+                                              <p:pRg st="1" end="1"/>
+                                            </p:txEl>
+                                          </p:spTgt>
                                         </p:tgtEl>
                                         <p:attrNameLst>
                                           <p:attrName>style.visibility</p:attrName>
@@ -20946,57 +24299,15 @@
                                         <p:strVal val="visible"/>
                                       </p:to>
                                     </p:set>
-                                    <p:anim calcmode="lin" valueType="num">
-                                      <p:cBhvr>
-                                        <p:cTn id="7" dur="500" fill="hold"/>
-                                        <p:tgtEl>
-                                          <p:spTgt spid="8"/>
-                                        </p:tgtEl>
-                                        <p:attrNameLst>
-                                          <p:attrName>ppt_w</p:attrName>
-                                        </p:attrNameLst>
-                                      </p:cBhvr>
-                                      <p:tavLst>
-                                        <p:tav tm="0">
-                                          <p:val>
-                                            <p:fltVal val="0"/>
-                                          </p:val>
-                                        </p:tav>
-                                        <p:tav tm="100000">
-                                          <p:val>
-                                            <p:strVal val="#ppt_w"/>
-                                          </p:val>
-                                        </p:tav>
-                                      </p:tavLst>
-                                    </p:anim>
-                                    <p:anim calcmode="lin" valueType="num">
-                                      <p:cBhvr>
-                                        <p:cTn id="8" dur="500" fill="hold"/>
-                                        <p:tgtEl>
-                                          <p:spTgt spid="8"/>
-                                        </p:tgtEl>
-                                        <p:attrNameLst>
-                                          <p:attrName>ppt_h</p:attrName>
-                                        </p:attrNameLst>
-                                      </p:cBhvr>
-                                      <p:tavLst>
-                                        <p:tav tm="0">
-                                          <p:val>
-                                            <p:fltVal val="0"/>
-                                          </p:val>
-                                        </p:tav>
-                                        <p:tav tm="100000">
-                                          <p:val>
-                                            <p:strVal val="#ppt_h"/>
-                                          </p:val>
-                                        </p:tav>
-                                      </p:tavLst>
-                                    </p:anim>
                                     <p:animEffect transition="in" filter="fade">
                                       <p:cBhvr>
-                                        <p:cTn id="9" dur="500"/>
+                                        <p:cTn id="7" dur="500"/>
                                         <p:tgtEl>
-                                          <p:spTgt spid="8"/>
+                                          <p:spTgt spid="10">
+                                            <p:txEl>
+                                              <p:pRg st="1" end="1"/>
+                                            </p:txEl>
+                                          </p:spTgt>
                                         </p:tgtEl>
                                       </p:cBhvr>
                                     </p:animEffect>
@@ -21030,14 +24341,11 @@
         </p:cTn>
       </p:par>
     </p:tnLst>
-    <p:bldLst>
-      <p:bldP spid="8" grpId="1"/>
-    </p:bldLst>
   </p:timing>
 </p:sld>
 </file>
 
-<file path=ppt/slides/slide19.xml><?xml version="1.0" encoding="utf-8"?>
+<file path=ppt/slides/slide24.xml><?xml version="1.0" encoding="utf-8"?>
 <p:sld xmlns:a="http://schemas.openxmlformats.org/drawingml/2006/main" xmlns:r="http://schemas.openxmlformats.org/officeDocument/2006/relationships" xmlns:p="http://schemas.openxmlformats.org/presentationml/2006/main">
   <p:cSld>
     <p:spTree>
@@ -21145,8 +24453,8 @@
         </p:nvSpPr>
         <p:spPr>
           <a:xfrm>
-            <a:off x="8111809" y="6553200"/>
-            <a:ext cx="1032191" cy="246221"/>
+            <a:off x="8252698" y="6553200"/>
+            <a:ext cx="891302" cy="246221"/>
           </a:xfrm>
         </p:spPr>
         <p:txBody>
@@ -21157,15 +24465,15 @@
               <a:defRPr/>
             </a:pPr>
             <a:r>
-              <a:rPr lang="en-US" smtClean="0"/>
-              <a:t>connected.</a:t>
+              <a:rPr lang="en-US" dirty="0" smtClean="0"/>
+              <a:t>min-gray.</a:t>
             </a:r>
             <a:fld id="{D7F2FC53-1536-41A9-A9C1-2199CF803E30}" type="slidenum">
               <a:rPr lang="en-US" smtClean="0"/>
               <a:pPr>
                 <a:defRPr/>
               </a:pPr>
-              <a:t>19</a:t>
+              <a:t>24</a:t>
             </a:fld>
             <a:endParaRPr lang="en-US" dirty="0"/>
           </a:p>
@@ -21209,15 +24517,15 @@
   <p:clrMapOvr>
     <a:masterClrMapping/>
   </p:clrMapOvr>
-  <mc:AlternateContent xmlns:mc="http://schemas.openxmlformats.org/markup-compatibility/2006" xmlns:p14="http://schemas.microsoft.com/office/powerpoint/2010/main">
-    <mc:Choice Requires="p14">
-      <p:transition spd="slow" p14:dur="1100" advClick="0">
-        <p:fade thruBlk="1"/>
+  <mc:AlternateContent xmlns:mc="http://schemas.openxmlformats.org/markup-compatibility/2006">
+    <mc:Choice xmlns:p14="http://schemas.microsoft.com/office/powerpoint/2010/main" Requires="p14">
+      <p:transition spd="med" p14:dur="700" advClick="0">
+        <p:fade/>
       </p:transition>
     </mc:Choice>
-    <mc:Fallback xmlns="">
-      <p:transition xmlns:p14="http://schemas.microsoft.com/office/powerpoint/2010/main" spd="slow" advClick="0">
-        <p:fade thruBlk="1"/>
+    <mc:Fallback>
+      <p:transition xmlns:p14="http://schemas.microsoft.com/office/powerpoint/2010/main" spd="med" advClick="0">
+        <p:fade/>
       </p:transition>
     </mc:Fallback>
   </mc:AlternateContent>
@@ -21362,354 +24670,8 @@
 </p:sld>
 </file>
 
-<file path=ppt/slides/slide2.xml><?xml version="1.0" encoding="utf-8"?>
-<p:sld xmlns:a="http://schemas.openxmlformats.org/drawingml/2006/main" xmlns:r="http://schemas.openxmlformats.org/officeDocument/2006/relationships" xmlns:p="http://schemas.openxmlformats.org/presentationml/2006/main">
-  <p:cSld>
-    <p:spTree>
-      <p:nvGrpSpPr>
-        <p:cNvPr id="1" name=""/>
-        <p:cNvGrpSpPr/>
-        <p:nvPr/>
-      </p:nvGrpSpPr>
-      <p:grpSpPr>
-        <a:xfrm>
-          <a:off x="0" y="0"/>
-          <a:ext cx="0" cy="0"/>
-          <a:chOff x="0" y="0"/>
-          <a:chExt cx="0" cy="0"/>
-        </a:xfrm>
-      </p:grpSpPr>
-      <p:sp>
-        <p:nvSpPr>
-          <p:cNvPr id="2" name="Title 1"/>
-          <p:cNvSpPr>
-            <a:spLocks noGrp="1"/>
-          </p:cNvSpPr>
-          <p:nvPr>
-            <p:ph type="title"/>
-          </p:nvPr>
-        </p:nvSpPr>
-        <p:spPr/>
-        <p:txBody>
-          <a:bodyPr/>
-          <a:lstStyle/>
-          <a:p>
-            <a:r>
-              <a:rPr lang="en-US" dirty="0" smtClean="0"/>
-              <a:t>Connected Graph </a:t>
-            </a:r>
-            <a:r>
-              <a:rPr lang="en-US" dirty="0" smtClean="0">
-                <a:solidFill>
-                  <a:schemeClr val="accent1">
-                    <a:lumMod val="50000"/>
-                  </a:schemeClr>
-                </a:solidFill>
-              </a:rPr>
-              <a:t>G</a:t>
-            </a:r>
-            <a:endParaRPr lang="en-US" dirty="0">
-              <a:solidFill>
-                <a:schemeClr val="accent1">
-                  <a:lumMod val="50000"/>
-                </a:schemeClr>
-              </a:solidFill>
-            </a:endParaRPr>
-          </a:p>
-        </p:txBody>
-      </p:sp>
-      <p:sp>
-        <p:nvSpPr>
-          <p:cNvPr id="3" name="Content Placeholder 2"/>
-          <p:cNvSpPr>
-            <a:spLocks noGrp="1"/>
-          </p:cNvSpPr>
-          <p:nvPr>
-            <p:ph idx="1"/>
-          </p:nvPr>
-        </p:nvSpPr>
-        <p:spPr>
-          <a:xfrm>
-            <a:off x="685800" y="1295400"/>
-            <a:ext cx="7772400" cy="4267200"/>
-          </a:xfrm>
-        </p:spPr>
-        <p:txBody>
-          <a:bodyPr/>
-          <a:lstStyle/>
-          <a:p>
-            <a:r>
-              <a:rPr lang="en-US" sz="5400" dirty="0" smtClean="0">
-                <a:solidFill>
-                  <a:srgbClr val="000000"/>
-                </a:solidFill>
-              </a:rPr>
-              <a:t>Let</a:t>
-            </a:r>
-            <a:r>
-              <a:rPr lang="en-US" sz="5400" dirty="0" smtClean="0"/>
-              <a:t> </a:t>
-            </a:r>
-            <a:r>
-              <a:rPr lang="en-US" sz="5400" dirty="0">
-                <a:solidFill>
-                  <a:schemeClr val="accent1">
-                    <a:lumMod val="50000"/>
-                  </a:schemeClr>
-                </a:solidFill>
-              </a:rPr>
-              <a:t>G </a:t>
-            </a:r>
-            <a:r>
-              <a:rPr lang="en-US" sz="5400" dirty="0" smtClean="0"/>
-              <a:t>be a</a:t>
-            </a:r>
-            <a:r>
-              <a:rPr lang="en-US" sz="5400" dirty="0" smtClean="0">
-                <a:solidFill>
-                  <a:schemeClr val="accent1">
-                    <a:lumMod val="50000"/>
-                  </a:schemeClr>
-                </a:solidFill>
-              </a:rPr>
-              <a:t> connected,</a:t>
-            </a:r>
-            <a:endParaRPr lang="en-US" sz="5400" dirty="0">
-              <a:solidFill>
-                <a:schemeClr val="accent1">
-                  <a:lumMod val="50000"/>
-                </a:schemeClr>
-              </a:solidFill>
-            </a:endParaRPr>
-          </a:p>
-          <a:p>
-            <a:r>
-              <a:rPr lang="en-US" sz="5400" dirty="0" smtClean="0">
-                <a:solidFill>
-                  <a:schemeClr val="accent1">
-                    <a:lumMod val="50000"/>
-                  </a:schemeClr>
-                </a:solidFill>
-              </a:rPr>
-              <a:t>weighted</a:t>
-            </a:r>
-            <a:r>
-              <a:rPr lang="en-US" sz="5400" dirty="0"/>
-              <a:t> </a:t>
-            </a:r>
-            <a:r>
-              <a:rPr lang="en-US" sz="5400" dirty="0" smtClean="0"/>
-              <a:t>simple graph.</a:t>
-            </a:r>
-          </a:p>
-          <a:p>
-            <a:r>
-              <a:rPr lang="en-US" sz="5400" dirty="0" smtClean="0"/>
-              <a:t>Assume all edges have</a:t>
-            </a:r>
-          </a:p>
-          <a:p>
-            <a:r>
-              <a:rPr lang="en-US" sz="5400" dirty="0" smtClean="0"/>
-              <a:t>different weights.</a:t>
-            </a:r>
-          </a:p>
-        </p:txBody>
-      </p:sp>
-      <p:sp>
-        <p:nvSpPr>
-          <p:cNvPr id="4" name="Slide Number Placeholder 3"/>
-          <p:cNvSpPr>
-            <a:spLocks noGrp="1"/>
-          </p:cNvSpPr>
-          <p:nvPr>
-            <p:ph type="sldNum" sz="quarter" idx="4"/>
-          </p:nvPr>
-        </p:nvSpPr>
-        <p:spPr/>
-        <p:txBody>
-          <a:bodyPr/>
-          <a:lstStyle/>
-          <a:p>
-            <a:pPr>
-              <a:defRPr/>
-            </a:pPr>
-            <a:r>
-              <a:rPr lang="en-US" smtClean="0"/>
-              <a:t>connected.</a:t>
-            </a:r>
-            <a:fld id="{D7F2FC53-1536-41A9-A9C1-2199CF803E30}" type="slidenum">
-              <a:rPr lang="en-US" smtClean="0"/>
-              <a:pPr>
-                <a:defRPr/>
-              </a:pPr>
-              <a:t>2</a:t>
-            </a:fld>
-            <a:endParaRPr lang="en-US" dirty="0"/>
-          </a:p>
-        </p:txBody>
-      </p:sp>
-    </p:spTree>
-    <p:extLst>
-      <p:ext uri="{BB962C8B-B14F-4D97-AF65-F5344CB8AC3E}">
-        <p14:creationId xmlns:p14="http://schemas.microsoft.com/office/powerpoint/2010/main" val="3956117425"/>
-      </p:ext>
-    </p:extLst>
-  </p:cSld>
-  <p:clrMapOvr>
-    <a:masterClrMapping/>
-  </p:clrMapOvr>
-  <mc:AlternateContent xmlns:mc="http://schemas.openxmlformats.org/markup-compatibility/2006" xmlns:p14="http://schemas.microsoft.com/office/powerpoint/2010/main">
-    <mc:Choice Requires="p14">
-      <p:transition spd="slow" p14:dur="1100" advClick="0">
-        <p:fade thruBlk="1"/>
-      </p:transition>
-    </mc:Choice>
-    <mc:Fallback xmlns="">
-      <p:transition xmlns:p14="http://schemas.microsoft.com/office/powerpoint/2010/main" spd="slow" advClick="0">
-        <p:fade thruBlk="1"/>
-      </p:transition>
-    </mc:Fallback>
-  </mc:AlternateContent>
-  <p:timing>
-    <p:tnLst>
-      <p:par>
-        <p:cTn xmlns:p14="http://schemas.microsoft.com/office/powerpoint/2010/main" id="1" dur="indefinite" restart="never" nodeType="tmRoot">
-          <p:childTnLst>
-            <p:seq concurrent="1" nextAc="seek">
-              <p:cTn id="2" dur="indefinite" nodeType="mainSeq">
-                <p:childTnLst>
-                  <p:par>
-                    <p:cTn id="3" fill="hold">
-                      <p:stCondLst>
-                        <p:cond delay="indefinite"/>
-                      </p:stCondLst>
-                      <p:childTnLst>
-                        <p:par>
-                          <p:cTn id="4" fill="hold">
-                            <p:stCondLst>
-                              <p:cond delay="0"/>
-                            </p:stCondLst>
-                            <p:childTnLst>
-                              <p:par>
-                                <p:cTn id="5" presetID="10" presetClass="entr" presetSubtype="0" fill="hold" nodeType="clickEffect">
-                                  <p:stCondLst>
-                                    <p:cond delay="0"/>
-                                  </p:stCondLst>
-                                  <p:childTnLst>
-                                    <p:set>
-                                      <p:cBhvr>
-                                        <p:cTn id="6" dur="1" fill="hold">
-                                          <p:stCondLst>
-                                            <p:cond delay="0"/>
-                                          </p:stCondLst>
-                                        </p:cTn>
-                                        <p:tgtEl>
-                                          <p:spTgt spid="3">
-                                            <p:txEl>
-                                              <p:pRg st="2" end="2"/>
-                                            </p:txEl>
-                                          </p:spTgt>
-                                        </p:tgtEl>
-                                        <p:attrNameLst>
-                                          <p:attrName>style.visibility</p:attrName>
-                                        </p:attrNameLst>
-                                      </p:cBhvr>
-                                      <p:to>
-                                        <p:strVal val="visible"/>
-                                      </p:to>
-                                    </p:set>
-                                    <p:animEffect transition="in" filter="fade">
-                                      <p:cBhvr>
-                                        <p:cTn id="7" dur="500"/>
-                                        <p:tgtEl>
-                                          <p:spTgt spid="3">
-                                            <p:txEl>
-                                              <p:pRg st="2" end="2"/>
-                                            </p:txEl>
-                                          </p:spTgt>
-                                        </p:tgtEl>
-                                      </p:cBhvr>
-                                    </p:animEffect>
-                                  </p:childTnLst>
-                                </p:cTn>
-                              </p:par>
-                              <p:par>
-                                <p:cTn id="8" presetID="10" presetClass="entr" presetSubtype="0" fill="hold" nodeType="withEffect">
-                                  <p:stCondLst>
-                                    <p:cond delay="0"/>
-                                  </p:stCondLst>
-                                  <p:childTnLst>
-                                    <p:set>
-                                      <p:cBhvr>
-                                        <p:cTn id="9" dur="1" fill="hold">
-                                          <p:stCondLst>
-                                            <p:cond delay="0"/>
-                                          </p:stCondLst>
-                                        </p:cTn>
-                                        <p:tgtEl>
-                                          <p:spTgt spid="3">
-                                            <p:txEl>
-                                              <p:pRg st="3" end="3"/>
-                                            </p:txEl>
-                                          </p:spTgt>
-                                        </p:tgtEl>
-                                        <p:attrNameLst>
-                                          <p:attrName>style.visibility</p:attrName>
-                                        </p:attrNameLst>
-                                      </p:cBhvr>
-                                      <p:to>
-                                        <p:strVal val="visible"/>
-                                      </p:to>
-                                    </p:set>
-                                    <p:animEffect transition="in" filter="fade">
-                                      <p:cBhvr>
-                                        <p:cTn id="10" dur="500"/>
-                                        <p:tgtEl>
-                                          <p:spTgt spid="3">
-                                            <p:txEl>
-                                              <p:pRg st="3" end="3"/>
-                                            </p:txEl>
-                                          </p:spTgt>
-                                        </p:tgtEl>
-                                      </p:cBhvr>
-                                    </p:animEffect>
-                                  </p:childTnLst>
-                                </p:cTn>
-                              </p:par>
-                            </p:childTnLst>
-                          </p:cTn>
-                        </p:par>
-                      </p:childTnLst>
-                    </p:cTn>
-                  </p:par>
-                </p:childTnLst>
-              </p:cTn>
-              <p:prevCondLst>
-                <p:cond evt="onPrev" delay="0">
-                  <p:tgtEl>
-                    <p:sldTgt/>
-                  </p:tgtEl>
-                </p:cond>
-              </p:prevCondLst>
-              <p:nextCondLst>
-                <p:cond evt="onNext" delay="0">
-                  <p:tgtEl>
-                    <p:sldTgt/>
-                  </p:tgtEl>
-                </p:cond>
-              </p:nextCondLst>
-            </p:seq>
-          </p:childTnLst>
-        </p:cTn>
-      </p:par>
-    </p:tnLst>
-  </p:timing>
-</p:sld>
-</file>
-
-<file path=ppt/slides/slide20.xml><?xml version="1.0" encoding="utf-8"?>
-<p:sld xmlns:a="http://schemas.openxmlformats.org/drawingml/2006/main" xmlns:r="http://schemas.openxmlformats.org/officeDocument/2006/relationships" xmlns:p="http://schemas.openxmlformats.org/presentationml/2006/main">
+<file path=ppt/slides/slide25.xml><?xml version="1.0" encoding="utf-8"?>
+<p:sld xmlns:a="http://schemas.openxmlformats.org/drawingml/2006/main" xmlns:r="http://schemas.openxmlformats.org/officeDocument/2006/relationships" xmlns:p="http://schemas.openxmlformats.org/presentationml/2006/main" show="0">
   <p:cSld>
     <p:spTree>
       <p:nvGrpSpPr>
@@ -21775,8 +24737,21 @@
                   <a:srgbClr val="000000"/>
                 </a:solidFill>
               </a:rPr>
-              <a:t> with all the min-weight gray  edges is connected.</a:t>
-            </a:r>
+              <a:t> with all the min-weight gray  edges is </a:t>
+            </a:r>
+            <a:r>
+              <a:rPr lang="en-US" sz="5400" dirty="0" smtClean="0">
+                <a:solidFill>
+                  <a:srgbClr val="000000"/>
+                </a:solidFill>
+              </a:rPr>
+              <a:t>min-gray.</a:t>
+            </a:r>
+            <a:endParaRPr lang="en-US" sz="5400" dirty="0" smtClean="0">
+              <a:solidFill>
+                <a:srgbClr val="000000"/>
+              </a:solidFill>
+            </a:endParaRPr>
           </a:p>
           <a:p>
             <a:pPr>
@@ -21881,8 +24856,8 @@
         </p:nvSpPr>
         <p:spPr>
           <a:xfrm>
-            <a:off x="8111809" y="6553200"/>
-            <a:ext cx="1032191" cy="246221"/>
+            <a:off x="8252698" y="6553200"/>
+            <a:ext cx="891302" cy="246221"/>
           </a:xfrm>
         </p:spPr>
         <p:txBody>
@@ -21893,15 +24868,15 @@
               <a:defRPr/>
             </a:pPr>
             <a:r>
-              <a:rPr lang="en-US" smtClean="0"/>
-              <a:t>connected.</a:t>
+              <a:rPr lang="en-US" dirty="0" smtClean="0"/>
+              <a:t>min-gray.</a:t>
             </a:r>
             <a:fld id="{D7F2FC53-1536-41A9-A9C1-2199CF803E30}" type="slidenum">
               <a:rPr lang="en-US" smtClean="0"/>
               <a:pPr>
                 <a:defRPr/>
               </a:pPr>
-              <a:t>20</a:t>
+              <a:t>25</a:t>
             </a:fld>
             <a:endParaRPr lang="en-US" dirty="0"/>
           </a:p>
@@ -22003,13 +24978,13 @@
   <p:clrMapOvr>
     <a:masterClrMapping/>
   </p:clrMapOvr>
-  <mc:AlternateContent xmlns:mc="http://schemas.openxmlformats.org/markup-compatibility/2006" xmlns:p14="http://schemas.microsoft.com/office/powerpoint/2010/main">
-    <mc:Choice Requires="p14">
+  <mc:AlternateContent xmlns:mc="http://schemas.openxmlformats.org/markup-compatibility/2006">
+    <mc:Choice xmlns:p14="http://schemas.microsoft.com/office/powerpoint/2010/main" Requires="p14">
       <p:transition spd="slow" p14:dur="1100" advClick="0">
         <p:fade thruBlk="1"/>
       </p:transition>
     </mc:Choice>
-    <mc:Fallback xmlns="">
+    <mc:Fallback>
       <p:transition xmlns:p14="http://schemas.microsoft.com/office/powerpoint/2010/main" spd="slow" advClick="0">
         <p:fade thruBlk="1"/>
       </p:transition>
@@ -22251,8 +25226,8 @@
 </p:sld>
 </file>
 
-<file path=ppt/slides/slide21.xml><?xml version="1.0" encoding="utf-8"?>
-<p:sld xmlns:a="http://schemas.openxmlformats.org/drawingml/2006/main" xmlns:r="http://schemas.openxmlformats.org/officeDocument/2006/relationships" xmlns:p="http://schemas.openxmlformats.org/presentationml/2006/main">
+<file path=ppt/slides/slide26.xml><?xml version="1.0" encoding="utf-8"?>
+<p:sld xmlns:a="http://schemas.openxmlformats.org/drawingml/2006/main" xmlns:r="http://schemas.openxmlformats.org/officeDocument/2006/relationships" xmlns:p="http://schemas.openxmlformats.org/presentationml/2006/main" show="0">
   <p:cSld>
     <p:spTree>
       <p:nvGrpSpPr>
@@ -22280,8 +25255,8 @@
         </p:nvSpPr>
         <p:spPr>
           <a:xfrm>
-            <a:off x="8111809" y="6553200"/>
-            <a:ext cx="1032191" cy="246221"/>
+            <a:off x="8252698" y="6553200"/>
+            <a:ext cx="891302" cy="246221"/>
           </a:xfrm>
         </p:spPr>
         <p:txBody>
@@ -22292,15 +25267,15 @@
               <a:defRPr/>
             </a:pPr>
             <a:r>
-              <a:rPr lang="en-US" smtClean="0"/>
-              <a:t>connected.</a:t>
+              <a:rPr lang="en-US" dirty="0" smtClean="0"/>
+              <a:t>min-gray.</a:t>
             </a:r>
             <a:fld id="{D7F2FC53-1536-41A9-A9C1-2199CF803E30}" type="slidenum">
               <a:rPr lang="en-US" smtClean="0"/>
               <a:pPr>
                 <a:defRPr/>
               </a:pPr>
-              <a:t>21</a:t>
+              <a:t>26</a:t>
             </a:fld>
             <a:endParaRPr lang="en-US" dirty="0"/>
           </a:p>
@@ -22564,13 +25539,13 @@
   <p:clrMapOvr>
     <a:masterClrMapping/>
   </p:clrMapOvr>
-  <mc:AlternateContent xmlns:mc="http://schemas.openxmlformats.org/markup-compatibility/2006" xmlns:p14="http://schemas.microsoft.com/office/powerpoint/2010/main">
-    <mc:Choice Requires="p14">
+  <mc:AlternateContent xmlns:mc="http://schemas.openxmlformats.org/markup-compatibility/2006">
+    <mc:Choice xmlns:p14="http://schemas.microsoft.com/office/powerpoint/2010/main" Requires="p14">
       <p:transition spd="med" p14:dur="700" advClick="0">
         <p:fade/>
       </p:transition>
     </mc:Choice>
-    <mc:Fallback xmlns="">
+    <mc:Fallback>
       <p:transition xmlns:p14="http://schemas.microsoft.com/office/powerpoint/2010/main" spd="med" advClick="0">
         <p:fade/>
       </p:transition>
@@ -22665,8 +25640,8 @@
 </p:sld>
 </file>
 
-<file path=ppt/slides/slide22.xml><?xml version="1.0" encoding="utf-8"?>
-<p:sld xmlns:a="http://schemas.openxmlformats.org/drawingml/2006/main" xmlns:r="http://schemas.openxmlformats.org/officeDocument/2006/relationships" xmlns:p="http://schemas.openxmlformats.org/presentationml/2006/main">
+<file path=ppt/slides/slide27.xml><?xml version="1.0" encoding="utf-8"?>
+<p:sld xmlns:a="http://schemas.openxmlformats.org/drawingml/2006/main" xmlns:r="http://schemas.openxmlformats.org/officeDocument/2006/relationships" xmlns:p="http://schemas.openxmlformats.org/presentationml/2006/main" show="0">
   <p:cSld>
     <p:spTree>
       <p:nvGrpSpPr>
@@ -22694,8 +25669,8 @@
         </p:nvSpPr>
         <p:spPr>
           <a:xfrm>
-            <a:off x="8111809" y="6553200"/>
-            <a:ext cx="1032191" cy="246221"/>
+            <a:off x="8252698" y="6553200"/>
+            <a:ext cx="891302" cy="246221"/>
           </a:xfrm>
         </p:spPr>
         <p:txBody>
@@ -22706,15 +25681,15 @@
               <a:defRPr/>
             </a:pPr>
             <a:r>
-              <a:rPr lang="en-US" smtClean="0"/>
-              <a:t>connected.</a:t>
+              <a:rPr lang="en-US" dirty="0" smtClean="0"/>
+              <a:t>min-gray.</a:t>
             </a:r>
             <a:fld id="{D7F2FC53-1536-41A9-A9C1-2199CF803E30}" type="slidenum">
               <a:rPr lang="en-US" smtClean="0"/>
               <a:pPr>
                 <a:defRPr/>
               </a:pPr>
-              <a:t>22</a:t>
+              <a:t>27</a:t>
             </a:fld>
             <a:endParaRPr lang="en-US" dirty="0"/>
           </a:p>
@@ -23123,13 +26098,13 @@
   <p:clrMapOvr>
     <a:masterClrMapping/>
   </p:clrMapOvr>
-  <mc:AlternateContent xmlns:mc="http://schemas.openxmlformats.org/markup-compatibility/2006" xmlns:p14="http://schemas.microsoft.com/office/powerpoint/2010/main">
-    <mc:Choice Requires="p14">
+  <mc:AlternateContent xmlns:mc="http://schemas.openxmlformats.org/markup-compatibility/2006">
+    <mc:Choice xmlns:p14="http://schemas.microsoft.com/office/powerpoint/2010/main" Requires="p14">
       <p:transition spd="med" p14:dur="700" advClick="0">
         <p:fade/>
       </p:transition>
     </mc:Choice>
-    <mc:Fallback xmlns="">
+    <mc:Fallback>
       <p:transition xmlns:p14="http://schemas.microsoft.com/office/powerpoint/2010/main" spd="med" advClick="0">
         <p:fade/>
       </p:transition>
@@ -23353,8 +26328,8 @@
 </p:sld>
 </file>
 
-<file path=ppt/slides/slide23.xml><?xml version="1.0" encoding="utf-8"?>
-<p:sld xmlns:a="http://schemas.openxmlformats.org/drawingml/2006/main" xmlns:r="http://schemas.openxmlformats.org/officeDocument/2006/relationships" xmlns:p="http://schemas.openxmlformats.org/presentationml/2006/main">
+<file path=ppt/slides/slide28.xml><?xml version="1.0" encoding="utf-8"?>
+<p:sld xmlns:a="http://schemas.openxmlformats.org/drawingml/2006/main" xmlns:r="http://schemas.openxmlformats.org/officeDocument/2006/relationships" xmlns:p="http://schemas.openxmlformats.org/presentationml/2006/main" show="0">
   <p:cSld>
     <p:spTree>
       <p:nvGrpSpPr>
@@ -23414,8 +26389,8 @@
         </p:nvSpPr>
         <p:spPr>
           <a:xfrm>
-            <a:off x="8111809" y="6553200"/>
-            <a:ext cx="1032191" cy="246221"/>
+            <a:off x="8252698" y="6553200"/>
+            <a:ext cx="891302" cy="246221"/>
           </a:xfrm>
         </p:spPr>
         <p:txBody>
@@ -23426,15 +26401,15 @@
               <a:defRPr/>
             </a:pPr>
             <a:r>
-              <a:rPr lang="en-US" smtClean="0"/>
-              <a:t>connected.</a:t>
+              <a:rPr lang="en-US" dirty="0" smtClean="0"/>
+              <a:t>min-gray.</a:t>
             </a:r>
             <a:fld id="{D7F2FC53-1536-41A9-A9C1-2199CF803E30}" type="slidenum">
               <a:rPr lang="en-US" smtClean="0"/>
               <a:pPr>
                 <a:defRPr/>
               </a:pPr>
-              <a:t>23</a:t>
+              <a:t>28</a:t>
             </a:fld>
             <a:endParaRPr lang="en-US" dirty="0"/>
           </a:p>
@@ -23974,13 +26949,13 @@
   <p:clrMapOvr>
     <a:masterClrMapping/>
   </p:clrMapOvr>
-  <mc:AlternateContent xmlns:mc="http://schemas.openxmlformats.org/markup-compatibility/2006" xmlns:p14="http://schemas.microsoft.com/office/powerpoint/2010/main">
-    <mc:Choice Requires="p14">
+  <mc:AlternateContent xmlns:mc="http://schemas.openxmlformats.org/markup-compatibility/2006">
+    <mc:Choice xmlns:p14="http://schemas.microsoft.com/office/powerpoint/2010/main" Requires="p14">
       <p:transition spd="med" p14:dur="700" advClick="0">
         <p:fade/>
       </p:transition>
     </mc:Choice>
-    <mc:Fallback xmlns="">
+    <mc:Fallback>
       <p:transition xmlns:p14="http://schemas.microsoft.com/office/powerpoint/2010/main" spd="med" advClick="0">
         <p:fade/>
       </p:transition>
@@ -24501,7 +27476,12 @@
             <p:ph type="sldNum" sz="quarter" idx="4"/>
           </p:nvPr>
         </p:nvSpPr>
-        <p:spPr/>
+        <p:spPr>
+          <a:xfrm>
+            <a:off x="8283346" y="6553200"/>
+            <a:ext cx="813031" cy="246221"/>
+          </a:xfrm>
+        </p:spPr>
         <p:txBody>
           <a:bodyPr/>
           <a:lstStyle/>
@@ -24510,8 +27490,8 @@
               <a:defRPr/>
             </a:pPr>
             <a:r>
-              <a:rPr lang="en-US" smtClean="0"/>
-              <a:t>connected.</a:t>
+              <a:rPr lang="en-US" dirty="0" smtClean="0"/>
+              <a:t>min-gray.</a:t>
             </a:r>
             <a:fld id="{D7F2FC53-1536-41A9-A9C1-2199CF803E30}" type="slidenum">
               <a:rPr lang="en-US" smtClean="0"/>
@@ -24794,7 +27774,12 @@
             <p:ph type="sldNum" sz="quarter" idx="4"/>
           </p:nvPr>
         </p:nvSpPr>
-        <p:spPr/>
+        <p:spPr>
+          <a:xfrm>
+            <a:off x="8283334" y="6553200"/>
+            <a:ext cx="813043" cy="246221"/>
+          </a:xfrm>
+        </p:spPr>
         <p:txBody>
           <a:bodyPr/>
           <a:lstStyle/>
@@ -24803,8 +27788,8 @@
               <a:defRPr/>
             </a:pPr>
             <a:r>
-              <a:rPr lang="en-US" smtClean="0"/>
-              <a:t>connected.</a:t>
+              <a:rPr lang="en-US" dirty="0" smtClean="0"/>
+              <a:t>min-gray.</a:t>
             </a:r>
             <a:fld id="{D7F2FC53-1536-41A9-A9C1-2199CF803E30}" type="slidenum">
               <a:rPr lang="en-US" smtClean="0"/>
@@ -25001,7 +27986,7 @@
             </a:pPr>
             <a:r>
               <a:rPr lang="en-US" sz="6000" dirty="0" smtClean="0"/>
-              <a:t>colors:  </a:t>
+              <a:t>colors:</a:t>
             </a:r>
           </a:p>
           <a:p>
@@ -25012,57 +27997,8 @@
             </a:pPr>
             <a:r>
               <a:rPr lang="en-US" sz="6000" dirty="0" smtClean="0"/>
-              <a:t>Let </a:t>
-            </a:r>
-            <a:r>
-              <a:rPr lang="en-US" sz="6600" b="1" i="1" dirty="0">
-                <a:ln w="12700">
-                  <a:solidFill>
-                    <a:schemeClr val="tx2">
-                      <a:satMod val="155000"/>
-                    </a:schemeClr>
-                  </a:solidFill>
-                  <a:prstDash val="solid"/>
-                </a:ln>
-                <a:solidFill>
-                  <a:schemeClr val="bg2">
-                    <a:tint val="85000"/>
-                    <a:satMod val="155000"/>
-                  </a:schemeClr>
-                </a:solidFill>
-                <a:effectLst>
-                  <a:outerShdw blurRad="41275" dist="20320" dir="1800000" algn="tl" rotWithShape="0">
-                    <a:srgbClr val="000000">
-                      <a:alpha val="40000"/>
-                    </a:srgbClr>
-                  </a:outerShdw>
-                </a:effectLst>
-                <a:latin typeface="PT Serif"/>
-                <a:cs typeface="PT Serif"/>
-              </a:rPr>
-              <a:t>e</a:t>
-            </a:r>
-            <a:r>
-              <a:rPr lang="en-US" sz="6000" dirty="0" smtClean="0"/>
-              <a:t> be </a:t>
-            </a:r>
-            <a:r>
-              <a:rPr lang="en-US" sz="6000" dirty="0"/>
-              <a:t>a </a:t>
-            </a:r>
-            <a:r>
-              <a:rPr lang="en-US" sz="6000" dirty="0" smtClean="0">
-                <a:solidFill>
-                  <a:srgbClr val="0000FF"/>
-                </a:solidFill>
-              </a:rPr>
-              <a:t>min-weight</a:t>
-            </a:r>
-            <a:endParaRPr lang="en-US" sz="6000" dirty="0">
-              <a:solidFill>
-                <a:srgbClr val="0000FF"/>
-              </a:solidFill>
-            </a:endParaRPr>
+              <a:t>There must be a gray </a:t>
+            </a:r>
           </a:p>
           <a:p>
             <a:pPr>
@@ -25072,9 +28008,23 @@
             </a:pPr>
             <a:r>
               <a:rPr lang="en-US" sz="6000" dirty="0" smtClean="0"/>
-              <a:t>gray edge.</a:t>
-            </a:r>
-            <a:endParaRPr lang="en-US" sz="6000" dirty="0"/>
+              <a:t>edge since </a:t>
+            </a:r>
+            <a:r>
+              <a:rPr lang="en-US" sz="6000" dirty="0" smtClean="0">
+                <a:solidFill>
+                  <a:schemeClr val="accent1">
+                    <a:lumMod val="50000"/>
+                  </a:schemeClr>
+                </a:solidFill>
+              </a:rPr>
+              <a:t>G</a:t>
+            </a:r>
+            <a:r>
+              <a:rPr lang="en-US" sz="6000" dirty="0" smtClean="0"/>
+              <a:t> connected</a:t>
+            </a:r>
+            <a:endParaRPr lang="en-US" sz="6000" dirty="0" smtClean="0"/>
           </a:p>
         </p:txBody>
       </p:sp>
@@ -25088,7 +28038,12 @@
             <p:ph type="sldNum" sz="quarter" idx="4"/>
           </p:nvPr>
         </p:nvSpPr>
-        <p:spPr/>
+        <p:spPr>
+          <a:xfrm>
+            <a:off x="8283346" y="6553200"/>
+            <a:ext cx="813031" cy="246221"/>
+          </a:xfrm>
+        </p:spPr>
         <p:txBody>
           <a:bodyPr/>
           <a:lstStyle/>
@@ -25097,8 +28052,8 @@
               <a:defRPr/>
             </a:pPr>
             <a:r>
-              <a:rPr lang="en-US" smtClean="0"/>
-              <a:t>connected.</a:t>
+              <a:rPr lang="en-US" dirty="0" smtClean="0"/>
+              <a:t>min-gray.</a:t>
             </a:r>
             <a:fld id="{D7F2FC53-1536-41A9-A9C1-2199CF803E30}" type="slidenum">
               <a:rPr lang="en-US" smtClean="0"/>
@@ -25337,7 +28292,7 @@
                             </p:stCondLst>
                             <p:childTnLst>
                               <p:par>
-                                <p:cTn id="10" presetID="9" presetClass="entr" presetSubtype="0" fill="hold" nodeType="clickEffect">
+                                <p:cTn id="10" presetID="10" presetClass="entr" presetSubtype="0" fill="hold" nodeType="clickEffect">
                                   <p:stCondLst>
                                     <p:cond delay="0"/>
                                   </p:stCondLst>
@@ -25364,7 +28319,7 @@
                                         <p:strVal val="visible"/>
                                       </p:to>
                                     </p:set>
-                                    <p:animEffect transition="in" filter="dissolve">
+                                    <p:animEffect transition="in" filter="fade">
                                       <p:cBhvr>
                                         <p:cTn id="12" dur="500"/>
                                         <p:tgtEl>
@@ -25380,7 +28335,7 @@
                                 </p:cTn>
                               </p:par>
                               <p:par>
-                                <p:cTn id="13" presetID="9" presetClass="entr" presetSubtype="0" fill="hold" nodeType="withEffect">
+                                <p:cTn id="13" presetID="10" presetClass="entr" presetSubtype="0" fill="hold" nodeType="withEffect">
                                   <p:stCondLst>
                                     <p:cond delay="0"/>
                                   </p:stCondLst>
@@ -25407,7 +28362,7 @@
                                         <p:strVal val="visible"/>
                                       </p:to>
                                     </p:set>
-                                    <p:animEffect transition="in" filter="dissolve">
+                                    <p:animEffect transition="in" filter="fade">
                                       <p:cBhvr>
                                         <p:cTn id="15" dur="500"/>
                                         <p:tgtEl>
@@ -25487,12 +28442,9 @@
           <a:p>
             <a:r>
               <a:rPr lang="en-US" dirty="0" smtClean="0"/>
-              <a:t>Gray Edge </a:t>
-            </a:r>
-            <a:r>
-              <a:rPr lang="en-US" dirty="0"/>
-              <a:t>Swap Lemma</a:t>
-            </a:r>
+              <a:t>Gray Edges</a:t>
+            </a:r>
+            <a:endParaRPr lang="en-US" dirty="0"/>
           </a:p>
         </p:txBody>
       </p:sp>
@@ -25508,20 +28460,70 @@
         </p:nvSpPr>
         <p:spPr>
           <a:xfrm>
-            <a:off x="152400" y="1295400"/>
-            <a:ext cx="8915400" cy="5181600"/>
+            <a:off x="304800" y="1447800"/>
+            <a:ext cx="8572500" cy="4953000"/>
           </a:xfrm>
         </p:spPr>
         <p:txBody>
           <a:bodyPr/>
           <a:lstStyle/>
           <a:p>
-            <a:r>
-              <a:rPr lang="en-US" sz="5400" dirty="0" smtClean="0"/>
-              <a:t>Suppose </a:t>
-            </a:r>
-            <a:r>
-              <a:rPr lang="en-US" sz="5400" b="1" i="1" dirty="0" smtClean="0">
+            <a:pPr>
+              <a:lnSpc>
+                <a:spcPct val="80000"/>
+              </a:lnSpc>
+            </a:pPr>
+            <a:r>
+              <a:rPr lang="en-US" sz="6000" dirty="0" smtClean="0"/>
+              <a:t>A </a:t>
+            </a:r>
+            <a:r>
+              <a:rPr lang="en-US" sz="6000" dirty="0" smtClean="0">
+                <a:solidFill>
+                  <a:srgbClr val="930093"/>
+                </a:solidFill>
+              </a:rPr>
+              <a:t>gray edge</a:t>
+            </a:r>
+            <a:r>
+              <a:rPr lang="en-US" sz="6000" dirty="0" smtClean="0"/>
+              <a:t> connects </a:t>
+            </a:r>
+          </a:p>
+          <a:p>
+            <a:pPr>
+              <a:lnSpc>
+                <a:spcPct val="80000"/>
+              </a:lnSpc>
+            </a:pPr>
+            <a:r>
+              <a:rPr lang="en-US" sz="6000" dirty="0" smtClean="0"/>
+              <a:t>vertices with different </a:t>
+            </a:r>
+          </a:p>
+          <a:p>
+            <a:pPr>
+              <a:lnSpc>
+                <a:spcPct val="80000"/>
+              </a:lnSpc>
+            </a:pPr>
+            <a:r>
+              <a:rPr lang="en-US" sz="6000" dirty="0" smtClean="0"/>
+              <a:t>colors:  </a:t>
+            </a:r>
+          </a:p>
+          <a:p>
+            <a:pPr>
+              <a:lnSpc>
+                <a:spcPct val="80000"/>
+              </a:lnSpc>
+            </a:pPr>
+            <a:r>
+              <a:rPr lang="en-US" sz="6000" dirty="0" smtClean="0"/>
+              <a:t>Let </a:t>
+            </a:r>
+            <a:r>
+              <a:rPr lang="en-US" sz="6600" b="1" i="1" dirty="0">
                 <a:ln w="12700">
                   <a:solidFill>
                     <a:schemeClr val="tx2">
@@ -25549,226 +28551,38 @@
               <a:t>e</a:t>
             </a:r>
             <a:r>
-              <a:rPr lang="en-US" sz="5400" dirty="0" smtClean="0"/>
-              <a:t> </a:t>
-            </a:r>
-            <a:r>
-              <a:rPr lang="en-US" sz="5400" dirty="0">
+              <a:rPr lang="en-US" sz="6000" dirty="0" smtClean="0"/>
+              <a:t> be </a:t>
+            </a:r>
+            <a:r>
+              <a:rPr lang="en-US" sz="6000" dirty="0"/>
+              <a:t>a </a:t>
+            </a:r>
+            <a:r>
+              <a:rPr lang="en-US" sz="6000" dirty="0" smtClean="0">
                 <a:solidFill>
-                  <a:srgbClr val="FF0000"/>
+                  <a:srgbClr val="0000FF"/>
                 </a:solidFill>
               </a:rPr>
-              <a:t>not</a:t>
-            </a:r>
-            <a:r>
-              <a:rPr lang="en-US" sz="5400" dirty="0"/>
-              <a:t> an </a:t>
-            </a:r>
-            <a:r>
-              <a:rPr lang="en-US" sz="5400" dirty="0" smtClean="0"/>
-              <a:t>edge of </a:t>
-            </a:r>
-          </a:p>
-          <a:p>
-            <a:r>
-              <a:rPr lang="en-US" sz="5400" dirty="0" smtClean="0"/>
-              <a:t>connected </a:t>
-            </a:r>
-            <a:r>
-              <a:rPr lang="en-US" sz="5400" dirty="0" err="1" smtClean="0"/>
-              <a:t>subgraph</a:t>
-            </a:r>
-            <a:r>
-              <a:rPr lang="en-US" sz="5400" dirty="0" smtClean="0"/>
-              <a:t> </a:t>
-            </a:r>
-            <a:r>
-              <a:rPr lang="en-US" sz="5400" dirty="0" smtClean="0">
-                <a:solidFill>
-                  <a:srgbClr val="0000E5"/>
-                </a:solidFill>
-              </a:rPr>
-              <a:t>C</a:t>
-            </a:r>
-            <a:r>
-              <a:rPr lang="en-US" sz="5400" dirty="0" smtClean="0"/>
-              <a:t>. </a:t>
-            </a:r>
-          </a:p>
-          <a:p>
-            <a:r>
-              <a:rPr lang="en-US" sz="5400" dirty="0" smtClean="0"/>
-              <a:t>Then there is </a:t>
-            </a:r>
-            <a:r>
-              <a:rPr lang="en-US" sz="5400" dirty="0"/>
-              <a:t>edge </a:t>
-            </a:r>
-            <a:r>
-              <a:rPr lang="en-US" sz="4800" dirty="0">
-                <a:solidFill>
-                  <a:schemeClr val="accent1">
-                    <a:lumMod val="50000"/>
-                  </a:schemeClr>
-                </a:solidFill>
-              </a:rPr>
-              <a:t>g</a:t>
-            </a:r>
-            <a:r>
-              <a:rPr lang="en-US" sz="5400" dirty="0"/>
-              <a:t> </a:t>
-            </a:r>
-            <a:r>
-              <a:rPr lang="en-US" sz="5400" dirty="0" smtClean="0"/>
-              <a:t>of </a:t>
-            </a:r>
-            <a:r>
-              <a:rPr lang="en-US" sz="4800" dirty="0">
-                <a:solidFill>
-                  <a:srgbClr val="0000E5"/>
-                </a:solidFill>
-              </a:rPr>
-              <a:t>C</a:t>
-            </a:r>
-            <a:r>
-              <a:rPr lang="en-US" sz="5400" dirty="0" smtClean="0"/>
-              <a:t>:</a:t>
-            </a:r>
-          </a:p>
-          <a:p>
-            <a:r>
-              <a:rPr lang="en-US" sz="5400" dirty="0" smtClean="0"/>
-              <a:t>   (</a:t>
-            </a:r>
-            <a:r>
-              <a:rPr lang="en-US" sz="5400" dirty="0" err="1"/>
-              <a:t>i</a:t>
-            </a:r>
-            <a:r>
-              <a:rPr lang="en-US" sz="5400" dirty="0"/>
-              <a:t>) </a:t>
-            </a:r>
-            <a:r>
-              <a:rPr lang="en-US" sz="5400" dirty="0" err="1">
-                <a:solidFill>
-                  <a:srgbClr val="0000F1"/>
-                </a:solidFill>
-              </a:rPr>
-              <a:t>wt</a:t>
-            </a:r>
-            <a:r>
-              <a:rPr lang="en-US" sz="5400" dirty="0">
-                <a:solidFill>
-                  <a:srgbClr val="0000F1"/>
-                </a:solidFill>
-              </a:rPr>
-              <a:t>(</a:t>
-            </a:r>
-            <a:r>
-              <a:rPr lang="en-US" sz="5400" b="1" i="1" dirty="0">
-                <a:ln w="12700">
-                  <a:solidFill>
-                    <a:schemeClr val="tx2">
-                      <a:satMod val="155000"/>
-                    </a:schemeClr>
-                  </a:solidFill>
-                  <a:prstDash val="solid"/>
-                </a:ln>
-                <a:solidFill>
-                  <a:schemeClr val="bg2">
-                    <a:tint val="85000"/>
-                    <a:satMod val="155000"/>
-                  </a:schemeClr>
-                </a:solidFill>
-                <a:effectLst>
-                  <a:outerShdw blurRad="41275" dist="20320" dir="1800000" algn="tl" rotWithShape="0">
-                    <a:srgbClr val="000000">
-                      <a:alpha val="40000"/>
-                    </a:srgbClr>
-                  </a:outerShdw>
-                </a:effectLst>
-                <a:latin typeface="PT Serif"/>
-                <a:cs typeface="PT Serif"/>
-              </a:rPr>
-              <a:t>e</a:t>
-            </a:r>
-            <a:r>
-              <a:rPr lang="en-US" sz="5400" dirty="0">
-                <a:solidFill>
-                  <a:srgbClr val="0000F1"/>
-                </a:solidFill>
-              </a:rPr>
-              <a:t>) </a:t>
-            </a:r>
-            <a:r>
-              <a:rPr lang="en-US" sz="5400" b="1" dirty="0">
-                <a:solidFill>
-                  <a:srgbClr val="0000F1"/>
-                </a:solidFill>
-                <a:latin typeface="Euclid Symbol" charset="2"/>
-                <a:cs typeface="Euclid Symbol" charset="2"/>
-              </a:rPr>
-              <a:t>&lt; </a:t>
-            </a:r>
-            <a:r>
-              <a:rPr lang="en-US" sz="5400" dirty="0" err="1">
-                <a:solidFill>
-                  <a:srgbClr val="0000F1"/>
-                </a:solidFill>
-              </a:rPr>
-              <a:t>wt</a:t>
-            </a:r>
-            <a:r>
-              <a:rPr lang="en-US" sz="5400" dirty="0">
-                <a:solidFill>
-                  <a:srgbClr val="0000F1"/>
-                </a:solidFill>
-              </a:rPr>
-              <a:t>(g)</a:t>
-            </a:r>
-          </a:p>
-          <a:p>
-            <a:r>
-              <a:rPr lang="en-US" sz="4800" dirty="0" smtClean="0"/>
-              <a:t>   (</a:t>
-            </a:r>
-            <a:r>
-              <a:rPr lang="en-US" sz="4800" dirty="0"/>
-              <a:t>ii)</a:t>
-            </a:r>
-            <a:r>
-              <a:rPr lang="en-US" sz="5400" dirty="0"/>
-              <a:t>                </a:t>
-            </a:r>
-            <a:r>
-              <a:rPr lang="en-US" sz="5400" dirty="0" smtClean="0"/>
-              <a:t> </a:t>
-            </a:r>
-            <a:r>
-              <a:rPr lang="en-US" sz="4800" dirty="0" smtClean="0"/>
-              <a:t>is connected</a:t>
-            </a:r>
-            <a:endParaRPr lang="en-US" sz="4800" dirty="0">
+              <a:t>min-weight</a:t>
+            </a:r>
+            <a:endParaRPr lang="en-US" sz="6000" dirty="0">
               <a:solidFill>
-                <a:srgbClr val="0000F1"/>
+                <a:srgbClr val="0000FF"/>
               </a:solidFill>
             </a:endParaRPr>
           </a:p>
           <a:p>
-            <a:pPr marL="571500" indent="-571500">
-              <a:buFont typeface="Arial"/>
-              <a:buChar char="•"/>
+            <a:pPr>
+              <a:lnSpc>
+                <a:spcPct val="80000"/>
+              </a:lnSpc>
             </a:pPr>
-            <a:endParaRPr lang="en-US" sz="4400" b="1" dirty="0">
-              <a:solidFill>
-                <a:srgbClr val="0000F1"/>
-              </a:solidFill>
-              <a:latin typeface="Euclid Symbol" charset="2"/>
-              <a:cs typeface="Euclid Symbol" charset="2"/>
-            </a:endParaRPr>
-          </a:p>
-          <a:p>
-            <a:endParaRPr lang="en-US" sz="4800" dirty="0" smtClean="0"/>
+            <a:r>
+              <a:rPr lang="en-US" sz="6000" dirty="0" smtClean="0"/>
+              <a:t>gray edge.</a:t>
+            </a:r>
+            <a:endParaRPr lang="en-US" sz="6000" dirty="0"/>
           </a:p>
         </p:txBody>
       </p:sp>
@@ -25782,7 +28596,12 @@
             <p:ph type="sldNum" sz="quarter" idx="4"/>
           </p:nvPr>
         </p:nvSpPr>
-        <p:spPr/>
+        <p:spPr>
+          <a:xfrm>
+            <a:off x="8283346" y="6553200"/>
+            <a:ext cx="813031" cy="246221"/>
+          </a:xfrm>
+        </p:spPr>
         <p:txBody>
           <a:bodyPr/>
           <a:lstStyle/>
@@ -25791,8 +28610,8 @@
               <a:defRPr/>
             </a:pPr>
             <a:r>
-              <a:rPr lang="en-US" smtClean="0"/>
-              <a:t>connected.</a:t>
+              <a:rPr lang="en-US" dirty="0" smtClean="0"/>
+              <a:t>min-gray.</a:t>
             </a:r>
             <a:fld id="{D7F2FC53-1536-41A9-A9C1-2199CF803E30}" type="slidenum">
               <a:rPr lang="en-US" smtClean="0"/>
@@ -25805,434 +28624,162 @@
           </a:p>
         </p:txBody>
       </p:sp>
-      <p:graphicFrame>
-        <p:nvGraphicFramePr>
-          <p:cNvPr id="5" name="Object 4"/>
-          <p:cNvGraphicFramePr>
-            <a:graphicFrameLocks noChangeAspect="1"/>
-          </p:cNvGraphicFramePr>
-          <p:nvPr>
-            <p:extLst>
-              <p:ext uri="{D42A27DB-BD31-4B8C-83A1-F6EECF244321}">
-                <p14:modId xmlns:p14="http://schemas.microsoft.com/office/powerpoint/2010/main" val="2003962584"/>
-              </p:ext>
-            </p:extLst>
-          </p:nvPr>
-        </p:nvGraphicFramePr>
-        <p:xfrm>
-          <a:off x="1726275" y="5267325"/>
-          <a:ext cx="3150525" cy="1133475"/>
-        </p:xfrm>
-        <a:graphic>
-          <a:graphicData uri="http://schemas.openxmlformats.org/presentationml/2006/ole">
-            <mc:AlternateContent xmlns:mc="http://schemas.openxmlformats.org/markup-compatibility/2006">
-              <mc:Choice xmlns:v="urn:schemas-microsoft-com:vml" Requires="v">
-                <p:oleObj spid="_x0000_s32790" name="Equation" r:id="rId3" imgW="635000" imgH="228600" progId="Equation.DSMT4">
-                  <p:embed/>
-                </p:oleObj>
-              </mc:Choice>
-              <mc:Fallback>
-                <p:oleObj name="Equation" r:id="rId3" imgW="635000" imgH="228600" progId="Equation.DSMT4">
-                  <p:embed/>
-                  <p:pic>
-                    <p:nvPicPr>
-                      <p:cNvPr id="0" name=""/>
-                      <p:cNvPicPr/>
-                      <p:nvPr/>
-                    </p:nvPicPr>
-                    <p:blipFill>
-                      <a:blip r:embed="rId4"/>
-                      <a:stretch>
-                        <a:fillRect/>
-                      </a:stretch>
-                    </p:blipFill>
-                    <p:spPr>
-                      <a:xfrm>
-                        <a:off x="1726275" y="5267325"/>
-                        <a:ext cx="3150525" cy="1133475"/>
-                      </a:xfrm>
-                      <a:prstGeom prst="rect">
-                        <a:avLst/>
-                      </a:prstGeom>
-                    </p:spPr>
-                  </p:pic>
-                </p:oleObj>
-              </mc:Fallback>
-            </mc:AlternateContent>
-          </a:graphicData>
-        </a:graphic>
-      </p:graphicFrame>
+      <p:grpSp>
+        <p:nvGrpSpPr>
+          <p:cNvPr id="5" name="Group 4"/>
+          <p:cNvGrpSpPr/>
+          <p:nvPr/>
+        </p:nvGrpSpPr>
+        <p:grpSpPr>
+          <a:xfrm>
+            <a:off x="3733800" y="3505200"/>
+            <a:ext cx="2743200" cy="457200"/>
+            <a:chOff x="4218637" y="3489841"/>
+            <a:chExt cx="1789345" cy="276225"/>
+          </a:xfrm>
+        </p:grpSpPr>
+        <p:sp>
+          <p:nvSpPr>
+            <p:cNvPr id="6" name="Oval 6"/>
+            <p:cNvSpPr>
+              <a:spLocks noChangeArrowheads="1"/>
+            </p:cNvSpPr>
+            <p:nvPr/>
+          </p:nvSpPr>
+          <p:spPr bwMode="auto">
+            <a:xfrm>
+              <a:off x="4218637" y="3489841"/>
+              <a:ext cx="276225" cy="276225"/>
+            </a:xfrm>
+            <a:prstGeom prst="ellipse">
+              <a:avLst/>
+            </a:prstGeom>
+            <a:solidFill>
+              <a:schemeClr val="accent3"/>
+            </a:solidFill>
+            <a:ln w="9525">
+              <a:solidFill>
+                <a:schemeClr val="tx1"/>
+              </a:solidFill>
+              <a:round/>
+              <a:headEnd/>
+              <a:tailEnd type="none" w="lg" len="lg"/>
+            </a:ln>
+          </p:spPr>
+          <p:txBody>
+            <a:bodyPr wrap="none" anchor="ctr"/>
+            <a:lstStyle/>
+            <a:p>
+              <a:pPr marL="571500" indent="-571500">
+                <a:buFont typeface="Arial"/>
+                <a:buChar char="•"/>
+              </a:pPr>
+              <a:endParaRPr lang="zh-CN" altLang="en-US">
+                <a:ea typeface="宋体" pitchFamily="2" charset="-122"/>
+              </a:endParaRPr>
+            </a:p>
+          </p:txBody>
+        </p:sp>
+        <p:sp>
+          <p:nvSpPr>
+            <p:cNvPr id="7" name="Oval 9"/>
+            <p:cNvSpPr>
+              <a:spLocks noChangeArrowheads="1"/>
+            </p:cNvSpPr>
+            <p:nvPr/>
+          </p:nvSpPr>
+          <p:spPr bwMode="auto">
+            <a:xfrm>
+              <a:off x="5730169" y="3489841"/>
+              <a:ext cx="277813" cy="276225"/>
+            </a:xfrm>
+            <a:prstGeom prst="ellipse">
+              <a:avLst/>
+            </a:prstGeom>
+            <a:solidFill>
+              <a:schemeClr val="tx2"/>
+            </a:solidFill>
+            <a:ln w="9525">
+              <a:solidFill>
+                <a:schemeClr val="tx1"/>
+              </a:solidFill>
+              <a:round/>
+              <a:headEnd/>
+              <a:tailEnd type="none" w="lg" len="lg"/>
+            </a:ln>
+          </p:spPr>
+          <p:txBody>
+            <a:bodyPr wrap="none" anchor="ctr"/>
+            <a:lstStyle/>
+            <a:p>
+              <a:pPr marL="571500" indent="-571500">
+                <a:buFont typeface="Arial"/>
+                <a:buChar char="•"/>
+              </a:pPr>
+              <a:endParaRPr lang="zh-CN" altLang="en-US">
+                <a:ea typeface="宋体" pitchFamily="2" charset="-122"/>
+              </a:endParaRPr>
+            </a:p>
+          </p:txBody>
+        </p:sp>
+        <p:cxnSp>
+          <p:nvCxnSpPr>
+            <p:cNvPr id="8" name="AutoShape 14"/>
+            <p:cNvCxnSpPr>
+              <a:cxnSpLocks noChangeShapeType="1"/>
+              <a:stCxn id="6" idx="6"/>
+              <a:endCxn id="7" idx="2"/>
+            </p:cNvCxnSpPr>
+            <p:nvPr/>
+          </p:nvCxnSpPr>
+          <p:spPr bwMode="auto">
+            <a:xfrm>
+              <a:off x="4494862" y="3627954"/>
+              <a:ext cx="1235307" cy="0"/>
+            </a:xfrm>
+            <a:prstGeom prst="straightConnector1">
+              <a:avLst/>
+            </a:prstGeom>
+            <a:noFill/>
+            <a:ln w="69850">
+              <a:solidFill>
+                <a:schemeClr val="accent3">
+                  <a:lumMod val="50000"/>
+                </a:schemeClr>
+              </a:solidFill>
+              <a:round/>
+              <a:headEnd/>
+              <a:tailEnd type="none" w="lg" len="lg"/>
+            </a:ln>
+          </p:spPr>
+        </p:cxnSp>
+      </p:grpSp>
     </p:spTree>
     <p:extLst>
       <p:ext uri="{BB962C8B-B14F-4D97-AF65-F5344CB8AC3E}">
-        <p14:creationId xmlns:p14="http://schemas.microsoft.com/office/powerpoint/2010/main" val="94406148"/>
+        <p14:creationId xmlns:p14="http://schemas.microsoft.com/office/powerpoint/2010/main" val="1400979555"/>
       </p:ext>
     </p:extLst>
   </p:cSld>
   <p:clrMapOvr>
     <a:masterClrMapping/>
   </p:clrMapOvr>
-  <mc:AlternateContent xmlns:mc="http://schemas.openxmlformats.org/markup-compatibility/2006" xmlns:p14="http://schemas.microsoft.com/office/powerpoint/2010/main">
-    <mc:Choice Requires="p14">
-      <p:transition spd="slow" p14:dur="1100" advClick="0">
-        <p:fade thruBlk="1"/>
+  <mc:AlternateContent xmlns:mc="http://schemas.openxmlformats.org/markup-compatibility/2006">
+    <mc:Choice xmlns:p14="http://schemas.microsoft.com/office/powerpoint/2010/main" Requires="p14">
+      <p:transition spd="med" p14:dur="600" advClick="0">
+        <p:fade/>
       </p:transition>
     </mc:Choice>
-    <mc:Fallback xmlns="">
-      <p:transition xmlns:p14="http://schemas.microsoft.com/office/powerpoint/2010/main" spd="slow" advClick="0">
-        <p:fade thruBlk="1"/>
+    <mc:Fallback>
+      <p:transition xmlns:p14="http://schemas.microsoft.com/office/powerpoint/2010/main" spd="med" advClick="0">
+        <p:fade/>
       </p:transition>
     </mc:Fallback>
   </mc:AlternateContent>
   <p:timing>
     <p:tnLst>
       <p:par>
-        <p:cTn xmlns:p14="http://schemas.microsoft.com/office/powerpoint/2010/main" id="1" dur="indefinite" restart="never" nodeType="tmRoot">
-          <p:childTnLst>
-            <p:seq concurrent="1" nextAc="seek">
-              <p:cTn id="2" dur="indefinite" nodeType="mainSeq">
-                <p:childTnLst>
-                  <p:par>
-                    <p:cTn id="3" fill="hold">
-                      <p:stCondLst>
-                        <p:cond delay="indefinite"/>
-                      </p:stCondLst>
-                      <p:childTnLst>
-                        <p:par>
-                          <p:cTn id="4" fill="hold">
-                            <p:stCondLst>
-                              <p:cond delay="0"/>
-                            </p:stCondLst>
-                            <p:childTnLst>
-                              <p:par>
-                                <p:cTn id="5" presetID="10" presetClass="entr" presetSubtype="0" fill="hold" nodeType="clickEffect">
-                                  <p:stCondLst>
-                                    <p:cond delay="0"/>
-                                  </p:stCondLst>
-                                  <p:childTnLst>
-                                    <p:set>
-                                      <p:cBhvr>
-                                        <p:cTn id="6" dur="1" fill="hold">
-                                          <p:stCondLst>
-                                            <p:cond delay="0"/>
-                                          </p:stCondLst>
-                                        </p:cTn>
-                                        <p:tgtEl>
-                                          <p:spTgt spid="3">
-                                            <p:txEl>
-                                              <p:pRg st="0" end="0"/>
-                                            </p:txEl>
-                                          </p:spTgt>
-                                        </p:tgtEl>
-                                        <p:attrNameLst>
-                                          <p:attrName>style.visibility</p:attrName>
-                                        </p:attrNameLst>
-                                      </p:cBhvr>
-                                      <p:to>
-                                        <p:strVal val="visible"/>
-                                      </p:to>
-                                    </p:set>
-                                    <p:animEffect transition="in" filter="fade">
-                                      <p:cBhvr>
-                                        <p:cTn id="7" dur="500"/>
-                                        <p:tgtEl>
-                                          <p:spTgt spid="3">
-                                            <p:txEl>
-                                              <p:pRg st="0" end="0"/>
-                                            </p:txEl>
-                                          </p:spTgt>
-                                        </p:tgtEl>
-                                      </p:cBhvr>
-                                    </p:animEffect>
-                                  </p:childTnLst>
-                                </p:cTn>
-                              </p:par>
-                              <p:par>
-                                <p:cTn id="8" presetID="10" presetClass="entr" presetSubtype="0" fill="hold" nodeType="withEffect">
-                                  <p:stCondLst>
-                                    <p:cond delay="0"/>
-                                  </p:stCondLst>
-                                  <p:childTnLst>
-                                    <p:set>
-                                      <p:cBhvr>
-                                        <p:cTn id="9" dur="1" fill="hold">
-                                          <p:stCondLst>
-                                            <p:cond delay="0"/>
-                                          </p:stCondLst>
-                                        </p:cTn>
-                                        <p:tgtEl>
-                                          <p:spTgt spid="3">
-                                            <p:txEl>
-                                              <p:pRg st="1" end="1"/>
-                                            </p:txEl>
-                                          </p:spTgt>
-                                        </p:tgtEl>
-                                        <p:attrNameLst>
-                                          <p:attrName>style.visibility</p:attrName>
-                                        </p:attrNameLst>
-                                      </p:cBhvr>
-                                      <p:to>
-                                        <p:strVal val="visible"/>
-                                      </p:to>
-                                    </p:set>
-                                    <p:animEffect transition="in" filter="fade">
-                                      <p:cBhvr>
-                                        <p:cTn id="10" dur="500"/>
-                                        <p:tgtEl>
-                                          <p:spTgt spid="3">
-                                            <p:txEl>
-                                              <p:pRg st="1" end="1"/>
-                                            </p:txEl>
-                                          </p:spTgt>
-                                        </p:tgtEl>
-                                      </p:cBhvr>
-                                    </p:animEffect>
-                                  </p:childTnLst>
-                                </p:cTn>
-                              </p:par>
-                            </p:childTnLst>
-                          </p:cTn>
-                        </p:par>
-                      </p:childTnLst>
-                    </p:cTn>
-                  </p:par>
-                  <p:par>
-                    <p:cTn id="11" fill="hold">
-                      <p:stCondLst>
-                        <p:cond delay="indefinite"/>
-                      </p:stCondLst>
-                      <p:childTnLst>
-                        <p:par>
-                          <p:cTn id="12" fill="hold">
-                            <p:stCondLst>
-                              <p:cond delay="0"/>
-                            </p:stCondLst>
-                            <p:childTnLst>
-                              <p:par>
-                                <p:cTn id="13" presetID="10" presetClass="entr" presetSubtype="0" fill="hold" nodeType="clickEffect">
-                                  <p:stCondLst>
-                                    <p:cond delay="0"/>
-                                  </p:stCondLst>
-                                  <p:childTnLst>
-                                    <p:set>
-                                      <p:cBhvr>
-                                        <p:cTn id="14" dur="1" fill="hold">
-                                          <p:stCondLst>
-                                            <p:cond delay="0"/>
-                                          </p:stCondLst>
-                                        </p:cTn>
-                                        <p:tgtEl>
-                                          <p:spTgt spid="3">
-                                            <p:txEl>
-                                              <p:pRg st="2" end="2"/>
-                                            </p:txEl>
-                                          </p:spTgt>
-                                        </p:tgtEl>
-                                        <p:attrNameLst>
-                                          <p:attrName>style.visibility</p:attrName>
-                                        </p:attrNameLst>
-                                      </p:cBhvr>
-                                      <p:to>
-                                        <p:strVal val="visible"/>
-                                      </p:to>
-                                    </p:set>
-                                    <p:animEffect transition="in" filter="fade">
-                                      <p:cBhvr>
-                                        <p:cTn id="15" dur="500"/>
-                                        <p:tgtEl>
-                                          <p:spTgt spid="3">
-                                            <p:txEl>
-                                              <p:pRg st="2" end="2"/>
-                                            </p:txEl>
-                                          </p:spTgt>
-                                        </p:tgtEl>
-                                      </p:cBhvr>
-                                    </p:animEffect>
-                                  </p:childTnLst>
-                                </p:cTn>
-                              </p:par>
-                            </p:childTnLst>
-                          </p:cTn>
-                        </p:par>
-                      </p:childTnLst>
-                    </p:cTn>
-                  </p:par>
-                  <p:par>
-                    <p:cTn id="16" fill="hold">
-                      <p:stCondLst>
-                        <p:cond delay="indefinite"/>
-                      </p:stCondLst>
-                      <p:childTnLst>
-                        <p:par>
-                          <p:cTn id="17" fill="hold">
-                            <p:stCondLst>
-                              <p:cond delay="0"/>
-                            </p:stCondLst>
-                            <p:childTnLst>
-                              <p:par>
-                                <p:cTn id="18" presetID="22" presetClass="entr" presetSubtype="8" fill="hold" nodeType="clickEffect">
-                                  <p:stCondLst>
-                                    <p:cond delay="0"/>
-                                  </p:stCondLst>
-                                  <p:childTnLst>
-                                    <p:set>
-                                      <p:cBhvr>
-                                        <p:cTn id="19" dur="1" fill="hold">
-                                          <p:stCondLst>
-                                            <p:cond delay="0"/>
-                                          </p:stCondLst>
-                                        </p:cTn>
-                                        <p:tgtEl>
-                                          <p:spTgt spid="3">
-                                            <p:txEl>
-                                              <p:pRg st="3" end="3"/>
-                                            </p:txEl>
-                                          </p:spTgt>
-                                        </p:tgtEl>
-                                        <p:attrNameLst>
-                                          <p:attrName>style.visibility</p:attrName>
-                                        </p:attrNameLst>
-                                      </p:cBhvr>
-                                      <p:to>
-                                        <p:strVal val="visible"/>
-                                      </p:to>
-                                    </p:set>
-                                    <p:animEffect transition="in" filter="wipe(left)">
-                                      <p:cBhvr>
-                                        <p:cTn id="20" dur="1000"/>
-                                        <p:tgtEl>
-                                          <p:spTgt spid="3">
-                                            <p:txEl>
-                                              <p:pRg st="3" end="3"/>
-                                            </p:txEl>
-                                          </p:spTgt>
-                                        </p:tgtEl>
-                                      </p:cBhvr>
-                                    </p:animEffect>
-                                  </p:childTnLst>
-                                </p:cTn>
-                              </p:par>
-                            </p:childTnLst>
-                          </p:cTn>
-                        </p:par>
-                      </p:childTnLst>
-                    </p:cTn>
-                  </p:par>
-                  <p:par>
-                    <p:cTn id="21" fill="hold">
-                      <p:stCondLst>
-                        <p:cond delay="indefinite"/>
-                      </p:stCondLst>
-                      <p:childTnLst>
-                        <p:par>
-                          <p:cTn id="22" fill="hold">
-                            <p:stCondLst>
-                              <p:cond delay="0"/>
-                            </p:stCondLst>
-                            <p:childTnLst>
-                              <p:par>
-                                <p:cTn id="23" presetID="22" presetClass="entr" presetSubtype="8" fill="hold" nodeType="clickEffect">
-                                  <p:stCondLst>
-                                    <p:cond delay="0"/>
-                                  </p:stCondLst>
-                                  <p:childTnLst>
-                                    <p:set>
-                                      <p:cBhvr>
-                                        <p:cTn id="24" dur="1" fill="hold">
-                                          <p:stCondLst>
-                                            <p:cond delay="0"/>
-                                          </p:stCondLst>
-                                        </p:cTn>
-                                        <p:tgtEl>
-                                          <p:spTgt spid="5"/>
-                                        </p:tgtEl>
-                                        <p:attrNameLst>
-                                          <p:attrName>style.visibility</p:attrName>
-                                        </p:attrNameLst>
-                                      </p:cBhvr>
-                                      <p:to>
-                                        <p:strVal val="visible"/>
-                                      </p:to>
-                                    </p:set>
-                                    <p:animEffect transition="in" filter="wipe(left)">
-                                      <p:cBhvr>
-                                        <p:cTn id="25" dur="1000"/>
-                                        <p:tgtEl>
-                                          <p:spTgt spid="5"/>
-                                        </p:tgtEl>
-                                      </p:cBhvr>
-                                    </p:animEffect>
-                                  </p:childTnLst>
-                                </p:cTn>
-                              </p:par>
-                              <p:par>
-                                <p:cTn id="26" presetID="22" presetClass="entr" presetSubtype="8" fill="hold" nodeType="withEffect">
-                                  <p:stCondLst>
-                                    <p:cond delay="0"/>
-                                  </p:stCondLst>
-                                  <p:childTnLst>
-                                    <p:set>
-                                      <p:cBhvr>
-                                        <p:cTn id="27" dur="1" fill="hold">
-                                          <p:stCondLst>
-                                            <p:cond delay="0"/>
-                                          </p:stCondLst>
-                                        </p:cTn>
-                                        <p:tgtEl>
-                                          <p:spTgt spid="3">
-                                            <p:txEl>
-                                              <p:pRg st="4" end="4"/>
-                                            </p:txEl>
-                                          </p:spTgt>
-                                        </p:tgtEl>
-                                        <p:attrNameLst>
-                                          <p:attrName>style.visibility</p:attrName>
-                                        </p:attrNameLst>
-                                      </p:cBhvr>
-                                      <p:to>
-                                        <p:strVal val="visible"/>
-                                      </p:to>
-                                    </p:set>
-                                    <p:animEffect transition="in" filter="wipe(left)">
-                                      <p:cBhvr>
-                                        <p:cTn id="28" dur="1000"/>
-                                        <p:tgtEl>
-                                          <p:spTgt spid="3">
-                                            <p:txEl>
-                                              <p:pRg st="4" end="4"/>
-                                            </p:txEl>
-                                          </p:spTgt>
-                                        </p:tgtEl>
-                                      </p:cBhvr>
-                                    </p:animEffect>
-                                  </p:childTnLst>
-                                </p:cTn>
-                              </p:par>
-                            </p:childTnLst>
-                          </p:cTn>
-                        </p:par>
-                      </p:childTnLst>
-                    </p:cTn>
-                  </p:par>
-                </p:childTnLst>
-              </p:cTn>
-              <p:prevCondLst>
-                <p:cond evt="onPrev" delay="0">
-                  <p:tgtEl>
-                    <p:sldTgt/>
-                  </p:tgtEl>
-                </p:cond>
-              </p:prevCondLst>
-              <p:nextCondLst>
-                <p:cond evt="onNext" delay="0">
-                  <p:tgtEl>
-                    <p:sldTgt/>
-                  </p:tgtEl>
-                </p:cond>
-              </p:nextCondLst>
-            </p:seq>
-          </p:childTnLst>
-        </p:cTn>
+        <p:cTn xmlns:p14="http://schemas.microsoft.com/office/powerpoint/2010/main" id="1" dur="indefinite" restart="never" nodeType="tmRoot"/>
       </p:par>
     </p:tnLst>
   </p:timing>
@@ -26324,8 +28871,8 @@
         </p:nvSpPr>
         <p:spPr>
           <a:xfrm>
-            <a:off x="152400" y="1676400"/>
-            <a:ext cx="8915400" cy="3581400"/>
+            <a:off x="381000" y="1295400"/>
+            <a:ext cx="8458200" cy="4267200"/>
           </a:xfrm>
         </p:spPr>
         <p:txBody>
@@ -26338,87 +28885,17 @@
                   <a:srgbClr val="A52174"/>
                 </a:solidFill>
               </a:rPr>
-              <a:t>Corollary:</a:t>
-            </a:r>
-            <a:r>
-              <a:rPr lang="en-US" sz="5400" dirty="0" smtClean="0">
-                <a:solidFill>
-                  <a:srgbClr val="A52174"/>
-                </a:solidFill>
-              </a:rPr>
-              <a:t> </a:t>
-            </a:r>
-            <a:r>
-              <a:rPr lang="en-US" sz="5400" dirty="0" smtClean="0"/>
-              <a:t>If </a:t>
-            </a:r>
-            <a:r>
-              <a:rPr lang="en-US" sz="5400" dirty="0" smtClean="0">
-                <a:solidFill>
-                  <a:srgbClr val="0000E5"/>
-                </a:solidFill>
-              </a:rPr>
-              <a:t>C</a:t>
-            </a:r>
-            <a:r>
-              <a:rPr lang="en-US" sz="5400" dirty="0" smtClean="0">
-                <a:solidFill>
-                  <a:srgbClr val="000000"/>
-                </a:solidFill>
-              </a:rPr>
-              <a:t> is</a:t>
-            </a:r>
-            <a:r>
-              <a:rPr lang="en-US" sz="5400" dirty="0" smtClean="0">
-                <a:solidFill>
-                  <a:srgbClr val="0000E5"/>
-                </a:solidFill>
-              </a:rPr>
-              <a:t> </a:t>
-            </a:r>
-            <a:r>
-              <a:rPr lang="en-US" sz="5400" dirty="0" smtClean="0">
-                <a:solidFill>
-                  <a:srgbClr val="FF00FF"/>
-                </a:solidFill>
-              </a:rPr>
-              <a:t>min weight</a:t>
-            </a:r>
-            <a:r>
-              <a:rPr lang="en-US" sz="5400" dirty="0" smtClean="0">
-                <a:solidFill>
-                  <a:srgbClr val="0000E5"/>
-                </a:solidFill>
-              </a:rPr>
-              <a:t> </a:t>
-            </a:r>
-          </a:p>
-          <a:p>
-            <a:r>
-              <a:rPr lang="en-US" sz="5400" dirty="0" smtClean="0"/>
-              <a:t>connected </a:t>
-            </a:r>
-            <a:r>
-              <a:rPr lang="en-US" sz="5400" dirty="0" err="1" smtClean="0"/>
-              <a:t>subgraph</a:t>
-            </a:r>
-            <a:r>
-              <a:rPr lang="en-US" sz="5400" dirty="0" smtClean="0"/>
-              <a:t>, then</a:t>
-            </a:r>
-            <a:r>
-              <a:rPr lang="en-US" sz="5400" dirty="0" smtClean="0">
-                <a:solidFill>
-                  <a:srgbClr val="000000"/>
-                </a:solidFill>
-              </a:rPr>
-              <a:t> </a:t>
-            </a:r>
-          </a:p>
-          <a:p>
-            <a:pPr algn="ctr"/>
-            <a:r>
-              <a:rPr lang="en-US" sz="6600" b="1" i="1" dirty="0" smtClean="0">
+              <a:t>Lemma:</a:t>
+            </a:r>
+            <a:endParaRPr lang="en-US" sz="5400" dirty="0">
+              <a:solidFill>
+                <a:srgbClr val="A52174"/>
+              </a:solidFill>
+            </a:endParaRPr>
+          </a:p>
+          <a:p>
+            <a:r>
+              <a:rPr lang="en-US" sz="6000" b="1" i="1" dirty="0" smtClean="0">
                 <a:ln w="12700">
                   <a:solidFill>
                     <a:schemeClr val="tx2">
@@ -26446,18 +28923,60 @@
               <a:t>e </a:t>
             </a:r>
             <a:r>
-              <a:rPr lang="en-US" sz="6600" dirty="0" smtClean="0"/>
-              <a:t>is an edge of </a:t>
-            </a:r>
-            <a:r>
-              <a:rPr lang="en-US" sz="6600" dirty="0" smtClean="0">
+              <a:rPr lang="en-US" sz="6000" dirty="0" smtClean="0"/>
+              <a:t>is </a:t>
+            </a:r>
+            <a:r>
+              <a:rPr lang="en-US" sz="6000" dirty="0"/>
+              <a:t>an </a:t>
+            </a:r>
+            <a:r>
+              <a:rPr lang="en-US" sz="6000" dirty="0" smtClean="0"/>
+              <a:t>edge of </a:t>
+            </a:r>
+            <a:r>
+              <a:rPr lang="en-US" sz="6000" dirty="0" smtClean="0">
+                <a:solidFill>
+                  <a:schemeClr val="accent5">
+                    <a:lumMod val="50000"/>
+                  </a:schemeClr>
+                </a:solidFill>
+              </a:rPr>
+              <a:t>every</a:t>
+            </a:r>
+            <a:r>
+              <a:rPr lang="en-US" sz="6000" dirty="0" smtClean="0"/>
+              <a:t> </a:t>
+            </a:r>
+            <a:r>
+              <a:rPr lang="en-US" sz="6000" dirty="0" smtClean="0">
+                <a:solidFill>
+                  <a:srgbClr val="FF00FF"/>
+                </a:solidFill>
+              </a:rPr>
+              <a:t>min-weight</a:t>
+            </a:r>
+            <a:r>
+              <a:rPr lang="en-US" sz="6000" dirty="0" smtClean="0">
                 <a:solidFill>
                   <a:srgbClr val="0000E5"/>
                 </a:solidFill>
               </a:rPr>
-              <a:t>C.</a:t>
-            </a:r>
-            <a:endParaRPr lang="en-US" sz="5400" dirty="0"/>
+              <a:t> </a:t>
+            </a:r>
+            <a:r>
+              <a:rPr lang="en-US" sz="6000" dirty="0" smtClean="0"/>
+              <a:t>connected spanning </a:t>
+            </a:r>
+            <a:r>
+              <a:rPr lang="en-US" sz="6000" dirty="0" err="1" smtClean="0"/>
+              <a:t>subgraph</a:t>
+            </a:r>
+            <a:endParaRPr lang="en-US" sz="6000" dirty="0" smtClean="0">
+              <a:solidFill>
+                <a:srgbClr val="000000"/>
+              </a:solidFill>
+            </a:endParaRPr>
           </a:p>
         </p:txBody>
       </p:sp>
@@ -26473,8 +28992,8 @@
         </p:nvSpPr>
         <p:spPr>
           <a:xfrm>
-            <a:off x="8111809" y="6553200"/>
-            <a:ext cx="1032191" cy="246221"/>
+            <a:off x="8330957" y="6553200"/>
+            <a:ext cx="813043" cy="246221"/>
           </a:xfrm>
         </p:spPr>
         <p:txBody>
@@ -26485,8 +29004,8 @@
               <a:defRPr/>
             </a:pPr>
             <a:r>
-              <a:rPr lang="en-US" smtClean="0"/>
-              <a:t>connected.</a:t>
+              <a:rPr lang="en-US" dirty="0" smtClean="0"/>
+              <a:t>min-gray.</a:t>
             </a:r>
             <a:fld id="{D7F2FC53-1536-41A9-A9C1-2199CF803E30}" type="slidenum">
               <a:rPr lang="en-US" smtClean="0"/>
@@ -26542,6 +29061,744 @@
                             </p:stCondLst>
                             <p:childTnLst>
                               <p:par>
+                                <p:cTn id="5" presetID="53" presetClass="entr" presetSubtype="16" fill="hold" grpId="0" nodeType="clickEffect">
+                                  <p:stCondLst>
+                                    <p:cond delay="0"/>
+                                  </p:stCondLst>
+                                  <p:childTnLst>
+                                    <p:set>
+                                      <p:cBhvr>
+                                        <p:cTn id="6" dur="1" fill="hold">
+                                          <p:stCondLst>
+                                            <p:cond delay="0"/>
+                                          </p:stCondLst>
+                                        </p:cTn>
+                                        <p:tgtEl>
+                                          <p:spTgt spid="2"/>
+                                        </p:tgtEl>
+                                        <p:attrNameLst>
+                                          <p:attrName>style.visibility</p:attrName>
+                                        </p:attrNameLst>
+                                      </p:cBhvr>
+                                      <p:to>
+                                        <p:strVal val="visible"/>
+                                      </p:to>
+                                    </p:set>
+                                    <p:anim calcmode="lin" valueType="num">
+                                      <p:cBhvr>
+                                        <p:cTn id="7" dur="500" fill="hold"/>
+                                        <p:tgtEl>
+                                          <p:spTgt spid="2"/>
+                                        </p:tgtEl>
+                                        <p:attrNameLst>
+                                          <p:attrName>ppt_w</p:attrName>
+                                        </p:attrNameLst>
+                                      </p:cBhvr>
+                                      <p:tavLst>
+                                        <p:tav tm="0">
+                                          <p:val>
+                                            <p:fltVal val="0"/>
+                                          </p:val>
+                                        </p:tav>
+                                        <p:tav tm="100000">
+                                          <p:val>
+                                            <p:strVal val="#ppt_w"/>
+                                          </p:val>
+                                        </p:tav>
+                                      </p:tavLst>
+                                    </p:anim>
+                                    <p:anim calcmode="lin" valueType="num">
+                                      <p:cBhvr>
+                                        <p:cTn id="8" dur="500" fill="hold"/>
+                                        <p:tgtEl>
+                                          <p:spTgt spid="2"/>
+                                        </p:tgtEl>
+                                        <p:attrNameLst>
+                                          <p:attrName>ppt_h</p:attrName>
+                                        </p:attrNameLst>
+                                      </p:cBhvr>
+                                      <p:tavLst>
+                                        <p:tav tm="0">
+                                          <p:val>
+                                            <p:fltVal val="0"/>
+                                          </p:val>
+                                        </p:tav>
+                                        <p:tav tm="100000">
+                                          <p:val>
+                                            <p:strVal val="#ppt_h"/>
+                                          </p:val>
+                                        </p:tav>
+                                      </p:tavLst>
+                                    </p:anim>
+                                    <p:animEffect transition="in" filter="fade">
+                                      <p:cBhvr>
+                                        <p:cTn id="9" dur="500"/>
+                                        <p:tgtEl>
+                                          <p:spTgt spid="2"/>
+                                        </p:tgtEl>
+                                      </p:cBhvr>
+                                    </p:animEffect>
+                                  </p:childTnLst>
+                                </p:cTn>
+                              </p:par>
+                            </p:childTnLst>
+                          </p:cTn>
+                        </p:par>
+                      </p:childTnLst>
+                    </p:cTn>
+                  </p:par>
+                </p:childTnLst>
+              </p:cTn>
+              <p:prevCondLst>
+                <p:cond evt="onPrev" delay="0">
+                  <p:tgtEl>
+                    <p:sldTgt/>
+                  </p:tgtEl>
+                </p:cond>
+              </p:prevCondLst>
+              <p:nextCondLst>
+                <p:cond evt="onNext" delay="0">
+                  <p:tgtEl>
+                    <p:sldTgt/>
+                  </p:tgtEl>
+                </p:cond>
+              </p:nextCondLst>
+            </p:seq>
+          </p:childTnLst>
+        </p:cTn>
+      </p:par>
+    </p:tnLst>
+    <p:bldLst>
+      <p:bldP spid="2" grpId="0"/>
+    </p:bldLst>
+  </p:timing>
+</p:sld>
+</file>
+
+<file path=ppt/slides/slide8.xml><?xml version="1.0" encoding="utf-8"?>
+<p:sld xmlns:a="http://schemas.openxmlformats.org/drawingml/2006/main" xmlns:r="http://schemas.openxmlformats.org/officeDocument/2006/relationships" xmlns:p="http://schemas.openxmlformats.org/presentationml/2006/main">
+  <p:cSld>
+    <p:spTree>
+      <p:nvGrpSpPr>
+        <p:cNvPr id="1" name=""/>
+        <p:cNvGrpSpPr/>
+        <p:nvPr/>
+      </p:nvGrpSpPr>
+      <p:grpSpPr>
+        <a:xfrm>
+          <a:off x="0" y="0"/>
+          <a:ext cx="0" cy="0"/>
+          <a:chOff x="0" y="0"/>
+          <a:chExt cx="0" cy="0"/>
+        </a:xfrm>
+      </p:grpSpPr>
+      <p:sp>
+        <p:nvSpPr>
+          <p:cNvPr id="2" name="Title 1"/>
+          <p:cNvSpPr>
+            <a:spLocks noGrp="1"/>
+          </p:cNvSpPr>
+          <p:nvPr>
+            <p:ph type="title"/>
+          </p:nvPr>
+        </p:nvSpPr>
+        <p:spPr>
+          <a:xfrm>
+            <a:off x="1219200" y="152400"/>
+            <a:ext cx="7848600" cy="1371600"/>
+          </a:xfrm>
+        </p:spPr>
+        <p:txBody>
+          <a:bodyPr/>
+          <a:lstStyle/>
+          <a:p>
+            <a:r>
+              <a:rPr lang="en-US" dirty="0" smtClean="0">
+                <a:solidFill>
+                  <a:schemeClr val="tx1"/>
+                </a:solidFill>
+              </a:rPr>
+              <a:t>M</a:t>
+            </a:r>
+            <a:r>
+              <a:rPr lang="en-US" dirty="0" smtClean="0"/>
+              <a:t>in </a:t>
+            </a:r>
+            <a:r>
+              <a:rPr lang="en-US" dirty="0"/>
+              <a:t>G</a:t>
+            </a:r>
+            <a:r>
+              <a:rPr lang="en-US" dirty="0" smtClean="0"/>
+              <a:t>ray Edge </a:t>
+            </a:r>
+            <a:r>
+              <a:rPr lang="en-US" dirty="0" smtClean="0">
+                <a:solidFill>
+                  <a:srgbClr val="008000"/>
+                </a:solidFill>
+              </a:rPr>
+              <a:t>Necessary</a:t>
+            </a:r>
+            <a:r>
+              <a:rPr lang="en-US" dirty="0" smtClean="0"/>
+              <a:t> </a:t>
+            </a:r>
+            <a:endParaRPr lang="en-US" dirty="0"/>
+          </a:p>
+        </p:txBody>
+      </p:sp>
+      <p:sp>
+        <p:nvSpPr>
+          <p:cNvPr id="3" name="Content Placeholder 2"/>
+          <p:cNvSpPr>
+            <a:spLocks noGrp="1"/>
+          </p:cNvSpPr>
+          <p:nvPr>
+            <p:ph idx="1"/>
+          </p:nvPr>
+        </p:nvSpPr>
+        <p:spPr>
+          <a:xfrm>
+            <a:off x="381000" y="1295400"/>
+            <a:ext cx="8610600" cy="4953000"/>
+          </a:xfrm>
+        </p:spPr>
+        <p:txBody>
+          <a:bodyPr/>
+          <a:lstStyle/>
+          <a:p>
+            <a:r>
+              <a:rPr lang="en-US" sz="4800" dirty="0" smtClean="0">
+                <a:solidFill>
+                  <a:srgbClr val="A52174"/>
+                </a:solidFill>
+              </a:rPr>
+              <a:t>Lemma:</a:t>
+            </a:r>
+            <a:endParaRPr lang="en-US" sz="5400" dirty="0">
+              <a:solidFill>
+                <a:srgbClr val="A52174"/>
+              </a:solidFill>
+            </a:endParaRPr>
+          </a:p>
+          <a:p>
+            <a:r>
+              <a:rPr lang="en-US" sz="6000" b="1" i="1" dirty="0" smtClean="0">
+                <a:ln w="12700">
+                  <a:solidFill>
+                    <a:schemeClr val="tx2">
+                      <a:satMod val="155000"/>
+                    </a:schemeClr>
+                  </a:solidFill>
+                  <a:prstDash val="solid"/>
+                </a:ln>
+                <a:solidFill>
+                  <a:schemeClr val="bg2">
+                    <a:tint val="85000"/>
+                    <a:satMod val="155000"/>
+                  </a:schemeClr>
+                </a:solidFill>
+                <a:effectLst>
+                  <a:outerShdw blurRad="41275" dist="20320" dir="1800000" algn="tl" rotWithShape="0">
+                    <a:srgbClr val="000000">
+                      <a:alpha val="40000"/>
+                    </a:srgbClr>
+                  </a:outerShdw>
+                </a:effectLst>
+                <a:latin typeface="PT Serif"/>
+                <a:cs typeface="PT Serif"/>
+              </a:rPr>
+              <a:t>e </a:t>
+            </a:r>
+            <a:r>
+              <a:rPr lang="en-US" sz="6000" dirty="0" smtClean="0"/>
+              <a:t>is </a:t>
+            </a:r>
+            <a:r>
+              <a:rPr lang="en-US" sz="6000" dirty="0"/>
+              <a:t>an </a:t>
+            </a:r>
+            <a:r>
+              <a:rPr lang="en-US" sz="6000" dirty="0" smtClean="0"/>
+              <a:t>edge of </a:t>
+            </a:r>
+            <a:r>
+              <a:rPr lang="en-US" sz="6000" dirty="0" smtClean="0">
+                <a:solidFill>
+                  <a:schemeClr val="accent5">
+                    <a:lumMod val="50000"/>
+                  </a:schemeClr>
+                </a:solidFill>
+              </a:rPr>
+              <a:t>every</a:t>
+            </a:r>
+            <a:r>
+              <a:rPr lang="en-US" sz="6000" dirty="0" smtClean="0"/>
+              <a:t> </a:t>
+            </a:r>
+            <a:r>
+              <a:rPr lang="en-US" sz="6000" dirty="0" smtClean="0">
+                <a:solidFill>
+                  <a:srgbClr val="FF00FF"/>
+                </a:solidFill>
+              </a:rPr>
+              <a:t>min-weight</a:t>
+            </a:r>
+            <a:r>
+              <a:rPr lang="en-US" sz="6000" dirty="0" smtClean="0">
+                <a:solidFill>
+                  <a:srgbClr val="0000E5"/>
+                </a:solidFill>
+              </a:rPr>
+              <a:t> </a:t>
+            </a:r>
+            <a:r>
+              <a:rPr lang="en-US" sz="6000" dirty="0" smtClean="0">
+                <a:solidFill>
+                  <a:srgbClr val="008000"/>
+                </a:solidFill>
+              </a:rPr>
+              <a:t>c</a:t>
+            </a:r>
+            <a:r>
+              <a:rPr lang="en-US" sz="6000" dirty="0" smtClean="0"/>
+              <a:t>onnected </a:t>
+            </a:r>
+            <a:r>
+              <a:rPr lang="en-US" sz="6000" dirty="0" smtClean="0">
+                <a:solidFill>
+                  <a:srgbClr val="008000"/>
+                </a:solidFill>
+              </a:rPr>
+              <a:t>s</a:t>
+            </a:r>
+            <a:r>
+              <a:rPr lang="en-US" sz="6000" dirty="0" smtClean="0"/>
+              <a:t>panning </a:t>
+            </a:r>
+            <a:r>
+              <a:rPr lang="en-US" sz="6000" dirty="0" err="1" smtClean="0">
+                <a:solidFill>
+                  <a:srgbClr val="008000"/>
+                </a:solidFill>
+              </a:rPr>
+              <a:t>s</a:t>
+            </a:r>
+            <a:r>
+              <a:rPr lang="en-US" sz="6000" dirty="0" err="1" smtClean="0"/>
+              <a:t>ubgraph</a:t>
+            </a:r>
+            <a:endParaRPr lang="en-US" sz="6000" dirty="0"/>
+          </a:p>
+          <a:p>
+            <a:r>
+              <a:rPr lang="en-US" sz="6000" dirty="0" smtClean="0">
+                <a:solidFill>
+                  <a:srgbClr val="000000"/>
+                </a:solidFill>
+              </a:rPr>
+              <a:t>              (</a:t>
+            </a:r>
+            <a:r>
+              <a:rPr lang="en-US" sz="6000" dirty="0" err="1" smtClean="0">
+                <a:solidFill>
+                  <a:srgbClr val="008000"/>
+                </a:solidFill>
+              </a:rPr>
+              <a:t>css</a:t>
+            </a:r>
+            <a:r>
+              <a:rPr lang="en-US" sz="6000" dirty="0" smtClean="0">
+                <a:solidFill>
+                  <a:srgbClr val="000000"/>
+                </a:solidFill>
+              </a:rPr>
+              <a:t>)</a:t>
+            </a:r>
+          </a:p>
+        </p:txBody>
+      </p:sp>
+      <p:sp>
+        <p:nvSpPr>
+          <p:cNvPr id="4" name="Slide Number Placeholder 3"/>
+          <p:cNvSpPr>
+            <a:spLocks noGrp="1"/>
+          </p:cNvSpPr>
+          <p:nvPr>
+            <p:ph type="sldNum" sz="quarter" idx="4"/>
+          </p:nvPr>
+        </p:nvSpPr>
+        <p:spPr>
+          <a:xfrm>
+            <a:off x="8330969" y="6553200"/>
+            <a:ext cx="813031" cy="246221"/>
+          </a:xfrm>
+        </p:spPr>
+        <p:txBody>
+          <a:bodyPr/>
+          <a:lstStyle/>
+          <a:p>
+            <a:pPr>
+              <a:defRPr/>
+            </a:pPr>
+            <a:r>
+              <a:rPr lang="en-US" dirty="0" smtClean="0"/>
+              <a:t>min-gray.</a:t>
+            </a:r>
+            <a:fld id="{D7F2FC53-1536-41A9-A9C1-2199CF803E30}" type="slidenum">
+              <a:rPr lang="en-US" smtClean="0"/>
+              <a:pPr>
+                <a:defRPr/>
+              </a:pPr>
+              <a:t>8</a:t>
+            </a:fld>
+            <a:endParaRPr lang="en-US" dirty="0"/>
+          </a:p>
+        </p:txBody>
+      </p:sp>
+    </p:spTree>
+    <p:extLst>
+      <p:ext uri="{BB962C8B-B14F-4D97-AF65-F5344CB8AC3E}">
+        <p14:creationId xmlns:p14="http://schemas.microsoft.com/office/powerpoint/2010/main" val="1048498492"/>
+      </p:ext>
+    </p:extLst>
+  </p:cSld>
+  <p:clrMapOvr>
+    <a:masterClrMapping/>
+  </p:clrMapOvr>
+  <mc:AlternateContent xmlns:mc="http://schemas.openxmlformats.org/markup-compatibility/2006" xmlns:p14="http://schemas.microsoft.com/office/powerpoint/2010/main">
+    <mc:Choice Requires="p14">
+      <p:transition spd="med" p14:dur="600" advClick="0">
+        <p:fade/>
+      </p:transition>
+    </mc:Choice>
+    <mc:Fallback xmlns="">
+      <p:transition xmlns:p14="http://schemas.microsoft.com/office/powerpoint/2010/main" spd="med" advClick="0">
+        <p:fade/>
+      </p:transition>
+    </mc:Fallback>
+  </mc:AlternateContent>
+  <p:timing>
+    <p:tnLst>
+      <p:par>
+        <p:cTn xmlns:p14="http://schemas.microsoft.com/office/powerpoint/2010/main" id="1" dur="indefinite" restart="never" nodeType="tmRoot"/>
+      </p:par>
+    </p:tnLst>
+  </p:timing>
+</p:sld>
+</file>
+
+<file path=ppt/slides/slide9.xml><?xml version="1.0" encoding="utf-8"?>
+<p:sld xmlns:a="http://schemas.openxmlformats.org/drawingml/2006/main" xmlns:r="http://schemas.openxmlformats.org/officeDocument/2006/relationships" xmlns:p="http://schemas.openxmlformats.org/presentationml/2006/main" show="0">
+  <p:cSld>
+    <p:spTree>
+      <p:nvGrpSpPr>
+        <p:cNvPr id="1" name=""/>
+        <p:cNvGrpSpPr/>
+        <p:nvPr/>
+      </p:nvGrpSpPr>
+      <p:grpSpPr>
+        <a:xfrm>
+          <a:off x="0" y="0"/>
+          <a:ext cx="0" cy="0"/>
+          <a:chOff x="0" y="0"/>
+          <a:chExt cx="0" cy="0"/>
+        </a:xfrm>
+      </p:grpSpPr>
+      <p:sp>
+        <p:nvSpPr>
+          <p:cNvPr id="2" name="Title 1"/>
+          <p:cNvSpPr>
+            <a:spLocks noGrp="1"/>
+          </p:cNvSpPr>
+          <p:nvPr>
+            <p:ph type="title"/>
+          </p:nvPr>
+        </p:nvSpPr>
+        <p:spPr>
+          <a:xfrm>
+            <a:off x="1219200" y="152400"/>
+            <a:ext cx="7848600" cy="1371600"/>
+          </a:xfrm>
+        </p:spPr>
+        <p:txBody>
+          <a:bodyPr/>
+          <a:lstStyle/>
+          <a:p>
+            <a:r>
+              <a:rPr lang="en-US" dirty="0" smtClean="0">
+                <a:solidFill>
+                  <a:schemeClr val="tx1"/>
+                </a:solidFill>
+              </a:rPr>
+              <a:t>M</a:t>
+            </a:r>
+            <a:r>
+              <a:rPr lang="en-US" dirty="0" smtClean="0"/>
+              <a:t>in </a:t>
+            </a:r>
+            <a:r>
+              <a:rPr lang="en-US" dirty="0"/>
+              <a:t>G</a:t>
+            </a:r>
+            <a:r>
+              <a:rPr lang="en-US" dirty="0" smtClean="0"/>
+              <a:t>ray Edge </a:t>
+            </a:r>
+            <a:r>
+              <a:rPr lang="en-US" dirty="0" smtClean="0">
+                <a:solidFill>
+                  <a:srgbClr val="008000"/>
+                </a:solidFill>
+              </a:rPr>
+              <a:t>Necessary</a:t>
+            </a:r>
+            <a:r>
+              <a:rPr lang="en-US" dirty="0" smtClean="0"/>
+              <a:t> </a:t>
+            </a:r>
+            <a:endParaRPr lang="en-US" dirty="0"/>
+          </a:p>
+        </p:txBody>
+      </p:sp>
+      <p:sp>
+        <p:nvSpPr>
+          <p:cNvPr id="3" name="Content Placeholder 2"/>
+          <p:cNvSpPr>
+            <a:spLocks noGrp="1"/>
+          </p:cNvSpPr>
+          <p:nvPr>
+            <p:ph idx="1"/>
+          </p:nvPr>
+        </p:nvSpPr>
+        <p:spPr>
+          <a:xfrm>
+            <a:off x="152400" y="1447800"/>
+            <a:ext cx="8839200" cy="4343400"/>
+          </a:xfrm>
+        </p:spPr>
+        <p:txBody>
+          <a:bodyPr/>
+          <a:lstStyle/>
+          <a:p>
+            <a:r>
+              <a:rPr lang="en-US" sz="4800" dirty="0" smtClean="0">
+                <a:solidFill>
+                  <a:srgbClr val="A52174"/>
+                </a:solidFill>
+              </a:rPr>
+              <a:t>Lemma:</a:t>
+            </a:r>
+            <a:r>
+              <a:rPr lang="en-US" sz="5400" dirty="0" smtClean="0">
+                <a:solidFill>
+                  <a:srgbClr val="A52174"/>
+                </a:solidFill>
+              </a:rPr>
+              <a:t> </a:t>
+            </a:r>
+            <a:r>
+              <a:rPr lang="en-US" sz="5400" dirty="0" smtClean="0"/>
+              <a:t>If </a:t>
+            </a:r>
+            <a:r>
+              <a:rPr lang="en-US" sz="5400" dirty="0" smtClean="0">
+                <a:solidFill>
+                  <a:srgbClr val="0000E5"/>
+                </a:solidFill>
+              </a:rPr>
+              <a:t>C</a:t>
+            </a:r>
+            <a:r>
+              <a:rPr lang="en-US" sz="5400" dirty="0" smtClean="0">
+                <a:solidFill>
+                  <a:srgbClr val="000000"/>
+                </a:solidFill>
+              </a:rPr>
+              <a:t> is</a:t>
+            </a:r>
+            <a:r>
+              <a:rPr lang="en-US" sz="5400" dirty="0" smtClean="0">
+                <a:solidFill>
+                  <a:srgbClr val="0000E5"/>
+                </a:solidFill>
+              </a:rPr>
+              <a:t> </a:t>
+            </a:r>
+            <a:r>
+              <a:rPr lang="en-US" sz="5400" dirty="0" smtClean="0">
+                <a:solidFill>
+                  <a:srgbClr val="FF00FF"/>
+                </a:solidFill>
+              </a:rPr>
+              <a:t>min-weight</a:t>
+            </a:r>
+            <a:r>
+              <a:rPr lang="en-US" sz="5400" dirty="0" smtClean="0">
+                <a:solidFill>
+                  <a:srgbClr val="0000E5"/>
+                </a:solidFill>
+              </a:rPr>
+              <a:t> </a:t>
+            </a:r>
+            <a:endParaRPr lang="en-US" sz="5400" dirty="0" smtClean="0">
+              <a:solidFill>
+                <a:srgbClr val="0000E5"/>
+              </a:solidFill>
+            </a:endParaRPr>
+          </a:p>
+          <a:p>
+            <a:r>
+              <a:rPr lang="en-US" sz="5400" dirty="0" smtClean="0"/>
+              <a:t>connected spanning </a:t>
+            </a:r>
+          </a:p>
+          <a:p>
+            <a:r>
+              <a:rPr lang="en-US" sz="5400" dirty="0" err="1" smtClean="0"/>
+              <a:t>subgraph</a:t>
+            </a:r>
+            <a:r>
+              <a:rPr lang="en-US" sz="5400" dirty="0" smtClean="0"/>
+              <a:t>, then</a:t>
+            </a:r>
+            <a:r>
+              <a:rPr lang="en-US" sz="5400" dirty="0" smtClean="0">
+                <a:solidFill>
+                  <a:srgbClr val="000000"/>
+                </a:solidFill>
+              </a:rPr>
+              <a:t> </a:t>
+            </a:r>
+          </a:p>
+          <a:p>
+            <a:pPr algn="ctr"/>
+            <a:r>
+              <a:rPr lang="en-US" sz="6600" b="1" i="1" dirty="0" smtClean="0">
+                <a:ln w="12700">
+                  <a:solidFill>
+                    <a:schemeClr val="tx2">
+                      <a:satMod val="155000"/>
+                    </a:schemeClr>
+                  </a:solidFill>
+                  <a:prstDash val="solid"/>
+                </a:ln>
+                <a:solidFill>
+                  <a:schemeClr val="bg2">
+                    <a:tint val="85000"/>
+                    <a:satMod val="155000"/>
+                  </a:schemeClr>
+                </a:solidFill>
+                <a:effectLst>
+                  <a:outerShdw blurRad="41275" dist="20320" dir="1800000" algn="tl" rotWithShape="0">
+                    <a:srgbClr val="000000">
+                      <a:alpha val="40000"/>
+                    </a:srgbClr>
+                  </a:outerShdw>
+                </a:effectLst>
+                <a:latin typeface="PT Serif"/>
+                <a:cs typeface="PT Serif"/>
+              </a:rPr>
+              <a:t>e </a:t>
+            </a:r>
+            <a:r>
+              <a:rPr lang="en-US" sz="6600" dirty="0" smtClean="0"/>
+              <a:t>is an edge of </a:t>
+            </a:r>
+            <a:r>
+              <a:rPr lang="en-US" sz="6600" dirty="0" smtClean="0">
+                <a:solidFill>
+                  <a:srgbClr val="0000E5"/>
+                </a:solidFill>
+              </a:rPr>
+              <a:t>C.</a:t>
+            </a:r>
+            <a:endParaRPr lang="en-US" sz="5400" dirty="0"/>
+          </a:p>
+        </p:txBody>
+      </p:sp>
+      <p:sp>
+        <p:nvSpPr>
+          <p:cNvPr id="4" name="Slide Number Placeholder 3"/>
+          <p:cNvSpPr>
+            <a:spLocks noGrp="1"/>
+          </p:cNvSpPr>
+          <p:nvPr>
+            <p:ph type="sldNum" sz="quarter" idx="4"/>
+          </p:nvPr>
+        </p:nvSpPr>
+        <p:spPr>
+          <a:xfrm>
+            <a:off x="8330969" y="6553200"/>
+            <a:ext cx="813031" cy="246221"/>
+          </a:xfrm>
+        </p:spPr>
+        <p:txBody>
+          <a:bodyPr/>
+          <a:lstStyle/>
+          <a:p>
+            <a:pPr>
+              <a:defRPr/>
+            </a:pPr>
+            <a:r>
+              <a:rPr lang="en-US" dirty="0" smtClean="0"/>
+              <a:t>min-gray.</a:t>
+            </a:r>
+            <a:fld id="{D7F2FC53-1536-41A9-A9C1-2199CF803E30}" type="slidenum">
+              <a:rPr lang="en-US" smtClean="0"/>
+              <a:pPr>
+                <a:defRPr/>
+              </a:pPr>
+              <a:t>9</a:t>
+            </a:fld>
+            <a:endParaRPr lang="en-US" dirty="0"/>
+          </a:p>
+        </p:txBody>
+      </p:sp>
+    </p:spTree>
+    <p:extLst>
+      <p:ext uri="{BB962C8B-B14F-4D97-AF65-F5344CB8AC3E}">
+        <p14:creationId xmlns:p14="http://schemas.microsoft.com/office/powerpoint/2010/main" val="3404391473"/>
+      </p:ext>
+    </p:extLst>
+  </p:cSld>
+  <p:clrMapOvr>
+    <a:masterClrMapping/>
+  </p:clrMapOvr>
+  <mc:AlternateContent xmlns:mc="http://schemas.openxmlformats.org/markup-compatibility/2006">
+    <mc:Choice xmlns:p14="http://schemas.microsoft.com/office/powerpoint/2010/main" Requires="p14">
+      <p:transition spd="med" p14:dur="700" advClick="0">
+        <p:fade/>
+      </p:transition>
+    </mc:Choice>
+    <mc:Fallback>
+      <p:transition xmlns:p14="http://schemas.microsoft.com/office/powerpoint/2010/main" spd="med" advClick="0">
+        <p:fade/>
+      </p:transition>
+    </mc:Fallback>
+  </mc:AlternateContent>
+  <p:timing>
+    <p:tnLst>
+      <p:par>
+        <p:cTn xmlns:p14="http://schemas.microsoft.com/office/powerpoint/2010/main" id="1" dur="indefinite" restart="never" nodeType="tmRoot">
+          <p:childTnLst>
+            <p:seq concurrent="1" nextAc="seek">
+              <p:cTn id="2" dur="indefinite" nodeType="mainSeq">
+                <p:childTnLst>
+                  <p:par>
+                    <p:cTn id="3" fill="hold">
+                      <p:stCondLst>
+                        <p:cond delay="indefinite"/>
+                      </p:stCondLst>
+                      <p:childTnLst>
+                        <p:par>
+                          <p:cTn id="4" fill="hold">
+                            <p:stCondLst>
+                              <p:cond delay="0"/>
+                            </p:stCondLst>
+                            <p:childTnLst>
+                              <p:par>
                                 <p:cTn id="5" presetID="10" presetClass="entr" presetSubtype="0" fill="hold" nodeType="clickEffect">
                                   <p:stCondLst>
                                     <p:cond delay="0"/>
@@ -26557,7 +29814,7 @@
                                         <p:tgtEl>
                                           <p:spTgt spid="3">
                                             <p:txEl>
-                                              <p:pRg st="2" end="2"/>
+                                              <p:pRg st="3" end="3"/>
                                             </p:txEl>
                                           </p:spTgt>
                                         </p:tgtEl>
@@ -26575,7 +29832,7 @@
                                         <p:tgtEl>
                                           <p:spTgt spid="3">
                                             <p:txEl>
-                                              <p:pRg st="2" end="2"/>
+                                              <p:pRg st="3" end="3"/>
                                             </p:txEl>
                                           </p:spTgt>
                                         </p:tgtEl>
@@ -26713,1319 +29970,6 @@
     <p:bldLst>
       <p:bldP spid="2" grpId="0"/>
     </p:bldLst>
-  </p:timing>
-</p:sld>
-</file>
-
-<file path=ppt/slides/slide8.xml><?xml version="1.0" encoding="utf-8"?>
-<p:sld xmlns:a="http://schemas.openxmlformats.org/drawingml/2006/main" xmlns:r="http://schemas.openxmlformats.org/officeDocument/2006/relationships" xmlns:p="http://schemas.openxmlformats.org/presentationml/2006/main" show="0">
-  <p:cSld>
-    <p:spTree>
-      <p:nvGrpSpPr>
-        <p:cNvPr id="1" name=""/>
-        <p:cNvGrpSpPr/>
-        <p:nvPr/>
-      </p:nvGrpSpPr>
-      <p:grpSpPr>
-        <a:xfrm>
-          <a:off x="0" y="0"/>
-          <a:ext cx="0" cy="0"/>
-          <a:chOff x="0" y="0"/>
-          <a:chExt cx="0" cy="0"/>
-        </a:xfrm>
-      </p:grpSpPr>
-      <p:sp>
-        <p:nvSpPr>
-          <p:cNvPr id="3" name="Content Placeholder 2"/>
-          <p:cNvSpPr>
-            <a:spLocks noGrp="1"/>
-          </p:cNvSpPr>
-          <p:nvPr>
-            <p:ph idx="1"/>
-          </p:nvPr>
-        </p:nvSpPr>
-        <p:spPr>
-          <a:xfrm>
-            <a:off x="609600" y="2133600"/>
-            <a:ext cx="8077200" cy="3429000"/>
-          </a:xfrm>
-        </p:spPr>
-        <p:txBody>
-          <a:bodyPr/>
-          <a:lstStyle/>
-          <a:p>
-            <a:r>
-              <a:rPr lang="en-US" sz="5400" dirty="0" smtClean="0"/>
-              <a:t>If </a:t>
-            </a:r>
-            <a:r>
-              <a:rPr lang="en-US" sz="5400" dirty="0" err="1" smtClean="0">
-                <a:solidFill>
-                  <a:srgbClr val="0000F1"/>
-                </a:solidFill>
-              </a:rPr>
-              <a:t>wt</a:t>
-            </a:r>
-            <a:r>
-              <a:rPr lang="en-US" sz="5400" dirty="0" smtClean="0">
-                <a:solidFill>
-                  <a:srgbClr val="0000F1"/>
-                </a:solidFill>
-              </a:rPr>
-              <a:t>(</a:t>
-            </a:r>
-            <a:r>
-              <a:rPr lang="en-US" sz="5400" b="1" i="1" dirty="0">
-                <a:ln w="12700">
-                  <a:solidFill>
-                    <a:srgbClr val="000000">
-                      <a:satMod val="155000"/>
-                    </a:srgbClr>
-                  </a:solidFill>
-                  <a:prstDash val="solid"/>
-                </a:ln>
-                <a:solidFill>
-                  <a:srgbClr val="808080">
-                    <a:tint val="85000"/>
-                    <a:satMod val="155000"/>
-                  </a:srgbClr>
-                </a:solidFill>
-                <a:effectLst>
-                  <a:outerShdw blurRad="41275" dist="20320" dir="1800000" algn="tl" rotWithShape="0">
-                    <a:srgbClr val="000000">
-                      <a:alpha val="40000"/>
-                    </a:srgbClr>
-                  </a:outerShdw>
-                </a:effectLst>
-                <a:latin typeface="PT Serif"/>
-                <a:cs typeface="PT Serif"/>
-              </a:rPr>
-              <a:t>e</a:t>
-            </a:r>
-            <a:r>
-              <a:rPr lang="en-US" sz="5400" dirty="0" smtClean="0">
-                <a:solidFill>
-                  <a:srgbClr val="0000F1"/>
-                </a:solidFill>
-              </a:rPr>
-              <a:t>) </a:t>
-            </a:r>
-            <a:r>
-              <a:rPr lang="en-US" sz="5400" b="1" dirty="0" smtClean="0">
-                <a:solidFill>
-                  <a:srgbClr val="0000F1"/>
-                </a:solidFill>
-                <a:latin typeface="Euclid Symbol" charset="2"/>
-                <a:cs typeface="Euclid Symbol" charset="2"/>
-              </a:rPr>
-              <a:t>&lt; </a:t>
-            </a:r>
-            <a:r>
-              <a:rPr lang="en-US" sz="5400" dirty="0" err="1" smtClean="0">
-                <a:solidFill>
-                  <a:srgbClr val="0000F1"/>
-                </a:solidFill>
-              </a:rPr>
-              <a:t>wt</a:t>
-            </a:r>
-            <a:r>
-              <a:rPr lang="en-US" sz="5400" dirty="0" smtClean="0">
-                <a:solidFill>
-                  <a:srgbClr val="0000F1"/>
-                </a:solidFill>
-              </a:rPr>
-              <a:t>(</a:t>
-            </a:r>
-            <a:r>
-              <a:rPr lang="en-US" sz="5400" dirty="0">
-                <a:solidFill>
-                  <a:srgbClr val="0000F1"/>
-                </a:solidFill>
-              </a:rPr>
-              <a:t>g</a:t>
-            </a:r>
-            <a:r>
-              <a:rPr lang="en-US" sz="5400" dirty="0" smtClean="0">
-                <a:solidFill>
-                  <a:srgbClr val="0000F1"/>
-                </a:solidFill>
-              </a:rPr>
-              <a:t>)</a:t>
-            </a:r>
-            <a:r>
-              <a:rPr lang="en-US" sz="5400" dirty="0" smtClean="0">
-                <a:solidFill>
-                  <a:srgbClr val="0D0D0D"/>
-                </a:solidFill>
-              </a:rPr>
-              <a:t>, then</a:t>
-            </a:r>
-          </a:p>
-          <a:p>
-            <a:r>
-              <a:rPr lang="en-US" sz="5400" dirty="0" smtClean="0">
-                <a:solidFill>
-                  <a:srgbClr val="0000F1"/>
-                </a:solidFill>
-              </a:rPr>
-              <a:t> </a:t>
-            </a:r>
-            <a:r>
-              <a:rPr lang="en-US" sz="5700" dirty="0" err="1" smtClean="0">
-                <a:solidFill>
-                  <a:srgbClr val="0000F1"/>
-                </a:solidFill>
-              </a:rPr>
-              <a:t>wt</a:t>
-            </a:r>
-            <a:r>
-              <a:rPr lang="en-US" sz="5700" dirty="0" smtClean="0">
-                <a:solidFill>
-                  <a:srgbClr val="0000F1"/>
-                </a:solidFill>
-              </a:rPr>
-              <a:t>(               ) </a:t>
-            </a:r>
-            <a:r>
-              <a:rPr lang="en-US" sz="5700" b="1" dirty="0" smtClean="0">
-                <a:solidFill>
-                  <a:srgbClr val="0000F1"/>
-                </a:solidFill>
-                <a:latin typeface="Euclid Symbol" charset="2"/>
-                <a:cs typeface="Euclid Symbol" charset="2"/>
-              </a:rPr>
-              <a:t>&lt; </a:t>
-            </a:r>
-            <a:r>
-              <a:rPr lang="en-US" sz="5700" dirty="0" err="1" smtClean="0">
-                <a:solidFill>
-                  <a:srgbClr val="0000F1"/>
-                </a:solidFill>
-                <a:latin typeface="Comic Sans MS"/>
-                <a:cs typeface="Comic Sans MS"/>
-              </a:rPr>
-              <a:t>wt</a:t>
-            </a:r>
-            <a:r>
-              <a:rPr lang="en-US" sz="5700" dirty="0" smtClean="0">
-                <a:solidFill>
-                  <a:srgbClr val="0000F1"/>
-                </a:solidFill>
-                <a:latin typeface="Comic Sans MS"/>
-                <a:cs typeface="Comic Sans MS"/>
-              </a:rPr>
-              <a:t>(C),</a:t>
-            </a:r>
-          </a:p>
-          <a:p>
-            <a:r>
-              <a:rPr lang="en-US" sz="5700" dirty="0" smtClean="0">
-                <a:solidFill>
-                  <a:srgbClr val="0D0D0D"/>
-                </a:solidFill>
-                <a:latin typeface="Comic Sans MS"/>
-                <a:cs typeface="Comic Sans MS"/>
-              </a:rPr>
-              <a:t>so</a:t>
-            </a:r>
-            <a:r>
-              <a:rPr lang="en-US" sz="5700" dirty="0" smtClean="0">
-                <a:solidFill>
-                  <a:srgbClr val="0000F1"/>
-                </a:solidFill>
-                <a:latin typeface="Comic Sans MS"/>
-                <a:cs typeface="Comic Sans MS"/>
-              </a:rPr>
-              <a:t> C </a:t>
-            </a:r>
-            <a:r>
-              <a:rPr lang="en-US" sz="5700" dirty="0" smtClean="0">
-                <a:solidFill>
-                  <a:schemeClr val="tx1">
-                    <a:lumMod val="95000"/>
-                    <a:lumOff val="5000"/>
-                  </a:schemeClr>
-                </a:solidFill>
-                <a:latin typeface="Comic Sans MS"/>
-                <a:cs typeface="Comic Sans MS"/>
-              </a:rPr>
-              <a:t>not minimum.</a:t>
-            </a:r>
-          </a:p>
-        </p:txBody>
-      </p:sp>
-      <p:sp>
-        <p:nvSpPr>
-          <p:cNvPr id="4" name="Slide Number Placeholder 3"/>
-          <p:cNvSpPr>
-            <a:spLocks noGrp="1"/>
-          </p:cNvSpPr>
-          <p:nvPr>
-            <p:ph type="sldNum" sz="quarter" idx="4"/>
-          </p:nvPr>
-        </p:nvSpPr>
-        <p:spPr/>
-        <p:txBody>
-          <a:bodyPr/>
-          <a:lstStyle/>
-          <a:p>
-            <a:pPr>
-              <a:defRPr/>
-            </a:pPr>
-            <a:r>
-              <a:rPr lang="en-US" smtClean="0"/>
-              <a:t>connected.</a:t>
-            </a:r>
-            <a:fld id="{D7F2FC53-1536-41A9-A9C1-2199CF803E30}" type="slidenum">
-              <a:rPr lang="en-US" smtClean="0"/>
-              <a:pPr>
-                <a:defRPr/>
-              </a:pPr>
-              <a:t>8</a:t>
-            </a:fld>
-            <a:endParaRPr lang="en-US" dirty="0"/>
-          </a:p>
-        </p:txBody>
-      </p:sp>
-      <p:graphicFrame>
-        <p:nvGraphicFramePr>
-          <p:cNvPr id="5" name="Object 4"/>
-          <p:cNvGraphicFramePr>
-            <a:graphicFrameLocks noChangeAspect="1"/>
-          </p:cNvGraphicFramePr>
-          <p:nvPr>
-            <p:extLst>
-              <p:ext uri="{D42A27DB-BD31-4B8C-83A1-F6EECF244321}">
-                <p14:modId xmlns:p14="http://schemas.microsoft.com/office/powerpoint/2010/main" val="1852909711"/>
-              </p:ext>
-            </p:extLst>
-          </p:nvPr>
-        </p:nvGraphicFramePr>
-        <p:xfrm>
-          <a:off x="1895475" y="3133725"/>
-          <a:ext cx="3362325" cy="1209675"/>
-        </p:xfrm>
-        <a:graphic>
-          <a:graphicData uri="http://schemas.openxmlformats.org/presentationml/2006/ole">
-            <mc:AlternateContent xmlns:mc="http://schemas.openxmlformats.org/markup-compatibility/2006">
-              <mc:Choice xmlns:v="urn:schemas-microsoft-com:vml" Requires="v">
-                <p:oleObj spid="_x0000_s48135" name="Equation" r:id="rId3" imgW="635000" imgH="228600" progId="Equation.DSMT4">
-                  <p:embed/>
-                </p:oleObj>
-              </mc:Choice>
-              <mc:Fallback>
-                <p:oleObj name="Equation" r:id="rId3" imgW="635000" imgH="228600" progId="Equation.DSMT4">
-                  <p:embed/>
-                  <p:pic>
-                    <p:nvPicPr>
-                      <p:cNvPr id="0" name=""/>
-                      <p:cNvPicPr/>
-                      <p:nvPr/>
-                    </p:nvPicPr>
-                    <p:blipFill>
-                      <a:blip r:embed="rId4"/>
-                      <a:stretch>
-                        <a:fillRect/>
-                      </a:stretch>
-                    </p:blipFill>
-                    <p:spPr>
-                      <a:xfrm>
-                        <a:off x="1895475" y="3133725"/>
-                        <a:ext cx="3362325" cy="1209675"/>
-                      </a:xfrm>
-                      <a:prstGeom prst="rect">
-                        <a:avLst/>
-                      </a:prstGeom>
-                    </p:spPr>
-                  </p:pic>
-                </p:oleObj>
-              </mc:Fallback>
-            </mc:AlternateContent>
-          </a:graphicData>
-        </a:graphic>
-      </p:graphicFrame>
-      <p:sp>
-        <p:nvSpPr>
-          <p:cNvPr id="7" name="TextBox 6"/>
-          <p:cNvSpPr txBox="1"/>
-          <p:nvPr/>
-        </p:nvSpPr>
-        <p:spPr>
-          <a:xfrm>
-            <a:off x="3588009" y="1066800"/>
-            <a:ext cx="2174919" cy="923330"/>
-          </a:xfrm>
-          <a:prstGeom prst="rect">
-            <a:avLst/>
-          </a:prstGeom>
-          <a:noFill/>
-        </p:spPr>
-        <p:txBody>
-          <a:bodyPr wrap="none" rtlCol="0">
-            <a:spAutoFit/>
-          </a:bodyPr>
-          <a:lstStyle/>
-          <a:p>
-            <a:r>
-              <a:rPr lang="en-US" sz="5400" dirty="0" smtClean="0">
-                <a:solidFill>
-                  <a:srgbClr val="FF00FF"/>
-                </a:solidFill>
-              </a:rPr>
-              <a:t>proof:</a:t>
-            </a:r>
-            <a:endParaRPr lang="en-US" sz="5400" dirty="0">
-              <a:solidFill>
-                <a:srgbClr val="FF00FF"/>
-              </a:solidFill>
-            </a:endParaRPr>
-          </a:p>
-        </p:txBody>
-      </p:sp>
-      <p:sp>
-        <p:nvSpPr>
-          <p:cNvPr id="8" name="Title 1"/>
-          <p:cNvSpPr>
-            <a:spLocks noGrp="1"/>
-          </p:cNvSpPr>
-          <p:nvPr>
-            <p:ph type="title"/>
-          </p:nvPr>
-        </p:nvSpPr>
-        <p:spPr>
-          <a:xfrm>
-            <a:off x="1219200" y="152400"/>
-            <a:ext cx="7848600" cy="1371600"/>
-          </a:xfrm>
-        </p:spPr>
-        <p:txBody>
-          <a:bodyPr/>
-          <a:lstStyle/>
-          <a:p>
-            <a:r>
-              <a:rPr lang="en-US" dirty="0" smtClean="0">
-                <a:solidFill>
-                  <a:schemeClr val="tx1"/>
-                </a:solidFill>
-              </a:rPr>
-              <a:t>M</a:t>
-            </a:r>
-            <a:r>
-              <a:rPr lang="en-US" dirty="0" smtClean="0"/>
-              <a:t>in </a:t>
-            </a:r>
-            <a:r>
-              <a:rPr lang="en-US" dirty="0"/>
-              <a:t>G</a:t>
-            </a:r>
-            <a:r>
-              <a:rPr lang="en-US" dirty="0" smtClean="0"/>
-              <a:t>ray Edge </a:t>
-            </a:r>
-            <a:r>
-              <a:rPr lang="en-US" dirty="0" smtClean="0">
-                <a:solidFill>
-                  <a:srgbClr val="008000"/>
-                </a:solidFill>
-              </a:rPr>
-              <a:t>Necessary</a:t>
-            </a:r>
-            <a:r>
-              <a:rPr lang="en-US" dirty="0" smtClean="0"/>
-              <a:t> </a:t>
-            </a:r>
-            <a:endParaRPr lang="en-US" dirty="0"/>
-          </a:p>
-        </p:txBody>
-      </p:sp>
-    </p:spTree>
-    <p:extLst>
-      <p:ext uri="{BB962C8B-B14F-4D97-AF65-F5344CB8AC3E}">
-        <p14:creationId xmlns:p14="http://schemas.microsoft.com/office/powerpoint/2010/main" val="2555165277"/>
-      </p:ext>
-    </p:extLst>
-  </p:cSld>
-  <p:clrMapOvr>
-    <a:masterClrMapping/>
-  </p:clrMapOvr>
-  <mc:AlternateContent xmlns:mc="http://schemas.openxmlformats.org/markup-compatibility/2006">
-    <mc:Choice xmlns:p14="http://schemas.microsoft.com/office/powerpoint/2010/main" Requires="p14">
-      <p:transition spd="med" p14:dur="700" advClick="0">
-        <p:fade/>
-      </p:transition>
-    </mc:Choice>
-    <mc:Fallback>
-      <p:transition xmlns:p14="http://schemas.microsoft.com/office/powerpoint/2010/main" spd="med" advClick="0">
-        <p:fade/>
-      </p:transition>
-    </mc:Fallback>
-  </mc:AlternateContent>
-  <p:timing>
-    <p:tnLst>
-      <p:par>
-        <p:cTn xmlns:p14="http://schemas.microsoft.com/office/powerpoint/2010/main" id="1" dur="indefinite" restart="never" nodeType="tmRoot">
-          <p:childTnLst>
-            <p:seq concurrent="1" nextAc="seek">
-              <p:cTn id="2" dur="indefinite" nodeType="mainSeq">
-                <p:childTnLst>
-                  <p:par>
-                    <p:cTn id="3" fill="hold">
-                      <p:stCondLst>
-                        <p:cond delay="indefinite"/>
-                        <p:cond evt="onBegin" delay="0">
-                          <p:tn val="2"/>
-                        </p:cond>
-                      </p:stCondLst>
-                      <p:childTnLst>
-                        <p:par>
-                          <p:cTn id="4" fill="hold">
-                            <p:stCondLst>
-                              <p:cond delay="0"/>
-                            </p:stCondLst>
-                            <p:childTnLst>
-                              <p:par>
-                                <p:cTn id="5" presetID="10" presetClass="entr" presetSubtype="0" fill="hold" grpId="0" nodeType="afterEffect">
-                                  <p:stCondLst>
-                                    <p:cond delay="0"/>
-                                  </p:stCondLst>
-                                  <p:childTnLst>
-                                    <p:set>
-                                      <p:cBhvr>
-                                        <p:cTn id="6" dur="1" fill="hold">
-                                          <p:stCondLst>
-                                            <p:cond delay="0"/>
-                                          </p:stCondLst>
-                                        </p:cTn>
-                                        <p:tgtEl>
-                                          <p:spTgt spid="7"/>
-                                        </p:tgtEl>
-                                        <p:attrNameLst>
-                                          <p:attrName>style.visibility</p:attrName>
-                                        </p:attrNameLst>
-                                      </p:cBhvr>
-                                      <p:to>
-                                        <p:strVal val="visible"/>
-                                      </p:to>
-                                    </p:set>
-                                    <p:animEffect transition="in" filter="fade">
-                                      <p:cBhvr>
-                                        <p:cTn id="7" dur="1000"/>
-                                        <p:tgtEl>
-                                          <p:spTgt spid="7"/>
-                                        </p:tgtEl>
-                                      </p:cBhvr>
-                                    </p:animEffect>
-                                  </p:childTnLst>
-                                </p:cTn>
-                              </p:par>
-                            </p:childTnLst>
-                          </p:cTn>
-                        </p:par>
-                      </p:childTnLst>
-                    </p:cTn>
-                  </p:par>
-                  <p:par>
-                    <p:cTn id="8" fill="hold">
-                      <p:stCondLst>
-                        <p:cond delay="indefinite"/>
-                      </p:stCondLst>
-                      <p:childTnLst>
-                        <p:par>
-                          <p:cTn id="9" fill="hold">
-                            <p:stCondLst>
-                              <p:cond delay="0"/>
-                            </p:stCondLst>
-                            <p:childTnLst>
-                              <p:par>
-                                <p:cTn id="10" presetID="10" presetClass="entr" presetSubtype="0" fill="hold" nodeType="clickEffect">
-                                  <p:stCondLst>
-                                    <p:cond delay="0"/>
-                                  </p:stCondLst>
-                                  <p:childTnLst>
-                                    <p:set>
-                                      <p:cBhvr>
-                                        <p:cTn id="11" dur="1" fill="hold">
-                                          <p:stCondLst>
-                                            <p:cond delay="0"/>
-                                          </p:stCondLst>
-                                        </p:cTn>
-                                        <p:tgtEl>
-                                          <p:spTgt spid="3">
-                                            <p:txEl>
-                                              <p:pRg st="0" end="0"/>
-                                            </p:txEl>
-                                          </p:spTgt>
-                                        </p:tgtEl>
-                                        <p:attrNameLst>
-                                          <p:attrName>style.visibility</p:attrName>
-                                        </p:attrNameLst>
-                                      </p:cBhvr>
-                                      <p:to>
-                                        <p:strVal val="visible"/>
-                                      </p:to>
-                                    </p:set>
-                                    <p:animEffect transition="in" filter="fade">
-                                      <p:cBhvr>
-                                        <p:cTn id="12" dur="500"/>
-                                        <p:tgtEl>
-                                          <p:spTgt spid="3">
-                                            <p:txEl>
-                                              <p:pRg st="0" end="0"/>
-                                            </p:txEl>
-                                          </p:spTgt>
-                                        </p:tgtEl>
-                                      </p:cBhvr>
-                                    </p:animEffect>
-                                  </p:childTnLst>
-                                </p:cTn>
-                              </p:par>
-                            </p:childTnLst>
-                          </p:cTn>
-                        </p:par>
-                      </p:childTnLst>
-                    </p:cTn>
-                  </p:par>
-                  <p:par>
-                    <p:cTn id="13" fill="hold">
-                      <p:stCondLst>
-                        <p:cond delay="indefinite"/>
-                      </p:stCondLst>
-                      <p:childTnLst>
-                        <p:par>
-                          <p:cTn id="14" fill="hold">
-                            <p:stCondLst>
-                              <p:cond delay="0"/>
-                            </p:stCondLst>
-                            <p:childTnLst>
-                              <p:par>
-                                <p:cTn id="15" presetID="10" presetClass="entr" presetSubtype="0" fill="hold" nodeType="clickEffect">
-                                  <p:stCondLst>
-                                    <p:cond delay="0"/>
-                                  </p:stCondLst>
-                                  <p:childTnLst>
-                                    <p:set>
-                                      <p:cBhvr>
-                                        <p:cTn id="16" dur="1" fill="hold">
-                                          <p:stCondLst>
-                                            <p:cond delay="0"/>
-                                          </p:stCondLst>
-                                        </p:cTn>
-                                        <p:tgtEl>
-                                          <p:spTgt spid="3">
-                                            <p:txEl>
-                                              <p:pRg st="1" end="1"/>
-                                            </p:txEl>
-                                          </p:spTgt>
-                                        </p:tgtEl>
-                                        <p:attrNameLst>
-                                          <p:attrName>style.visibility</p:attrName>
-                                        </p:attrNameLst>
-                                      </p:cBhvr>
-                                      <p:to>
-                                        <p:strVal val="visible"/>
-                                      </p:to>
-                                    </p:set>
-                                    <p:animEffect transition="in" filter="fade">
-                                      <p:cBhvr>
-                                        <p:cTn id="17" dur="500"/>
-                                        <p:tgtEl>
-                                          <p:spTgt spid="3">
-                                            <p:txEl>
-                                              <p:pRg st="1" end="1"/>
-                                            </p:txEl>
-                                          </p:spTgt>
-                                        </p:tgtEl>
-                                      </p:cBhvr>
-                                    </p:animEffect>
-                                  </p:childTnLst>
-                                </p:cTn>
-                              </p:par>
-                              <p:par>
-                                <p:cTn id="18" presetID="10" presetClass="entr" presetSubtype="0" fill="hold" nodeType="withEffect">
-                                  <p:stCondLst>
-                                    <p:cond delay="0"/>
-                                  </p:stCondLst>
-                                  <p:childTnLst>
-                                    <p:set>
-                                      <p:cBhvr>
-                                        <p:cTn id="19" dur="1" fill="hold">
-                                          <p:stCondLst>
-                                            <p:cond delay="0"/>
-                                          </p:stCondLst>
-                                        </p:cTn>
-                                        <p:tgtEl>
-                                          <p:spTgt spid="5"/>
-                                        </p:tgtEl>
-                                        <p:attrNameLst>
-                                          <p:attrName>style.visibility</p:attrName>
-                                        </p:attrNameLst>
-                                      </p:cBhvr>
-                                      <p:to>
-                                        <p:strVal val="visible"/>
-                                      </p:to>
-                                    </p:set>
-                                    <p:animEffect transition="in" filter="fade">
-                                      <p:cBhvr>
-                                        <p:cTn id="20" dur="500"/>
-                                        <p:tgtEl>
-                                          <p:spTgt spid="5"/>
-                                        </p:tgtEl>
-                                      </p:cBhvr>
-                                    </p:animEffect>
-                                  </p:childTnLst>
-                                </p:cTn>
-                              </p:par>
-                            </p:childTnLst>
-                          </p:cTn>
-                        </p:par>
-                      </p:childTnLst>
-                    </p:cTn>
-                  </p:par>
-                  <p:par>
-                    <p:cTn id="21" fill="hold">
-                      <p:stCondLst>
-                        <p:cond delay="indefinite"/>
-                      </p:stCondLst>
-                      <p:childTnLst>
-                        <p:par>
-                          <p:cTn id="22" fill="hold">
-                            <p:stCondLst>
-                              <p:cond delay="0"/>
-                            </p:stCondLst>
-                            <p:childTnLst>
-                              <p:par>
-                                <p:cTn id="23" presetID="10" presetClass="entr" presetSubtype="0" fill="hold" nodeType="clickEffect">
-                                  <p:stCondLst>
-                                    <p:cond delay="0"/>
-                                  </p:stCondLst>
-                                  <p:childTnLst>
-                                    <p:set>
-                                      <p:cBhvr>
-                                        <p:cTn id="24" dur="1" fill="hold">
-                                          <p:stCondLst>
-                                            <p:cond delay="0"/>
-                                          </p:stCondLst>
-                                        </p:cTn>
-                                        <p:tgtEl>
-                                          <p:spTgt spid="3">
-                                            <p:txEl>
-                                              <p:pRg st="2" end="2"/>
-                                            </p:txEl>
-                                          </p:spTgt>
-                                        </p:tgtEl>
-                                        <p:attrNameLst>
-                                          <p:attrName>style.visibility</p:attrName>
-                                        </p:attrNameLst>
-                                      </p:cBhvr>
-                                      <p:to>
-                                        <p:strVal val="visible"/>
-                                      </p:to>
-                                    </p:set>
-                                    <p:animEffect transition="in" filter="fade">
-                                      <p:cBhvr>
-                                        <p:cTn id="25" dur="500"/>
-                                        <p:tgtEl>
-                                          <p:spTgt spid="3">
-                                            <p:txEl>
-                                              <p:pRg st="2" end="2"/>
-                                            </p:txEl>
-                                          </p:spTgt>
-                                        </p:tgtEl>
-                                      </p:cBhvr>
-                                    </p:animEffect>
-                                  </p:childTnLst>
-                                </p:cTn>
-                              </p:par>
-                            </p:childTnLst>
-                          </p:cTn>
-                        </p:par>
-                      </p:childTnLst>
-                    </p:cTn>
-                  </p:par>
-                  <p:par>
-                    <p:cTn id="26" fill="hold">
-                      <p:stCondLst>
-                        <p:cond delay="indefinite"/>
-                      </p:stCondLst>
-                      <p:childTnLst>
-                        <p:par>
-                          <p:cTn id="27" fill="hold">
-                            <p:stCondLst>
-                              <p:cond delay="0"/>
-                            </p:stCondLst>
-                            <p:childTnLst>
-                              <p:par>
-                                <p:cTn id="28" presetID="53" presetClass="entr" presetSubtype="16" fill="hold" grpId="0" nodeType="clickEffect">
-                                  <p:stCondLst>
-                                    <p:cond delay="0"/>
-                                  </p:stCondLst>
-                                  <p:childTnLst>
-                                    <p:set>
-                                      <p:cBhvr>
-                                        <p:cTn id="29" dur="1" fill="hold">
-                                          <p:stCondLst>
-                                            <p:cond delay="0"/>
-                                          </p:stCondLst>
-                                        </p:cTn>
-                                        <p:tgtEl>
-                                          <p:spTgt spid="8"/>
-                                        </p:tgtEl>
-                                        <p:attrNameLst>
-                                          <p:attrName>style.visibility</p:attrName>
-                                        </p:attrNameLst>
-                                      </p:cBhvr>
-                                      <p:to>
-                                        <p:strVal val="visible"/>
-                                      </p:to>
-                                    </p:set>
-                                    <p:anim calcmode="lin" valueType="num">
-                                      <p:cBhvr>
-                                        <p:cTn id="30" dur="500" fill="hold"/>
-                                        <p:tgtEl>
-                                          <p:spTgt spid="8"/>
-                                        </p:tgtEl>
-                                        <p:attrNameLst>
-                                          <p:attrName>ppt_w</p:attrName>
-                                        </p:attrNameLst>
-                                      </p:cBhvr>
-                                      <p:tavLst>
-                                        <p:tav tm="0">
-                                          <p:val>
-                                            <p:fltVal val="0"/>
-                                          </p:val>
-                                        </p:tav>
-                                        <p:tav tm="100000">
-                                          <p:val>
-                                            <p:strVal val="#ppt_w"/>
-                                          </p:val>
-                                        </p:tav>
-                                      </p:tavLst>
-                                    </p:anim>
-                                    <p:anim calcmode="lin" valueType="num">
-                                      <p:cBhvr>
-                                        <p:cTn id="31" dur="500" fill="hold"/>
-                                        <p:tgtEl>
-                                          <p:spTgt spid="8"/>
-                                        </p:tgtEl>
-                                        <p:attrNameLst>
-                                          <p:attrName>ppt_h</p:attrName>
-                                        </p:attrNameLst>
-                                      </p:cBhvr>
-                                      <p:tavLst>
-                                        <p:tav tm="0">
-                                          <p:val>
-                                            <p:fltVal val="0"/>
-                                          </p:val>
-                                        </p:tav>
-                                        <p:tav tm="100000">
-                                          <p:val>
-                                            <p:strVal val="#ppt_h"/>
-                                          </p:val>
-                                        </p:tav>
-                                      </p:tavLst>
-                                    </p:anim>
-                                    <p:animEffect transition="in" filter="fade">
-                                      <p:cBhvr>
-                                        <p:cTn id="32" dur="500"/>
-                                        <p:tgtEl>
-                                          <p:spTgt spid="8"/>
-                                        </p:tgtEl>
-                                      </p:cBhvr>
-                                    </p:animEffect>
-                                  </p:childTnLst>
-                                </p:cTn>
-                              </p:par>
-                            </p:childTnLst>
-                          </p:cTn>
-                        </p:par>
-                      </p:childTnLst>
-                    </p:cTn>
-                  </p:par>
-                </p:childTnLst>
-              </p:cTn>
-              <p:prevCondLst>
-                <p:cond evt="onPrev" delay="0">
-                  <p:tgtEl>
-                    <p:sldTgt/>
-                  </p:tgtEl>
-                </p:cond>
-              </p:prevCondLst>
-              <p:nextCondLst>
-                <p:cond evt="onNext" delay="0">
-                  <p:tgtEl>
-                    <p:sldTgt/>
-                  </p:tgtEl>
-                </p:cond>
-              </p:nextCondLst>
-            </p:seq>
-          </p:childTnLst>
-        </p:cTn>
-      </p:par>
-    </p:tnLst>
-    <p:bldLst>
-      <p:bldP spid="7" grpId="0"/>
-      <p:bldP spid="8" grpId="0"/>
-    </p:bldLst>
-  </p:timing>
-</p:sld>
-</file>
-
-<file path=ppt/slides/slide9.xml><?xml version="1.0" encoding="utf-8"?>
-<p:sld xmlns:a="http://schemas.openxmlformats.org/drawingml/2006/main" xmlns:r="http://schemas.openxmlformats.org/officeDocument/2006/relationships" xmlns:p="http://schemas.openxmlformats.org/presentationml/2006/main">
-  <p:cSld>
-    <p:spTree>
-      <p:nvGrpSpPr>
-        <p:cNvPr id="1" name=""/>
-        <p:cNvGrpSpPr/>
-        <p:nvPr/>
-      </p:nvGrpSpPr>
-      <p:grpSpPr>
-        <a:xfrm>
-          <a:off x="0" y="0"/>
-          <a:ext cx="0" cy="0"/>
-          <a:chOff x="0" y="0"/>
-          <a:chExt cx="0" cy="0"/>
-        </a:xfrm>
-      </p:grpSpPr>
-      <p:sp>
-        <p:nvSpPr>
-          <p:cNvPr id="3" name="Content Placeholder 2"/>
-          <p:cNvSpPr>
-            <a:spLocks noGrp="1"/>
-          </p:cNvSpPr>
-          <p:nvPr>
-            <p:ph idx="1"/>
-          </p:nvPr>
-        </p:nvSpPr>
-        <p:spPr>
-          <a:xfrm>
-            <a:off x="0" y="1371600"/>
-            <a:ext cx="8610600" cy="4876800"/>
-          </a:xfrm>
-        </p:spPr>
-        <p:txBody>
-          <a:bodyPr/>
-          <a:lstStyle/>
-          <a:p>
-            <a:r>
-              <a:rPr lang="en-US" sz="6600" dirty="0" smtClean="0">
-                <a:solidFill>
-                  <a:schemeClr val="accent1">
-                    <a:lumMod val="50000"/>
-                  </a:schemeClr>
-                </a:solidFill>
-              </a:rPr>
-              <a:t>Say</a:t>
-            </a:r>
-          </a:p>
-          <a:p>
-            <a:r>
-              <a:rPr lang="en-US" sz="6600" dirty="0" smtClean="0">
-                <a:solidFill>
-                  <a:schemeClr val="accent1">
-                    <a:lumMod val="50000"/>
-                  </a:schemeClr>
-                </a:solidFill>
-              </a:rPr>
-              <a:t>C </a:t>
-            </a:r>
-            <a:r>
-              <a:rPr lang="en-US" sz="6600" dirty="0" smtClean="0"/>
-              <a:t>connected, so have</a:t>
-            </a:r>
-          </a:p>
-          <a:p>
-            <a:r>
-              <a:rPr lang="en-US" sz="6600" dirty="0" smtClean="0"/>
-              <a:t>path </a:t>
-            </a:r>
-            <a:endParaRPr lang="en-US" sz="6600" dirty="0"/>
-          </a:p>
-        </p:txBody>
-      </p:sp>
-      <p:sp>
-        <p:nvSpPr>
-          <p:cNvPr id="4" name="Slide Number Placeholder 3"/>
-          <p:cNvSpPr>
-            <a:spLocks noGrp="1"/>
-          </p:cNvSpPr>
-          <p:nvPr>
-            <p:ph type="sldNum" sz="quarter" idx="4"/>
-          </p:nvPr>
-        </p:nvSpPr>
-        <p:spPr/>
-        <p:txBody>
-          <a:bodyPr/>
-          <a:lstStyle/>
-          <a:p>
-            <a:pPr>
-              <a:defRPr/>
-            </a:pPr>
-            <a:r>
-              <a:rPr lang="en-US" smtClean="0"/>
-              <a:t>connected.</a:t>
-            </a:r>
-            <a:fld id="{D7F2FC53-1536-41A9-A9C1-2199CF803E30}" type="slidenum">
-              <a:rPr lang="en-US" smtClean="0"/>
-              <a:pPr>
-                <a:defRPr/>
-              </a:pPr>
-              <a:t>9</a:t>
-            </a:fld>
-            <a:endParaRPr lang="en-US" dirty="0"/>
-          </a:p>
-        </p:txBody>
-      </p:sp>
-      <p:sp>
-        <p:nvSpPr>
-          <p:cNvPr id="5" name="Title 1"/>
-          <p:cNvSpPr>
-            <a:spLocks noGrp="1"/>
-          </p:cNvSpPr>
-          <p:nvPr>
-            <p:ph type="title"/>
-          </p:nvPr>
-        </p:nvSpPr>
-        <p:spPr>
-          <a:xfrm>
-            <a:off x="1524000" y="304800"/>
-            <a:ext cx="7086600" cy="990600"/>
-          </a:xfrm>
-        </p:spPr>
-        <p:txBody>
-          <a:bodyPr/>
-          <a:lstStyle/>
-          <a:p>
-            <a:r>
-              <a:rPr lang="en-US" dirty="0" smtClean="0"/>
-              <a:t>Proof of Swap Lemma</a:t>
-            </a:r>
-            <a:endParaRPr lang="en-US" dirty="0"/>
-          </a:p>
-        </p:txBody>
-      </p:sp>
-      <p:graphicFrame>
-        <p:nvGraphicFramePr>
-          <p:cNvPr id="2" name="Object 1"/>
-          <p:cNvGraphicFramePr>
-            <a:graphicFrameLocks noChangeAspect="1"/>
-          </p:cNvGraphicFramePr>
-          <p:nvPr>
-            <p:extLst>
-              <p:ext uri="{D42A27DB-BD31-4B8C-83A1-F6EECF244321}">
-                <p14:modId xmlns:p14="http://schemas.microsoft.com/office/powerpoint/2010/main" val="1115191942"/>
-              </p:ext>
-            </p:extLst>
-          </p:nvPr>
-        </p:nvGraphicFramePr>
-        <p:xfrm>
-          <a:off x="1828800" y="1524000"/>
-          <a:ext cx="6965950" cy="949325"/>
-        </p:xfrm>
-        <a:graphic>
-          <a:graphicData uri="http://schemas.openxmlformats.org/presentationml/2006/ole">
-            <mc:AlternateContent xmlns:mc="http://schemas.openxmlformats.org/markup-compatibility/2006">
-              <mc:Choice xmlns:v="urn:schemas-microsoft-com:vml" Requires="v">
-                <p:oleObj spid="_x0000_s40971" name="Equation" r:id="rId3" imgW="1117600" imgH="152400" progId="Equation.DSMT4">
-                  <p:embed/>
-                </p:oleObj>
-              </mc:Choice>
-              <mc:Fallback>
-                <p:oleObj name="Equation" r:id="rId3" imgW="1117600" imgH="152400" progId="Equation.DSMT4">
-                  <p:embed/>
-                  <p:pic>
-                    <p:nvPicPr>
-                      <p:cNvPr id="0" name=""/>
-                      <p:cNvPicPr/>
-                      <p:nvPr/>
-                    </p:nvPicPr>
-                    <p:blipFill>
-                      <a:blip r:embed="rId4"/>
-                      <a:stretch>
-                        <a:fillRect/>
-                      </a:stretch>
-                    </p:blipFill>
-                    <p:spPr>
-                      <a:xfrm>
-                        <a:off x="1828800" y="1524000"/>
-                        <a:ext cx="6965950" cy="949325"/>
-                      </a:xfrm>
-                      <a:prstGeom prst="rect">
-                        <a:avLst/>
-                      </a:prstGeom>
-                    </p:spPr>
-                  </p:pic>
-                </p:oleObj>
-              </mc:Fallback>
-            </mc:AlternateContent>
-          </a:graphicData>
-        </a:graphic>
-      </p:graphicFrame>
-      <p:graphicFrame>
-        <p:nvGraphicFramePr>
-          <p:cNvPr id="6" name="Object 5"/>
-          <p:cNvGraphicFramePr>
-            <a:graphicFrameLocks noChangeAspect="1"/>
-          </p:cNvGraphicFramePr>
-          <p:nvPr>
-            <p:extLst>
-              <p:ext uri="{D42A27DB-BD31-4B8C-83A1-F6EECF244321}">
-                <p14:modId xmlns:p14="http://schemas.microsoft.com/office/powerpoint/2010/main" val="3464030949"/>
-              </p:ext>
-            </p:extLst>
-          </p:nvPr>
-        </p:nvGraphicFramePr>
-        <p:xfrm>
-          <a:off x="1295400" y="4657726"/>
-          <a:ext cx="6553200" cy="1684002"/>
-        </p:xfrm>
-        <a:graphic>
-          <a:graphicData uri="http://schemas.openxmlformats.org/presentationml/2006/ole">
-            <mc:AlternateContent xmlns:mc="http://schemas.openxmlformats.org/markup-compatibility/2006">
-              <mc:Choice xmlns:v="urn:schemas-microsoft-com:vml" Requires="v">
-                <p:oleObj spid="_x0000_s40972" name="Equation" r:id="rId5" imgW="889000" imgH="228600" progId="Equation.DSMT4">
-                  <p:embed/>
-                </p:oleObj>
-              </mc:Choice>
-              <mc:Fallback>
-                <p:oleObj name="Equation" r:id="rId5" imgW="889000" imgH="228600" progId="Equation.DSMT4">
-                  <p:embed/>
-                  <p:pic>
-                    <p:nvPicPr>
-                      <p:cNvPr id="0" name=""/>
-                      <p:cNvPicPr/>
-                      <p:nvPr/>
-                    </p:nvPicPr>
-                    <p:blipFill>
-                      <a:blip r:embed="rId6"/>
-                      <a:stretch>
-                        <a:fillRect/>
-                      </a:stretch>
-                    </p:blipFill>
-                    <p:spPr>
-                      <a:xfrm>
-                        <a:off x="1295400" y="4657726"/>
-                        <a:ext cx="6553200" cy="1684002"/>
-                      </a:xfrm>
-                      <a:prstGeom prst="rect">
-                        <a:avLst/>
-                      </a:prstGeom>
-                    </p:spPr>
-                  </p:pic>
-                </p:oleObj>
-              </mc:Fallback>
-            </mc:AlternateContent>
-          </a:graphicData>
-        </a:graphic>
-      </p:graphicFrame>
-    </p:spTree>
-    <p:extLst>
-      <p:ext uri="{BB962C8B-B14F-4D97-AF65-F5344CB8AC3E}">
-        <p14:creationId xmlns:p14="http://schemas.microsoft.com/office/powerpoint/2010/main" val="1495890989"/>
-      </p:ext>
-    </p:extLst>
-  </p:cSld>
-  <p:clrMapOvr>
-    <a:masterClrMapping/>
-  </p:clrMapOvr>
-  <mc:AlternateContent xmlns:mc="http://schemas.openxmlformats.org/markup-compatibility/2006" xmlns:p14="http://schemas.microsoft.com/office/powerpoint/2010/main">
-    <mc:Choice Requires="p14">
-      <p:transition spd="slow" p14:dur="1100" advClick="0">
-        <p:fade thruBlk="1"/>
-      </p:transition>
-    </mc:Choice>
-    <mc:Fallback xmlns="">
-      <p:transition xmlns:p14="http://schemas.microsoft.com/office/powerpoint/2010/main" spd="slow" advClick="0">
-        <p:fade thruBlk="1"/>
-      </p:transition>
-    </mc:Fallback>
-  </mc:AlternateContent>
-  <p:timing>
-    <p:tnLst>
-      <p:par>
-        <p:cTn xmlns:p14="http://schemas.microsoft.com/office/powerpoint/2010/main" id="1" dur="indefinite" restart="never" nodeType="tmRoot">
-          <p:childTnLst>
-            <p:seq concurrent="1" nextAc="seek">
-              <p:cTn id="2" dur="indefinite" nodeType="mainSeq">
-                <p:childTnLst>
-                  <p:par>
-                    <p:cTn id="3" fill="hold">
-                      <p:stCondLst>
-                        <p:cond delay="indefinite"/>
-                      </p:stCondLst>
-                      <p:childTnLst>
-                        <p:par>
-                          <p:cTn id="4" fill="hold">
-                            <p:stCondLst>
-                              <p:cond delay="0"/>
-                            </p:stCondLst>
-                            <p:childTnLst>
-                              <p:par>
-                                <p:cTn id="5" presetID="10" presetClass="entr" presetSubtype="0" fill="hold" nodeType="clickEffect">
-                                  <p:stCondLst>
-                                    <p:cond delay="0"/>
-                                  </p:stCondLst>
-                                  <p:childTnLst>
-                                    <p:set>
-                                      <p:cBhvr>
-                                        <p:cTn id="6" dur="1" fill="hold">
-                                          <p:stCondLst>
-                                            <p:cond delay="0"/>
-                                          </p:stCondLst>
-                                        </p:cTn>
-                                        <p:tgtEl>
-                                          <p:spTgt spid="3">
-                                            <p:txEl>
-                                              <p:pRg st="1" end="1"/>
-                                            </p:txEl>
-                                          </p:spTgt>
-                                        </p:tgtEl>
-                                        <p:attrNameLst>
-                                          <p:attrName>style.visibility</p:attrName>
-                                        </p:attrNameLst>
-                                      </p:cBhvr>
-                                      <p:to>
-                                        <p:strVal val="visible"/>
-                                      </p:to>
-                                    </p:set>
-                                    <p:animEffect transition="in" filter="fade">
-                                      <p:cBhvr>
-                                        <p:cTn id="7" dur="500"/>
-                                        <p:tgtEl>
-                                          <p:spTgt spid="3">
-                                            <p:txEl>
-                                              <p:pRg st="1" end="1"/>
-                                            </p:txEl>
-                                          </p:spTgt>
-                                        </p:tgtEl>
-                                      </p:cBhvr>
-                                    </p:animEffect>
-                                  </p:childTnLst>
-                                </p:cTn>
-                              </p:par>
-                              <p:par>
-                                <p:cTn id="8" presetID="10" presetClass="entr" presetSubtype="0" fill="hold" nodeType="withEffect">
-                                  <p:stCondLst>
-                                    <p:cond delay="0"/>
-                                  </p:stCondLst>
-                                  <p:childTnLst>
-                                    <p:set>
-                                      <p:cBhvr>
-                                        <p:cTn id="9" dur="1" fill="hold">
-                                          <p:stCondLst>
-                                            <p:cond delay="0"/>
-                                          </p:stCondLst>
-                                        </p:cTn>
-                                        <p:tgtEl>
-                                          <p:spTgt spid="3">
-                                            <p:txEl>
-                                              <p:pRg st="2" end="2"/>
-                                            </p:txEl>
-                                          </p:spTgt>
-                                        </p:tgtEl>
-                                        <p:attrNameLst>
-                                          <p:attrName>style.visibility</p:attrName>
-                                        </p:attrNameLst>
-                                      </p:cBhvr>
-                                      <p:to>
-                                        <p:strVal val="visible"/>
-                                      </p:to>
-                                    </p:set>
-                                    <p:animEffect transition="in" filter="fade">
-                                      <p:cBhvr>
-                                        <p:cTn id="10" dur="500"/>
-                                        <p:tgtEl>
-                                          <p:spTgt spid="3">
-                                            <p:txEl>
-                                              <p:pRg st="2" end="2"/>
-                                            </p:txEl>
-                                          </p:spTgt>
-                                        </p:tgtEl>
-                                      </p:cBhvr>
-                                    </p:animEffect>
-                                  </p:childTnLst>
-                                </p:cTn>
-                              </p:par>
-                            </p:childTnLst>
-                          </p:cTn>
-                        </p:par>
-                      </p:childTnLst>
-                    </p:cTn>
-                  </p:par>
-                  <p:par>
-                    <p:cTn id="11" fill="hold">
-                      <p:stCondLst>
-                        <p:cond delay="indefinite"/>
-                      </p:stCondLst>
-                      <p:childTnLst>
-                        <p:par>
-                          <p:cTn id="12" fill="hold">
-                            <p:stCondLst>
-                              <p:cond delay="0"/>
-                            </p:stCondLst>
-                            <p:childTnLst>
-                              <p:par>
-                                <p:cTn id="13" presetID="10" presetClass="entr" presetSubtype="0" fill="hold" nodeType="clickEffect">
-                                  <p:stCondLst>
-                                    <p:cond delay="0"/>
-                                  </p:stCondLst>
-                                  <p:childTnLst>
-                                    <p:set>
-                                      <p:cBhvr>
-                                        <p:cTn id="14" dur="1" fill="hold">
-                                          <p:stCondLst>
-                                            <p:cond delay="0"/>
-                                          </p:stCondLst>
-                                        </p:cTn>
-                                        <p:tgtEl>
-                                          <p:spTgt spid="6"/>
-                                        </p:tgtEl>
-                                        <p:attrNameLst>
-                                          <p:attrName>style.visibility</p:attrName>
-                                        </p:attrNameLst>
-                                      </p:cBhvr>
-                                      <p:to>
-                                        <p:strVal val="visible"/>
-                                      </p:to>
-                                    </p:set>
-                                    <p:animEffect transition="in" filter="fade">
-                                      <p:cBhvr>
-                                        <p:cTn id="15" dur="500"/>
-                                        <p:tgtEl>
-                                          <p:spTgt spid="6"/>
-                                        </p:tgtEl>
-                                      </p:cBhvr>
-                                    </p:animEffect>
-                                  </p:childTnLst>
-                                </p:cTn>
-                              </p:par>
-                            </p:childTnLst>
-                          </p:cTn>
-                        </p:par>
-                      </p:childTnLst>
-                    </p:cTn>
-                  </p:par>
-                </p:childTnLst>
-              </p:cTn>
-              <p:prevCondLst>
-                <p:cond evt="onPrev" delay="0">
-                  <p:tgtEl>
-                    <p:sldTgt/>
-                  </p:tgtEl>
-                </p:cond>
-              </p:prevCondLst>
-              <p:nextCondLst>
-                <p:cond evt="onNext" delay="0">
-                  <p:tgtEl>
-                    <p:sldTgt/>
-                  </p:tgtEl>
-                </p:cond>
-              </p:nextCondLst>
-            </p:seq>
-          </p:childTnLst>
-        </p:cTn>
-      </p:par>
-    </p:tnLst>
   </p:timing>
 </p:sld>
 </file>

--- a/spring17/slidesS17/gray-edges.pptx
+++ b/spring17/slidesS17/gray-edges.pptx
@@ -2329,22 +2329,7 @@
                 <a:uFillTx/>
                 <a:latin typeface="Comic Sans MS" pitchFamily="66" charset="0"/>
               </a:rPr>
-              <a:t>Albert R Meyer       April </a:t>
-            </a:r>
-            <a:r>
-              <a:rPr kumimoji="0" lang="en-US" sz="1200" b="0" i="0" u="none" strike="noStrike" kern="1200" cap="none" spc="0" normalizeH="0" baseline="0" noProof="0" dirty="0" smtClean="0">
-                <a:ln>
-                  <a:noFill/>
-                </a:ln>
-                <a:solidFill>
-                  <a:schemeClr val="tx1"/>
-                </a:solidFill>
-                <a:effectLst/>
-                <a:uLnTx/>
-                <a:uFillTx/>
-                <a:latin typeface="Comic Sans MS" pitchFamily="66" charset="0"/>
-              </a:rPr>
-              <a:t>14, 2017</a:t>
+              <a:t>Albert R Meyer       April 14, 2017</a:t>
             </a:r>
             <a:endParaRPr kumimoji="0" lang="en-US" sz="1200" b="0" i="0" u="none" strike="noStrike" kern="1200" cap="none" spc="0" normalizeH="0" baseline="0" noProof="0" dirty="0">
               <a:ln>
@@ -4193,7 +4178,7 @@
           <a:graphicData uri="http://schemas.openxmlformats.org/presentationml/2006/ole">
             <mc:AlternateContent xmlns:mc="http://schemas.openxmlformats.org/markup-compatibility/2006">
               <mc:Choice xmlns:v="urn:schemas-microsoft-com:vml" Requires="v">
-                <p:oleObj spid="_x0000_s1033" name="Equation" r:id="rId3" imgW="635000" imgH="228600" progId="Equation.DSMT4">
+                <p:oleObj spid="_x0000_s1035" name="Equation" r:id="rId3" imgW="635000" imgH="228600" progId="Equation.DSMT4">
                   <p:embed/>
                 </p:oleObj>
               </mc:Choice>
@@ -4238,13 +4223,13 @@
   <p:clrMapOvr>
     <a:masterClrMapping/>
   </p:clrMapOvr>
-  <mc:AlternateContent xmlns:mc="http://schemas.openxmlformats.org/markup-compatibility/2006">
-    <mc:Choice xmlns:p14="http://schemas.microsoft.com/office/powerpoint/2010/main" Requires="p14">
+  <mc:AlternateContent xmlns:mc="http://schemas.openxmlformats.org/markup-compatibility/2006" xmlns:p14="http://schemas.microsoft.com/office/powerpoint/2010/main">
+    <mc:Choice Requires="p14">
       <p:transition spd="slow" p14:dur="800" advClick="0">
         <p:fade/>
       </p:transition>
     </mc:Choice>
-    <mc:Fallback>
+    <mc:Fallback xmlns="">
       <p:transition xmlns:p14="http://schemas.microsoft.com/office/powerpoint/2010/main" spd="slow" advClick="0">
         <p:fade/>
       </p:transition>
@@ -4518,15 +4503,7 @@
             </a:r>
             <a:r>
               <a:rPr lang="en-US" sz="5400" dirty="0" smtClean="0"/>
-              <a:t>. </a:t>
-            </a:r>
-            <a:r>
-              <a:rPr lang="en-US" sz="5400" dirty="0" smtClean="0"/>
-              <a:t>Then </a:t>
-            </a:r>
-            <a:r>
-              <a:rPr lang="en-US" sz="5400" dirty="0" smtClean="0"/>
-              <a:t>there is </a:t>
+              <a:t>. Then there is </a:t>
             </a:r>
             <a:r>
               <a:rPr lang="en-US" sz="5400" dirty="0"/>
@@ -4767,7 +4744,7 @@
           <a:graphicData uri="http://schemas.openxmlformats.org/presentationml/2006/ole">
             <mc:AlternateContent xmlns:mc="http://schemas.openxmlformats.org/markup-compatibility/2006">
               <mc:Choice xmlns:v="urn:schemas-microsoft-com:vml" Requires="v">
-                <p:oleObj spid="_x0000_s54278" name="Equation" r:id="rId3" imgW="635000" imgH="228600" progId="Equation.DSMT4">
+                <p:oleObj spid="_x0000_s54280" name="Equation" r:id="rId3" imgW="635000" imgH="228600" progId="Equation.DSMT4">
                   <p:embed/>
                 </p:oleObj>
               </mc:Choice>
@@ -5424,7 +5401,7 @@
           <a:graphicData uri="http://schemas.openxmlformats.org/presentationml/2006/ole">
             <mc:AlternateContent xmlns:mc="http://schemas.openxmlformats.org/markup-compatibility/2006">
               <mc:Choice xmlns:v="urn:schemas-microsoft-com:vml" Requires="v">
-                <p:oleObj spid="_x0000_s48149" name="Equation" r:id="rId3" imgW="635000" imgH="228600" progId="Equation.DSMT4">
+                <p:oleObj spid="_x0000_s48151" name="Equation" r:id="rId3" imgW="635000" imgH="228600" progId="Equation.DSMT4">
                   <p:embed/>
                 </p:oleObj>
               </mc:Choice>
@@ -5525,13 +5502,13 @@
   <p:clrMapOvr>
     <a:masterClrMapping/>
   </p:clrMapOvr>
-  <mc:AlternateContent xmlns:mc="http://schemas.openxmlformats.org/markup-compatibility/2006">
-    <mc:Choice xmlns:p14="http://schemas.microsoft.com/office/powerpoint/2010/main" Requires="p14">
+  <mc:AlternateContent xmlns:mc="http://schemas.openxmlformats.org/markup-compatibility/2006" xmlns:p14="http://schemas.microsoft.com/office/powerpoint/2010/main">
+    <mc:Choice Requires="p14">
       <p:transition spd="med" p14:dur="700" advClick="0">
         <p:fade/>
       </p:transition>
     </mc:Choice>
-    <mc:Fallback>
+    <mc:Fallback xmlns="">
       <p:transition xmlns:p14="http://schemas.microsoft.com/office/powerpoint/2010/main" spd="med" advClick="0">
         <p:fade/>
       </p:transition>
@@ -5961,7 +5938,7 @@
           <a:graphicData uri="http://schemas.openxmlformats.org/presentationml/2006/ole">
             <mc:AlternateContent xmlns:mc="http://schemas.openxmlformats.org/markup-compatibility/2006">
               <mc:Choice xmlns:v="urn:schemas-microsoft-com:vml" Requires="v">
-                <p:oleObj spid="_x0000_s40994" name="Equation" r:id="rId3" imgW="1117600" imgH="152400" progId="Equation.DSMT4">
+                <p:oleObj spid="_x0000_s40997" name="Equation" r:id="rId3" imgW="1117600" imgH="152400" progId="Equation.DSMT4">
                   <p:embed/>
                 </p:oleObj>
               </mc:Choice>
@@ -6018,7 +5995,7 @@
           <a:graphicData uri="http://schemas.openxmlformats.org/presentationml/2006/ole">
             <mc:AlternateContent xmlns:mc="http://schemas.openxmlformats.org/markup-compatibility/2006">
               <mc:Choice xmlns:v="urn:schemas-microsoft-com:vml" Requires="v">
-                <p:oleObj spid="_x0000_s40995" name="Equation" r:id="rId5" imgW="889000" imgH="228600" progId="Equation.DSMT4">
+                <p:oleObj spid="_x0000_s40998" name="Equation" r:id="rId5" imgW="889000" imgH="228600" progId="Equation.DSMT4">
                   <p:embed/>
                 </p:oleObj>
               </mc:Choice>
@@ -18016,7 +17993,7 @@
           <a:graphicData uri="http://schemas.openxmlformats.org/presentationml/2006/ole">
             <mc:AlternateContent xmlns:mc="http://schemas.openxmlformats.org/markup-compatibility/2006">
               <mc:Choice xmlns:v="urn:schemas-microsoft-com:vml" Requires="v">
-                <p:oleObj spid="_x0000_s42003" name="Equation" r:id="rId3" imgW="393700" imgH="228600" progId="Equation.DSMT4">
+                <p:oleObj spid="_x0000_s42005" name="Equation" r:id="rId3" imgW="393700" imgH="228600" progId="Equation.DSMT4">
                   <p:embed/>
                 </p:oleObj>
               </mc:Choice>
@@ -21024,7 +21001,7 @@
           <a:graphicData uri="http://schemas.openxmlformats.org/presentationml/2006/ole">
             <mc:AlternateContent xmlns:mc="http://schemas.openxmlformats.org/markup-compatibility/2006">
               <mc:Choice xmlns:v="urn:schemas-microsoft-com:vml" Requires="v">
-                <p:oleObj spid="_x0000_s43027" name="Equation" r:id="rId3" imgW="635000" imgH="228600" progId="Equation.DSMT4">
+                <p:oleObj spid="_x0000_s43029" name="Equation" r:id="rId3" imgW="635000" imgH="228600" progId="Equation.DSMT4">
                   <p:embed/>
                 </p:oleObj>
               </mc:Choice>
@@ -21447,7 +21424,7 @@
             <a:graphicData uri="http://schemas.openxmlformats.org/presentationml/2006/ole">
               <mc:AlternateContent xmlns:mc="http://schemas.openxmlformats.org/markup-compatibility/2006">
                 <mc:Choice xmlns:v="urn:schemas-microsoft-com:vml" Requires="v">
-                  <p:oleObj spid="_x0000_s44051" name="Equation" r:id="rId3" imgW="635000" imgH="228600" progId="Equation.DSMT4">
+                  <p:oleObj spid="_x0000_s44053" name="Equation" r:id="rId3" imgW="635000" imgH="228600" progId="Equation.DSMT4">
                     <p:embed/>
                   </p:oleObj>
                 </mc:Choice>
@@ -23680,7 +23657,7 @@
           <a:graphicData uri="http://schemas.openxmlformats.org/presentationml/2006/ole">
             <mc:AlternateContent xmlns:mc="http://schemas.openxmlformats.org/markup-compatibility/2006">
               <mc:Choice xmlns:v="urn:schemas-microsoft-com:vml" Requires="v">
-                <p:oleObj spid="_x0000_s46099" name="Equation" r:id="rId3" imgW="635000" imgH="228600" progId="Equation.DSMT4">
+                <p:oleObj spid="_x0000_s46101" name="Equation" r:id="rId3" imgW="635000" imgH="228600" progId="Equation.DSMT4">
                   <p:embed/>
                 </p:oleObj>
               </mc:Choice>
@@ -24193,23 +24170,7 @@
                   <a:srgbClr val="000000"/>
                 </a:solidFill>
               </a:rPr>
-              <a:t>There is a spanning tree built of min</a:t>
-            </a:r>
-            <a:r>
-              <a:rPr lang="en-US" sz="5400" dirty="0" smtClean="0">
-                <a:solidFill>
-                  <a:srgbClr val="000000"/>
-                </a:solidFill>
-              </a:rPr>
-              <a:t>-weight gray  </a:t>
-            </a:r>
-            <a:r>
-              <a:rPr lang="en-US" sz="5400" dirty="0" smtClean="0">
-                <a:solidFill>
-                  <a:srgbClr val="000000"/>
-                </a:solidFill>
-              </a:rPr>
-              <a:t>edges</a:t>
+              <a:t>There is a spanning tree built of min-weight gray  edges</a:t>
             </a:r>
           </a:p>
           <a:p>
@@ -24221,11 +24182,6 @@
               </a:rPr>
               <a:t> -- from previous slides.</a:t>
             </a:r>
-            <a:endParaRPr lang="en-US" sz="5400" dirty="0" smtClean="0">
-              <a:solidFill>
-                <a:srgbClr val="000000"/>
-              </a:solidFill>
-            </a:endParaRPr>
           </a:p>
         </p:txBody>
       </p:sp>
@@ -24517,13 +24473,13 @@
   <p:clrMapOvr>
     <a:masterClrMapping/>
   </p:clrMapOvr>
-  <mc:AlternateContent xmlns:mc="http://schemas.openxmlformats.org/markup-compatibility/2006">
-    <mc:Choice xmlns:p14="http://schemas.microsoft.com/office/powerpoint/2010/main" Requires="p14">
+  <mc:AlternateContent xmlns:mc="http://schemas.openxmlformats.org/markup-compatibility/2006" xmlns:p14="http://schemas.microsoft.com/office/powerpoint/2010/main">
+    <mc:Choice Requires="p14">
       <p:transition spd="med" p14:dur="700" advClick="0">
         <p:fade/>
       </p:transition>
     </mc:Choice>
-    <mc:Fallback>
+    <mc:Fallback xmlns="">
       <p:transition xmlns:p14="http://schemas.microsoft.com/office/powerpoint/2010/main" spd="med" advClick="0">
         <p:fade/>
       </p:transition>
@@ -24737,21 +24693,8 @@
                   <a:srgbClr val="000000"/>
                 </a:solidFill>
               </a:rPr>
-              <a:t> with all the min-weight gray  edges is </a:t>
-            </a:r>
-            <a:r>
-              <a:rPr lang="en-US" sz="5400" dirty="0" smtClean="0">
-                <a:solidFill>
-                  <a:srgbClr val="000000"/>
-                </a:solidFill>
-              </a:rPr>
-              <a:t>min-gray.</a:t>
-            </a:r>
-            <a:endParaRPr lang="en-US" sz="5400" dirty="0" smtClean="0">
-              <a:solidFill>
-                <a:srgbClr val="000000"/>
-              </a:solidFill>
-            </a:endParaRPr>
+              <a:t> with all the min-weight gray  edges is min-gray.</a:t>
+            </a:r>
           </a:p>
           <a:p>
             <a:pPr>
@@ -28024,7 +27967,6 @@
               <a:rPr lang="en-US" sz="6000" dirty="0" smtClean="0"/>
               <a:t> connected</a:t>
             </a:r>
-            <a:endParaRPr lang="en-US" sz="6000" dirty="0" smtClean="0"/>
           </a:p>
         </p:txBody>
       </p:sp>
@@ -28764,13 +28706,13 @@
   <p:clrMapOvr>
     <a:masterClrMapping/>
   </p:clrMapOvr>
-  <mc:AlternateContent xmlns:mc="http://schemas.openxmlformats.org/markup-compatibility/2006">
-    <mc:Choice xmlns:p14="http://schemas.microsoft.com/office/powerpoint/2010/main" Requires="p14">
+  <mc:AlternateContent xmlns:mc="http://schemas.openxmlformats.org/markup-compatibility/2006" xmlns:p14="http://schemas.microsoft.com/office/powerpoint/2010/main">
+    <mc:Choice Requires="p14">
       <p:transition spd="med" p14:dur="600" advClick="0">
         <p:fade/>
       </p:transition>
     </mc:Choice>
-    <mc:Fallback>
+    <mc:Fallback xmlns="">
       <p:transition xmlns:p14="http://schemas.microsoft.com/office/powerpoint/2010/main" spd="med" advClick="0">
         <p:fade/>
       </p:transition>
@@ -29642,11 +29584,6 @@
               </a:rPr>
               <a:t> </a:t>
             </a:r>
-            <a:endParaRPr lang="en-US" sz="5400" dirty="0" smtClean="0">
-              <a:solidFill>
-                <a:srgbClr val="0000E5"/>
-              </a:solidFill>
-            </a:endParaRPr>
           </a:p>
           <a:p>
             <a:r>
